--- a/Group Project Presentation (1).pptx
+++ b/Group Project Presentation (1).pptx
@@ -5,7 +5,7 @@
     <p:sldMasterId id="2147483659" r:id="rId1"/>
   </p:sldMasterIdLst>
   <p:notesMasterIdLst>
-    <p:notesMasterId r:id="rId14"/>
+    <p:notesMasterId r:id="rId20"/>
   </p:notesMasterIdLst>
   <p:sldIdLst>
     <p:sldId id="256" r:id="rId2"/>
@@ -15,28 +15,34 @@
     <p:sldId id="259" r:id="rId6"/>
     <p:sldId id="260" r:id="rId7"/>
     <p:sldId id="261" r:id="rId8"/>
-    <p:sldId id="264" r:id="rId9"/>
-    <p:sldId id="265" r:id="rId10"/>
-    <p:sldId id="266" r:id="rId11"/>
-    <p:sldId id="263" r:id="rId12"/>
-    <p:sldId id="267" r:id="rId13"/>
+    <p:sldId id="270" r:id="rId9"/>
+    <p:sldId id="263" r:id="rId10"/>
+    <p:sldId id="277" r:id="rId11"/>
+    <p:sldId id="274" r:id="rId12"/>
+    <p:sldId id="272" r:id="rId13"/>
+    <p:sldId id="275" r:id="rId14"/>
+    <p:sldId id="273" r:id="rId15"/>
+    <p:sldId id="276" r:id="rId16"/>
+    <p:sldId id="267" r:id="rId17"/>
+    <p:sldId id="278" r:id="rId18"/>
+    <p:sldId id="279" r:id="rId19"/>
   </p:sldIdLst>
   <p:sldSz cx="9144000" cy="5143500" type="screen16x9"/>
   <p:notesSz cx="6858000" cy="9144000"/>
   <p:embeddedFontLst>
     <p:embeddedFont>
       <p:font typeface="Lato" panose="020F0502020204030203" pitchFamily="34" charset="0"/>
-      <p:regular r:id="rId15"/>
-      <p:bold r:id="rId16"/>
-      <p:italic r:id="rId17"/>
-      <p:boldItalic r:id="rId18"/>
+      <p:regular r:id="rId21"/>
+      <p:bold r:id="rId22"/>
+      <p:italic r:id="rId23"/>
+      <p:boldItalic r:id="rId24"/>
     </p:embeddedFont>
     <p:embeddedFont>
       <p:font typeface="Montserrat" panose="00000500000000000000" pitchFamily="2" charset="0"/>
-      <p:regular r:id="rId19"/>
-      <p:bold r:id="rId20"/>
-      <p:italic r:id="rId21"/>
-      <p:boldItalic r:id="rId22"/>
+      <p:regular r:id="rId25"/>
+      <p:bold r:id="rId26"/>
+      <p:italic r:id="rId27"/>
+      <p:boldItalic r:id="rId28"/>
     </p:embeddedFont>
   </p:embeddedFontLst>
   <p:defaultTextStyle>
@@ -268,6 +274,11 @@
       </a:defRPr>
     </a:lvl9pPr>
   </p:defaultTextStyle>
+  <p:extLst>
+    <p:ext uri="{EFAFB233-063F-42B5-8137-9DF3F51BA10A}">
+      <p15:sldGuideLst xmlns:p15="http://schemas.microsoft.com/office/powerpoint/2012/main"/>
+    </p:ext>
+  </p:extLst>
 </p:presentation>
 </file>
 
@@ -1001,7 +1012,7 @@
   <p:cSld>
     <p:spTree>
       <p:nvGrpSpPr>
-        <p:cNvPr id="1" name="Shape 218"/>
+        <p:cNvPr id="1" name="Shape 181"/>
         <p:cNvGrpSpPr/>
         <p:nvPr/>
       </p:nvGrpSpPr>
@@ -1015,7 +1026,7 @@
       </p:grpSpPr>
       <p:sp>
         <p:nvSpPr>
-          <p:cNvPr id="219" name="Google Shape;219;g2c468cf6ee2_0_74:notes"/>
+          <p:cNvPr id="182" name="Google Shape;182;g2c3ec0919f1_0_135:notes"/>
           <p:cNvSpPr>
             <a:spLocks noGrp="1" noRot="1" noChangeAspect="1"/>
           </p:cNvSpPr>
@@ -1056,7 +1067,7 @@
       </p:sp>
       <p:sp>
         <p:nvSpPr>
-          <p:cNvPr id="220" name="Google Shape;220;g2c468cf6ee2_0_74:notes"/>
+          <p:cNvPr id="183" name="Google Shape;183;g2c3ec0919f1_0_135:notes"/>
           <p:cNvSpPr txBox="1">
             <a:spLocks noGrp="1"/>
           </p:cNvSpPr>
@@ -1079,20 +1090,38 @@
           </a:bodyPr>
           <a:lstStyle/>
           <a:p>
-            <a:pPr marL="0" lvl="0" indent="0" algn="l" rtl="0">
-              <a:spcBef>
-                <a:spcPts val="0"/>
-              </a:spcBef>
-              <a:spcAft>
-                <a:spcPts val="0"/>
-              </a:spcAft>
+            <a:pPr marL="0" marR="0" lvl="0" indent="0">
+              <a:lnSpc>
+                <a:spcPct val="107000"/>
+              </a:lnSpc>
+              <a:spcBef>
+                <a:spcPts val="0"/>
+              </a:spcBef>
+              <a:spcAft>
+                <a:spcPts val="800"/>
+              </a:spcAft>
+              <a:buFont typeface="Symbol" panose="05050102010706020507" pitchFamily="18" charset="2"/>
               <a:buNone/>
             </a:pPr>
-            <a:endParaRPr dirty="0"/>
+            <a:r>
+              <a:rPr lang="en-GB" sz="1800" kern="100" dirty="0">
+                <a:effectLst/>
+                <a:latin typeface="Aptos" panose="020B0004020202020204" pitchFamily="34" charset="0"/>
+                <a:ea typeface="Aptos" panose="020B0004020202020204" pitchFamily="34" charset="0"/>
+                <a:cs typeface="Times New Roman" panose="02020603050405020304" pitchFamily="18" charset="0"/>
+              </a:rPr>
+              <a:t>We can see from the pie chart displayed, that in 2013, 30.3% of the Oscar Nominated movies released in November and December. compared to 63.3% of movies released in the rest of the month. These 2 months only take up 16.7% of the year yet contain a lot of nominated films. This means that generally, films released in November or December are significantly more likely to be nominated.</a:t>
+            </a:r>
+            <a:endParaRPr lang="en-GB" dirty="0"/>
           </a:p>
         </p:txBody>
       </p:sp>
     </p:spTree>
+    <p:extLst>
+      <p:ext uri="{BB962C8B-B14F-4D97-AF65-F5344CB8AC3E}">
+        <p14:creationId xmlns:p14="http://schemas.microsoft.com/office/powerpoint/2010/main" val="2673267573"/>
+      </p:ext>
+    </p:extLst>
   </p:cSld>
   <p:clrMapOvr>
     <a:masterClrMapping/>
@@ -1105,7 +1134,7 @@
   <p:cSld>
     <p:spTree>
       <p:nvGrpSpPr>
-        <p:cNvPr id="1" name="Shape 197"/>
+        <p:cNvPr id="1" name="Shape 181"/>
         <p:cNvGrpSpPr/>
         <p:nvPr/>
       </p:nvGrpSpPr>
@@ -1119,7 +1148,7 @@
       </p:grpSpPr>
       <p:sp>
         <p:nvSpPr>
-          <p:cNvPr id="198" name="Google Shape;198;g2c468cf6ee2_0_62:notes"/>
+          <p:cNvPr id="182" name="Google Shape;182;g2c3ec0919f1_0_135:notes"/>
           <p:cNvSpPr>
             <a:spLocks noGrp="1" noRot="1" noChangeAspect="1"/>
           </p:cNvSpPr>
@@ -1160,7 +1189,7 @@
       </p:sp>
       <p:sp>
         <p:nvSpPr>
-          <p:cNvPr id="199" name="Google Shape;199;g2c468cf6ee2_0_62:notes"/>
+          <p:cNvPr id="183" name="Google Shape;183;g2c3ec0919f1_0_135:notes"/>
           <p:cNvSpPr txBox="1">
             <a:spLocks noGrp="1"/>
           </p:cNvSpPr>
@@ -1183,174 +1212,49 @@
           </a:bodyPr>
           <a:lstStyle/>
           <a:p>
-            <a:pPr marL="0" marR="0">
+            <a:pPr marL="0" marR="0" lvl="0" indent="0" algn="l" defTabSz="914400" rtl="0" eaLnBrk="1" fontAlgn="auto" latinLnBrk="0" hangingPunct="1">
               <a:lnSpc>
-                <a:spcPct val="107000"/>
+                <a:spcPct val="100000"/>
               </a:lnSpc>
               <a:spcBef>
                 <a:spcPts val="0"/>
               </a:spcBef>
               <a:spcAft>
-                <a:spcPts val="800"/>
-              </a:spcAft>
+                <a:spcPts val="0"/>
+              </a:spcAft>
+              <a:buClr>
+                <a:srgbClr val="000000"/>
+              </a:buClr>
+              <a:buSzPts val="1100"/>
+              <a:buFont typeface="Arial"/>
+              <a:buNone/>
+              <a:tabLst/>
+              <a:defRPr/>
             </a:pPr>
             <a:r>
-              <a:rPr lang="en-GB" sz="1100" kern="100" dirty="0">
+              <a:rPr lang="en-GB" dirty="0"/>
+              <a:t>By analysing all three histograms, the common factor shown in these pictures is number of nominations is at the highest for the months of November and December of the chosen years, which means that November and December have the most releases which they showcase and campaign to get a nomination for the Oscars. Another thing which I can relate to with Oscar season and these histograms is: Even though Nov and Dec have the most movies released and showcased, October is the start of the season. In these histograms, you could see October at a number of 2 or 3 nominations followed by a humongous increase of nominations in November or December, which translates to “The Oscar season begins in October with the first batch of releases, which are in small number</a:t>
+            </a:r>
+            <a:r>
+              <a:rPr lang="en-GB" b="0" i="0" dirty="0">
+                <a:solidFill>
+                  <a:srgbClr val="202122"/>
+                </a:solidFill>
                 <a:effectLst/>
-                <a:latin typeface="Aptos" panose="020B0004020202020204" pitchFamily="34" charset="0"/>
-                <a:ea typeface="Aptos" panose="020B0004020202020204" pitchFamily="34" charset="0"/>
-                <a:cs typeface="Times New Roman" panose="02020603050405020304" pitchFamily="18" charset="0"/>
+                <a:latin typeface="Arial" panose="020B0604020202020204" pitchFamily="34" charset="0"/>
               </a:rPr>
-              <a:t>Multi Line Plot</a:t>
+              <a:t>, followed by a greater number of releases in November and December.” The movies which should be deemed as “Oscar-worthy” are mostly released from October to December to boost or capitalized this season, such that it remains fresh for critics and Academy Awards jury to earn a nomination. Comparing to these histograms, there used to be releases in June to August in 2008, while decreasing to half in 2013, and zero in 2018, which shows the these months are the “dump months”, which means the time period of releases which garners lowered expectations of films.</a:t>
             </a:r>
-          </a:p>
-          <a:p>
-            <a:pPr marL="342900" marR="0" lvl="0" indent="-342900">
-              <a:lnSpc>
-                <a:spcPct val="107000"/>
-              </a:lnSpc>
-              <a:spcBef>
-                <a:spcPts val="0"/>
-              </a:spcBef>
-              <a:spcAft>
-                <a:spcPts val="0"/>
-              </a:spcAft>
-              <a:buFont typeface="Symbol" panose="05050102010706020507" pitchFamily="18" charset="2"/>
-              <a:buChar char=""/>
-            </a:pPr>
-            <a:r>
-              <a:rPr lang="en-GB" sz="1100" kern="100" dirty="0">
-                <a:effectLst/>
-                <a:latin typeface="Aptos" panose="020B0004020202020204" pitchFamily="34" charset="0"/>
-                <a:ea typeface="Aptos" panose="020B0004020202020204" pitchFamily="34" charset="0"/>
-                <a:cs typeface="Times New Roman" panose="02020603050405020304" pitchFamily="18" charset="0"/>
-              </a:rPr>
-              <a:t>Across all years tested, more nominated movies are released during “Oscar season”.</a:t>
-            </a:r>
-          </a:p>
-          <a:p>
-            <a:pPr marL="342900" marR="0" lvl="0" indent="-342900">
-              <a:lnSpc>
-                <a:spcPct val="107000"/>
-              </a:lnSpc>
-              <a:spcBef>
-                <a:spcPts val="0"/>
-              </a:spcBef>
-              <a:spcAft>
-                <a:spcPts val="0"/>
-              </a:spcAft>
-              <a:buFont typeface="Symbol" panose="05050102010706020507" pitchFamily="18" charset="2"/>
-              <a:buChar char=""/>
-            </a:pPr>
-            <a:r>
-              <a:rPr lang="en-GB" sz="1100" kern="100" dirty="0">
-                <a:effectLst/>
-                <a:latin typeface="Aptos" panose="020B0004020202020204" pitchFamily="34" charset="0"/>
-                <a:ea typeface="Aptos" panose="020B0004020202020204" pitchFamily="34" charset="0"/>
-                <a:cs typeface="Times New Roman" panose="02020603050405020304" pitchFamily="18" charset="0"/>
-              </a:rPr>
-              <a:t>This is most likely due to the fact that these films are fresher in the mind of the Academy voters. </a:t>
-            </a:r>
-          </a:p>
-          <a:p>
-            <a:pPr marL="342900" marR="0" lvl="0" indent="-342900">
-              <a:lnSpc>
-                <a:spcPct val="107000"/>
-              </a:lnSpc>
-              <a:spcBef>
-                <a:spcPts val="0"/>
-              </a:spcBef>
-              <a:spcAft>
-                <a:spcPts val="0"/>
-              </a:spcAft>
-              <a:buFont typeface="Symbol" panose="05050102010706020507" pitchFamily="18" charset="2"/>
-              <a:buChar char=""/>
-            </a:pPr>
-            <a:r>
-              <a:rPr lang="en-GB" sz="1100" kern="100" dirty="0">
-                <a:effectLst/>
-                <a:latin typeface="Aptos" panose="020B0004020202020204" pitchFamily="34" charset="0"/>
-                <a:ea typeface="Aptos" panose="020B0004020202020204" pitchFamily="34" charset="0"/>
-                <a:cs typeface="Times New Roman" panose="02020603050405020304" pitchFamily="18" charset="0"/>
-              </a:rPr>
-              <a:t>Limited and strategic releases may also be a factor; some films are shown exclusively to the academy before being opened up to a limited release right before Oscar Season.</a:t>
-            </a:r>
-          </a:p>
-          <a:p>
-            <a:pPr marL="342900" marR="0" lvl="0" indent="-342900">
-              <a:lnSpc>
-                <a:spcPct val="107000"/>
-              </a:lnSpc>
-              <a:spcBef>
-                <a:spcPts val="0"/>
-              </a:spcBef>
-              <a:spcAft>
-                <a:spcPts val="0"/>
-              </a:spcAft>
-              <a:buFont typeface="Symbol" panose="05050102010706020507" pitchFamily="18" charset="2"/>
-              <a:buChar char=""/>
-            </a:pPr>
-            <a:r>
-              <a:rPr lang="en-GB" sz="1100" kern="100" dirty="0">
-                <a:effectLst/>
-                <a:latin typeface="Aptos" panose="020B0004020202020204" pitchFamily="34" charset="0"/>
-                <a:ea typeface="Aptos" panose="020B0004020202020204" pitchFamily="34" charset="0"/>
-                <a:cs typeface="Times New Roman" panose="02020603050405020304" pitchFamily="18" charset="0"/>
-              </a:rPr>
-              <a:t>Does streaming have an impact?</a:t>
-            </a:r>
-          </a:p>
-          <a:p>
-            <a:pPr marL="742950" marR="0" lvl="1" indent="-285750">
-              <a:lnSpc>
-                <a:spcPct val="107000"/>
-              </a:lnSpc>
-              <a:spcBef>
-                <a:spcPts val="0"/>
-              </a:spcBef>
-              <a:spcAft>
-                <a:spcPts val="0"/>
-              </a:spcAft>
-              <a:buFont typeface="Courier New" panose="02070309020205020404" pitchFamily="49" charset="0"/>
-              <a:buChar char="o"/>
-            </a:pPr>
-            <a:r>
-              <a:rPr lang="en-GB" sz="1100" kern="100" dirty="0">
-                <a:effectLst/>
-                <a:latin typeface="Aptos" panose="020B0004020202020204" pitchFamily="34" charset="0"/>
-                <a:ea typeface="Aptos" panose="020B0004020202020204" pitchFamily="34" charset="0"/>
-                <a:cs typeface="Times New Roman" panose="02020603050405020304" pitchFamily="18" charset="0"/>
-              </a:rPr>
-              <a:t>With the advent of streaming services like Netflix, Amazon Prime, Disney Plus etc., is there an impact on the number of people going out to see movies at the box office?</a:t>
-            </a:r>
-          </a:p>
-          <a:p>
-            <a:pPr marL="742950" marR="0" lvl="1" indent="-285750">
-              <a:lnSpc>
-                <a:spcPct val="107000"/>
-              </a:lnSpc>
-              <a:spcBef>
-                <a:spcPts val="0"/>
-              </a:spcBef>
-              <a:spcAft>
-                <a:spcPts val="800"/>
-              </a:spcAft>
-              <a:buFont typeface="Courier New" panose="02070309020205020404" pitchFamily="49" charset="0"/>
-              <a:buChar char="o"/>
-            </a:pPr>
-            <a:r>
-              <a:rPr lang="en-GB" sz="1100" kern="100" dirty="0">
-                <a:effectLst/>
-                <a:latin typeface="Aptos" panose="020B0004020202020204" pitchFamily="34" charset="0"/>
-                <a:ea typeface="Aptos" panose="020B0004020202020204" pitchFamily="34" charset="0"/>
-                <a:cs typeface="Times New Roman" panose="02020603050405020304" pitchFamily="18" charset="0"/>
-              </a:rPr>
-              <a:t>There has also been an increase of films released direct to streaming, completely bypassing the movie-going audience.</a:t>
-            </a:r>
+            <a:endParaRPr lang="en-GB" dirty="0"/>
           </a:p>
         </p:txBody>
       </p:sp>
     </p:spTree>
+    <p:extLst>
+      <p:ext uri="{BB962C8B-B14F-4D97-AF65-F5344CB8AC3E}">
+        <p14:creationId xmlns:p14="http://schemas.microsoft.com/office/powerpoint/2010/main" val="2947776364"/>
+      </p:ext>
+    </p:extLst>
   </p:cSld>
   <p:clrMapOvr>
     <a:masterClrMapping/>
@@ -1359,6 +1263,603 @@
 </file>
 
 <file path=ppt/notesSlides/notesSlide12.xml><?xml version="1.0" encoding="utf-8"?>
+<p:notes xmlns:a="http://schemas.openxmlformats.org/drawingml/2006/main" xmlns:r="http://schemas.openxmlformats.org/officeDocument/2006/relationships" xmlns:p="http://schemas.openxmlformats.org/presentationml/2006/main" showMasterSp="0" showMasterPhAnim="0">
+  <p:cSld>
+    <p:spTree>
+      <p:nvGrpSpPr>
+        <p:cNvPr id="1" name="Shape 125"/>
+        <p:cNvGrpSpPr/>
+        <p:nvPr/>
+      </p:nvGrpSpPr>
+      <p:grpSpPr>
+        <a:xfrm>
+          <a:off x="0" y="0"/>
+          <a:ext cx="0" cy="0"/>
+          <a:chOff x="0" y="0"/>
+          <a:chExt cx="0" cy="0"/>
+        </a:xfrm>
+      </p:grpSpPr>
+      <p:sp>
+        <p:nvSpPr>
+          <p:cNvPr id="126" name="Google Shape;126;p:notes"/>
+          <p:cNvSpPr>
+            <a:spLocks noGrp="1" noRot="1" noChangeAspect="1"/>
+          </p:cNvSpPr>
+          <p:nvPr>
+            <p:ph type="sldImg" idx="2"/>
+          </p:nvPr>
+        </p:nvSpPr>
+        <p:spPr>
+          <a:xfrm>
+            <a:off x="381000" y="685800"/>
+            <a:ext cx="6096000" cy="3429000"/>
+          </a:xfrm>
+          <a:custGeom>
+            <a:avLst/>
+            <a:gdLst/>
+            <a:ahLst/>
+            <a:cxnLst/>
+            <a:rect l="l" t="t" r="r" b="b"/>
+            <a:pathLst>
+              <a:path w="120000" h="120000" extrusionOk="0">
+                <a:moveTo>
+                  <a:pt x="0" y="0"/>
+                </a:moveTo>
+                <a:lnTo>
+                  <a:pt x="120000" y="0"/>
+                </a:lnTo>
+                <a:lnTo>
+                  <a:pt x="120000" y="120000"/>
+                </a:lnTo>
+                <a:lnTo>
+                  <a:pt x="0" y="120000"/>
+                </a:lnTo>
+                <a:close/>
+              </a:path>
+            </a:pathLst>
+          </a:custGeom>
+        </p:spPr>
+      </p:sp>
+      <p:sp>
+        <p:nvSpPr>
+          <p:cNvPr id="127" name="Google Shape;127;p:notes"/>
+          <p:cNvSpPr txBox="1">
+            <a:spLocks noGrp="1"/>
+          </p:cNvSpPr>
+          <p:nvPr>
+            <p:ph type="body" idx="1"/>
+          </p:nvPr>
+        </p:nvSpPr>
+        <p:spPr>
+          <a:xfrm>
+            <a:off x="685800" y="4343400"/>
+            <a:ext cx="5486400" cy="4114800"/>
+          </a:xfrm>
+          <a:prstGeom prst="rect">
+            <a:avLst/>
+          </a:prstGeom>
+        </p:spPr>
+        <p:txBody>
+          <a:bodyPr spcFirstLastPara="1" wrap="square" lIns="91425" tIns="91425" rIns="91425" bIns="91425" anchor="t" anchorCtr="0">
+            <a:noAutofit/>
+          </a:bodyPr>
+          <a:lstStyle/>
+          <a:p>
+            <a:pPr marL="0" lvl="0" indent="0" algn="l" rtl="0">
+              <a:spcBef>
+                <a:spcPts val="0"/>
+              </a:spcBef>
+              <a:spcAft>
+                <a:spcPts val="0"/>
+              </a:spcAft>
+              <a:buNone/>
+            </a:pPr>
+            <a:endParaRPr dirty="0">
+              <a:solidFill>
+                <a:srgbClr val="1B212C"/>
+              </a:solidFill>
+              <a:latin typeface="Lato"/>
+              <a:ea typeface="Lato"/>
+              <a:cs typeface="Lato"/>
+              <a:sym typeface="Lato"/>
+            </a:endParaRPr>
+          </a:p>
+        </p:txBody>
+      </p:sp>
+    </p:spTree>
+    <p:extLst>
+      <p:ext uri="{BB962C8B-B14F-4D97-AF65-F5344CB8AC3E}">
+        <p14:creationId xmlns:p14="http://schemas.microsoft.com/office/powerpoint/2010/main" val="1013676798"/>
+      </p:ext>
+    </p:extLst>
+  </p:cSld>
+  <p:clrMapOvr>
+    <a:masterClrMapping/>
+  </p:clrMapOvr>
+</p:notes>
+</file>
+
+<file path=ppt/notesSlides/notesSlide13.xml><?xml version="1.0" encoding="utf-8"?>
+<p:notes xmlns:a="http://schemas.openxmlformats.org/drawingml/2006/main" xmlns:r="http://schemas.openxmlformats.org/officeDocument/2006/relationships" xmlns:p="http://schemas.openxmlformats.org/presentationml/2006/main" showMasterSp="0" showMasterPhAnim="0">
+  <p:cSld>
+    <p:spTree>
+      <p:nvGrpSpPr>
+        <p:cNvPr id="1" name="Shape 181"/>
+        <p:cNvGrpSpPr/>
+        <p:nvPr/>
+      </p:nvGrpSpPr>
+      <p:grpSpPr>
+        <a:xfrm>
+          <a:off x="0" y="0"/>
+          <a:ext cx="0" cy="0"/>
+          <a:chOff x="0" y="0"/>
+          <a:chExt cx="0" cy="0"/>
+        </a:xfrm>
+      </p:grpSpPr>
+      <p:sp>
+        <p:nvSpPr>
+          <p:cNvPr id="182" name="Google Shape;182;g2c3ec0919f1_0_135:notes"/>
+          <p:cNvSpPr>
+            <a:spLocks noGrp="1" noRot="1" noChangeAspect="1"/>
+          </p:cNvSpPr>
+          <p:nvPr>
+            <p:ph type="sldImg" idx="2"/>
+          </p:nvPr>
+        </p:nvSpPr>
+        <p:spPr>
+          <a:xfrm>
+            <a:off x="381000" y="685800"/>
+            <a:ext cx="6096000" cy="3429000"/>
+          </a:xfrm>
+          <a:custGeom>
+            <a:avLst/>
+            <a:gdLst/>
+            <a:ahLst/>
+            <a:cxnLst/>
+            <a:rect l="l" t="t" r="r" b="b"/>
+            <a:pathLst>
+              <a:path w="120000" h="120000" extrusionOk="0">
+                <a:moveTo>
+                  <a:pt x="0" y="0"/>
+                </a:moveTo>
+                <a:lnTo>
+                  <a:pt x="120000" y="0"/>
+                </a:lnTo>
+                <a:lnTo>
+                  <a:pt x="120000" y="120000"/>
+                </a:lnTo>
+                <a:lnTo>
+                  <a:pt x="0" y="120000"/>
+                </a:lnTo>
+                <a:close/>
+              </a:path>
+            </a:pathLst>
+          </a:custGeom>
+        </p:spPr>
+      </p:sp>
+      <p:sp>
+        <p:nvSpPr>
+          <p:cNvPr id="183" name="Google Shape;183;g2c3ec0919f1_0_135:notes"/>
+          <p:cNvSpPr txBox="1">
+            <a:spLocks noGrp="1"/>
+          </p:cNvSpPr>
+          <p:nvPr>
+            <p:ph type="body" idx="1"/>
+          </p:nvPr>
+        </p:nvSpPr>
+        <p:spPr>
+          <a:xfrm>
+            <a:off x="685800" y="4343400"/>
+            <a:ext cx="5486400" cy="4114800"/>
+          </a:xfrm>
+          <a:prstGeom prst="rect">
+            <a:avLst/>
+          </a:prstGeom>
+        </p:spPr>
+        <p:txBody>
+          <a:bodyPr spcFirstLastPara="1" wrap="square" lIns="91425" tIns="91425" rIns="91425" bIns="91425" anchor="t" anchorCtr="0">
+            <a:noAutofit/>
+          </a:bodyPr>
+          <a:lstStyle/>
+          <a:p>
+            <a:pPr marL="0" marR="0" lvl="0" indent="0" algn="l" defTabSz="914400" rtl="0" eaLnBrk="1" fontAlgn="auto" latinLnBrk="0" hangingPunct="1">
+              <a:lnSpc>
+                <a:spcPct val="100000"/>
+              </a:lnSpc>
+              <a:spcBef>
+                <a:spcPts val="0"/>
+              </a:spcBef>
+              <a:spcAft>
+                <a:spcPts val="0"/>
+              </a:spcAft>
+              <a:buClr>
+                <a:srgbClr val="000000"/>
+              </a:buClr>
+              <a:buSzPts val="1100"/>
+              <a:buFont typeface="Arial"/>
+              <a:buNone/>
+              <a:tabLst/>
+              <a:defRPr/>
+            </a:pPr>
+            <a:r>
+              <a:rPr lang="en-GB" dirty="0"/>
+              <a:t>For our Multi-Box Plots, we can see that surprisingly, the review scores for Oscar Nominated movies released in December, shown in blue, are generally lower than those in other months. This could suggest that a lower standard is required for movies released later in the year to be nominated for an Oscar. We can also see from the Red box plots for Non-nominated movies, that there are movies released throughout the year with much higher review scores than those nominated for an award, particularly in the cases of April 2013 and January 2018. This could come down to genre, indicating that studios prefer to release movies of a more serious tone later in the year, which is what we expected to see.</a:t>
+            </a:r>
+          </a:p>
+          <a:p>
+            <a:pPr marL="0" marR="0" lvl="0" indent="0" algn="l" defTabSz="914400" rtl="0" eaLnBrk="1" fontAlgn="auto" latinLnBrk="0" hangingPunct="1">
+              <a:lnSpc>
+                <a:spcPct val="100000"/>
+              </a:lnSpc>
+              <a:spcBef>
+                <a:spcPts val="0"/>
+              </a:spcBef>
+              <a:spcAft>
+                <a:spcPts val="0"/>
+              </a:spcAft>
+              <a:buClr>
+                <a:srgbClr val="000000"/>
+              </a:buClr>
+              <a:buSzPts val="1100"/>
+              <a:buFont typeface="Arial"/>
+              <a:buNone/>
+              <a:tabLst/>
+              <a:defRPr/>
+            </a:pPr>
+            <a:endParaRPr lang="en-GB" dirty="0"/>
+          </a:p>
+          <a:p>
+            <a:pPr marL="0" marR="0" lvl="0" indent="0" algn="l" defTabSz="914400" rtl="0" eaLnBrk="1" fontAlgn="auto" latinLnBrk="0" hangingPunct="1">
+              <a:lnSpc>
+                <a:spcPct val="100000"/>
+              </a:lnSpc>
+              <a:spcBef>
+                <a:spcPts val="0"/>
+              </a:spcBef>
+              <a:spcAft>
+                <a:spcPts val="0"/>
+              </a:spcAft>
+              <a:buClr>
+                <a:srgbClr val="000000"/>
+              </a:buClr>
+              <a:buSzPts val="1100"/>
+              <a:buFont typeface="Arial"/>
+              <a:buNone/>
+              <a:tabLst/>
+              <a:defRPr/>
+            </a:pPr>
+            <a:r>
+              <a:rPr lang="en-GB" dirty="0"/>
+              <a:t>With regards to our hypothesis, these plots appear to disprove our point, suggesting that a higher average review score does not make a movie more likely to be nominated, and goes further to suggest that movies released in December have a lower bar for nomination.</a:t>
+            </a:r>
+          </a:p>
+        </p:txBody>
+      </p:sp>
+    </p:spTree>
+    <p:extLst>
+      <p:ext uri="{BB962C8B-B14F-4D97-AF65-F5344CB8AC3E}">
+        <p14:creationId xmlns:p14="http://schemas.microsoft.com/office/powerpoint/2010/main" val="244023255"/>
+      </p:ext>
+    </p:extLst>
+  </p:cSld>
+  <p:clrMapOvr>
+    <a:masterClrMapping/>
+  </p:clrMapOvr>
+</p:notes>
+</file>
+
+<file path=ppt/notesSlides/notesSlide14.xml><?xml version="1.0" encoding="utf-8"?>
+<p:notes xmlns:a="http://schemas.openxmlformats.org/drawingml/2006/main" xmlns:r="http://schemas.openxmlformats.org/officeDocument/2006/relationships" xmlns:p="http://schemas.openxmlformats.org/presentationml/2006/main" showMasterSp="0" showMasterPhAnim="0">
+  <p:cSld>
+    <p:spTree>
+      <p:nvGrpSpPr>
+        <p:cNvPr id="1" name="Shape 125"/>
+        <p:cNvGrpSpPr/>
+        <p:nvPr/>
+      </p:nvGrpSpPr>
+      <p:grpSpPr>
+        <a:xfrm>
+          <a:off x="0" y="0"/>
+          <a:ext cx="0" cy="0"/>
+          <a:chOff x="0" y="0"/>
+          <a:chExt cx="0" cy="0"/>
+        </a:xfrm>
+      </p:grpSpPr>
+      <p:sp>
+        <p:nvSpPr>
+          <p:cNvPr id="126" name="Google Shape;126;p:notes"/>
+          <p:cNvSpPr>
+            <a:spLocks noGrp="1" noRot="1" noChangeAspect="1"/>
+          </p:cNvSpPr>
+          <p:nvPr>
+            <p:ph type="sldImg" idx="2"/>
+          </p:nvPr>
+        </p:nvSpPr>
+        <p:spPr>
+          <a:xfrm>
+            <a:off x="381000" y="685800"/>
+            <a:ext cx="6096000" cy="3429000"/>
+          </a:xfrm>
+          <a:custGeom>
+            <a:avLst/>
+            <a:gdLst/>
+            <a:ahLst/>
+            <a:cxnLst/>
+            <a:rect l="l" t="t" r="r" b="b"/>
+            <a:pathLst>
+              <a:path w="120000" h="120000" extrusionOk="0">
+                <a:moveTo>
+                  <a:pt x="0" y="0"/>
+                </a:moveTo>
+                <a:lnTo>
+                  <a:pt x="120000" y="0"/>
+                </a:lnTo>
+                <a:lnTo>
+                  <a:pt x="120000" y="120000"/>
+                </a:lnTo>
+                <a:lnTo>
+                  <a:pt x="0" y="120000"/>
+                </a:lnTo>
+                <a:close/>
+              </a:path>
+            </a:pathLst>
+          </a:custGeom>
+        </p:spPr>
+      </p:sp>
+      <p:sp>
+        <p:nvSpPr>
+          <p:cNvPr id="127" name="Google Shape;127;p:notes"/>
+          <p:cNvSpPr txBox="1">
+            <a:spLocks noGrp="1"/>
+          </p:cNvSpPr>
+          <p:nvPr>
+            <p:ph type="body" idx="1"/>
+          </p:nvPr>
+        </p:nvSpPr>
+        <p:spPr>
+          <a:xfrm>
+            <a:off x="685800" y="4343400"/>
+            <a:ext cx="5486400" cy="4114800"/>
+          </a:xfrm>
+          <a:prstGeom prst="rect">
+            <a:avLst/>
+          </a:prstGeom>
+        </p:spPr>
+        <p:txBody>
+          <a:bodyPr spcFirstLastPara="1" wrap="square" lIns="91425" tIns="91425" rIns="91425" bIns="91425" anchor="t" anchorCtr="0">
+            <a:noAutofit/>
+          </a:bodyPr>
+          <a:lstStyle/>
+          <a:p>
+            <a:pPr marL="0" marR="0" lvl="0" indent="0" algn="l" defTabSz="914400" rtl="0" eaLnBrk="1" fontAlgn="auto" latinLnBrk="0" hangingPunct="1">
+              <a:lnSpc>
+                <a:spcPct val="100000"/>
+              </a:lnSpc>
+              <a:spcBef>
+                <a:spcPts val="0"/>
+              </a:spcBef>
+              <a:spcAft>
+                <a:spcPts val="0"/>
+              </a:spcAft>
+              <a:buClr>
+                <a:srgbClr val="000000"/>
+              </a:buClr>
+              <a:buSzPts val="1100"/>
+              <a:buFont typeface="Arial"/>
+              <a:buNone/>
+              <a:tabLst/>
+              <a:defRPr/>
+            </a:pPr>
+            <a:r>
+              <a:rPr lang="en-GB" dirty="0">
+                <a:solidFill>
+                  <a:srgbClr val="1B212C"/>
+                </a:solidFill>
+                <a:latin typeface="Lato"/>
+                <a:ea typeface="Lato"/>
+                <a:cs typeface="Lato"/>
+                <a:sym typeface="Lato"/>
+              </a:rPr>
+              <a:t>For the third hypothesis of our analysis, </a:t>
+            </a:r>
+            <a:r>
+              <a:rPr lang="en-US" sz="1100" dirty="0">
+                <a:solidFill>
+                  <a:schemeClr val="dk1"/>
+                </a:solidFill>
+                <a:latin typeface="Lato"/>
+                <a:ea typeface="Lato"/>
+                <a:cs typeface="Lato"/>
+                <a:sym typeface="Lato"/>
+              </a:rPr>
+              <a:t>we wanted to know if movies released within two months of the Academy Awards Nominations window receive higher review scores than movies released outside of that window, which we simplified to ask whether movies released later in the year receive higher review scores.</a:t>
+            </a:r>
+          </a:p>
+        </p:txBody>
+      </p:sp>
+    </p:spTree>
+    <p:extLst>
+      <p:ext uri="{BB962C8B-B14F-4D97-AF65-F5344CB8AC3E}">
+        <p14:creationId xmlns:p14="http://schemas.microsoft.com/office/powerpoint/2010/main" val="3571020157"/>
+      </p:ext>
+    </p:extLst>
+  </p:cSld>
+  <p:clrMapOvr>
+    <a:masterClrMapping/>
+  </p:clrMapOvr>
+</p:notes>
+</file>
+
+<file path=ppt/notesSlides/notesSlide15.xml><?xml version="1.0" encoding="utf-8"?>
+<p:notes xmlns:a="http://schemas.openxmlformats.org/drawingml/2006/main" xmlns:r="http://schemas.openxmlformats.org/officeDocument/2006/relationships" xmlns:p="http://schemas.openxmlformats.org/presentationml/2006/main" showMasterSp="0" showMasterPhAnim="0">
+  <p:cSld>
+    <p:spTree>
+      <p:nvGrpSpPr>
+        <p:cNvPr id="1" name="Shape 181"/>
+        <p:cNvGrpSpPr/>
+        <p:nvPr/>
+      </p:nvGrpSpPr>
+      <p:grpSpPr>
+        <a:xfrm>
+          <a:off x="0" y="0"/>
+          <a:ext cx="0" cy="0"/>
+          <a:chOff x="0" y="0"/>
+          <a:chExt cx="0" cy="0"/>
+        </a:xfrm>
+      </p:grpSpPr>
+      <p:sp>
+        <p:nvSpPr>
+          <p:cNvPr id="182" name="Google Shape;182;g2c3ec0919f1_0_135:notes"/>
+          <p:cNvSpPr>
+            <a:spLocks noGrp="1" noRot="1" noChangeAspect="1"/>
+          </p:cNvSpPr>
+          <p:nvPr>
+            <p:ph type="sldImg" idx="2"/>
+          </p:nvPr>
+        </p:nvSpPr>
+        <p:spPr>
+          <a:xfrm>
+            <a:off x="381000" y="685800"/>
+            <a:ext cx="6096000" cy="3429000"/>
+          </a:xfrm>
+          <a:custGeom>
+            <a:avLst/>
+            <a:gdLst/>
+            <a:ahLst/>
+            <a:cxnLst/>
+            <a:rect l="l" t="t" r="r" b="b"/>
+            <a:pathLst>
+              <a:path w="120000" h="120000" extrusionOk="0">
+                <a:moveTo>
+                  <a:pt x="0" y="0"/>
+                </a:moveTo>
+                <a:lnTo>
+                  <a:pt x="120000" y="0"/>
+                </a:lnTo>
+                <a:lnTo>
+                  <a:pt x="120000" y="120000"/>
+                </a:lnTo>
+                <a:lnTo>
+                  <a:pt x="0" y="120000"/>
+                </a:lnTo>
+                <a:close/>
+              </a:path>
+            </a:pathLst>
+          </a:custGeom>
+        </p:spPr>
+      </p:sp>
+      <p:sp>
+        <p:nvSpPr>
+          <p:cNvPr id="183" name="Google Shape;183;g2c3ec0919f1_0_135:notes"/>
+          <p:cNvSpPr txBox="1">
+            <a:spLocks noGrp="1"/>
+          </p:cNvSpPr>
+          <p:nvPr>
+            <p:ph type="body" idx="1"/>
+          </p:nvPr>
+        </p:nvSpPr>
+        <p:spPr>
+          <a:xfrm>
+            <a:off x="685800" y="4343400"/>
+            <a:ext cx="5486400" cy="4114800"/>
+          </a:xfrm>
+          <a:prstGeom prst="rect">
+            <a:avLst/>
+          </a:prstGeom>
+        </p:spPr>
+        <p:txBody>
+          <a:bodyPr spcFirstLastPara="1" wrap="square" lIns="91425" tIns="91425" rIns="91425" bIns="91425" anchor="t" anchorCtr="0">
+            <a:noAutofit/>
+          </a:bodyPr>
+          <a:lstStyle/>
+          <a:p>
+            <a:pPr marL="0" marR="0" lvl="0" indent="0" algn="l" defTabSz="914400" rtl="0" eaLnBrk="1" fontAlgn="auto" latinLnBrk="0" hangingPunct="1">
+              <a:lnSpc>
+                <a:spcPct val="100000"/>
+              </a:lnSpc>
+              <a:spcBef>
+                <a:spcPts val="0"/>
+              </a:spcBef>
+              <a:spcAft>
+                <a:spcPts val="0"/>
+              </a:spcAft>
+              <a:buClr>
+                <a:srgbClr val="000000"/>
+              </a:buClr>
+              <a:buSzPts val="1100"/>
+              <a:buFont typeface="Arial"/>
+              <a:buNone/>
+              <a:tabLst/>
+              <a:defRPr/>
+            </a:pPr>
+            <a:r>
+              <a:rPr lang="en-GB" dirty="0"/>
+              <a:t>To assess how review scores change over the year, we put the average review score for each movie released throughout the year on to a Scatterplot and then used a linear regression line and the Pearson Correlation Coefficient to statistically prove whether our hypothesis is true. As you can see from the visualisations, although weak, there is a consistent positive correlation between release date and review score. We could attribute this to a variety of factors: Primarily, and something that we have also tested in our other hypotheses, a factor could be that movies released later in the year are better, as studios release their best movies closer to Awards season to have a better chance of winning an award. We should also consider that Journalists may have bias in their reviews though, as they attempt to predict Oscar nominees to improve their reputation as a reviewer.</a:t>
+            </a:r>
+          </a:p>
+          <a:p>
+            <a:pPr marL="0" marR="0" lvl="0" indent="0" algn="l" defTabSz="914400" rtl="0" eaLnBrk="1" fontAlgn="auto" latinLnBrk="0" hangingPunct="1">
+              <a:lnSpc>
+                <a:spcPct val="100000"/>
+              </a:lnSpc>
+              <a:spcBef>
+                <a:spcPts val="0"/>
+              </a:spcBef>
+              <a:spcAft>
+                <a:spcPts val="0"/>
+              </a:spcAft>
+              <a:buClr>
+                <a:srgbClr val="000000"/>
+              </a:buClr>
+              <a:buSzPts val="1100"/>
+              <a:buFont typeface="Arial"/>
+              <a:buNone/>
+              <a:tabLst/>
+              <a:defRPr/>
+            </a:pPr>
+            <a:endParaRPr lang="en-GB" dirty="0"/>
+          </a:p>
+          <a:p>
+            <a:pPr marL="0" marR="0" lvl="0" indent="0" algn="l" defTabSz="914400" rtl="0" eaLnBrk="1" fontAlgn="auto" latinLnBrk="0" hangingPunct="1">
+              <a:lnSpc>
+                <a:spcPct val="100000"/>
+              </a:lnSpc>
+              <a:spcBef>
+                <a:spcPts val="0"/>
+              </a:spcBef>
+              <a:spcAft>
+                <a:spcPts val="0"/>
+              </a:spcAft>
+              <a:buClr>
+                <a:srgbClr val="000000"/>
+              </a:buClr>
+              <a:buSzPts val="1100"/>
+              <a:buFont typeface="Arial"/>
+              <a:buNone/>
+              <a:tabLst/>
+              <a:defRPr/>
+            </a:pPr>
+            <a:r>
+              <a:rPr lang="en-GB" dirty="0"/>
+              <a:t>To improve these plots, we could have removed outliers for a clearer coefficient line, plotted more years to further reinforce our findings regarding the correlation, or used the full population of movies from the selected years to have a complete picture.</a:t>
+            </a:r>
+          </a:p>
+        </p:txBody>
+      </p:sp>
+    </p:spTree>
+    <p:extLst>
+      <p:ext uri="{BB962C8B-B14F-4D97-AF65-F5344CB8AC3E}">
+        <p14:creationId xmlns:p14="http://schemas.microsoft.com/office/powerpoint/2010/main" val="3088065346"/>
+      </p:ext>
+    </p:extLst>
+  </p:cSld>
+  <p:clrMapOvr>
+    <a:masterClrMapping/>
+  </p:clrMapOvr>
+</p:notes>
+</file>
+
+<file path=ppt/notesSlides/notesSlide16.xml><?xml version="1.0" encoding="utf-8"?>
 <p:notes xmlns:a="http://schemas.openxmlformats.org/drawingml/2006/main" xmlns:r="http://schemas.openxmlformats.org/officeDocument/2006/relationships" xmlns:p="http://schemas.openxmlformats.org/presentationml/2006/main" showMasterSp="0" showMasterPhAnim="0">
   <p:cSld>
     <p:spTree>
@@ -1450,11 +1951,453 @@
               </a:spcAft>
               <a:buNone/>
             </a:pPr>
-            <a:endParaRPr dirty="0"/>
+            <a:r>
+              <a:rPr lang="en-GB" dirty="0"/>
+              <a:t>It seems clear from the analysis we have done that “Oscar Bait” is a term that both Studios and The Academy take more and more seriously each year</a:t>
+            </a:r>
+            <a:r>
+              <a:rPr lang="en-US" b="0" i="0" dirty="0">
+                <a:solidFill>
+                  <a:srgbClr val="202122"/>
+                </a:solidFill>
+                <a:effectLst/>
+                <a:latin typeface="Arial" panose="020B0604020202020204" pitchFamily="34" charset="0"/>
+              </a:rPr>
+              <a:t>. We saw that movies released in November-December are significantly more likely to be nominated for Oscar Awards, a trend that is increasing year on year, but that yearly trends for average movie reviews, whilst indicating that movies released later in the year do receive higher reviews, have not seen a change demonstrating any relation to nominations.</a:t>
+            </a:r>
           </a:p>
         </p:txBody>
       </p:sp>
     </p:spTree>
+  </p:cSld>
+  <p:clrMapOvr>
+    <a:masterClrMapping/>
+  </p:clrMapOvr>
+</p:notes>
+</file>
+
+<file path=ppt/notesSlides/notesSlide17.xml><?xml version="1.0" encoding="utf-8"?>
+<p:notes xmlns:a="http://schemas.openxmlformats.org/drawingml/2006/main" xmlns:r="http://schemas.openxmlformats.org/officeDocument/2006/relationships" xmlns:p="http://schemas.openxmlformats.org/presentationml/2006/main" showMasterSp="0" showMasterPhAnim="0">
+  <p:cSld>
+    <p:spTree>
+      <p:nvGrpSpPr>
+        <p:cNvPr id="1" name="Shape 225"/>
+        <p:cNvGrpSpPr/>
+        <p:nvPr/>
+      </p:nvGrpSpPr>
+      <p:grpSpPr>
+        <a:xfrm>
+          <a:off x="0" y="0"/>
+          <a:ext cx="0" cy="0"/>
+          <a:chOff x="0" y="0"/>
+          <a:chExt cx="0" cy="0"/>
+        </a:xfrm>
+      </p:grpSpPr>
+      <p:sp>
+        <p:nvSpPr>
+          <p:cNvPr id="226" name="Google Shape;226;g2c468cf6ee2_0_80:notes"/>
+          <p:cNvSpPr>
+            <a:spLocks noGrp="1" noRot="1" noChangeAspect="1"/>
+          </p:cNvSpPr>
+          <p:nvPr>
+            <p:ph type="sldImg" idx="2"/>
+          </p:nvPr>
+        </p:nvSpPr>
+        <p:spPr>
+          <a:xfrm>
+            <a:off x="381000" y="685800"/>
+            <a:ext cx="6096000" cy="3429000"/>
+          </a:xfrm>
+          <a:custGeom>
+            <a:avLst/>
+            <a:gdLst/>
+            <a:ahLst/>
+            <a:cxnLst/>
+            <a:rect l="l" t="t" r="r" b="b"/>
+            <a:pathLst>
+              <a:path w="120000" h="120000" extrusionOk="0">
+                <a:moveTo>
+                  <a:pt x="0" y="0"/>
+                </a:moveTo>
+                <a:lnTo>
+                  <a:pt x="120000" y="0"/>
+                </a:lnTo>
+                <a:lnTo>
+                  <a:pt x="120000" y="120000"/>
+                </a:lnTo>
+                <a:lnTo>
+                  <a:pt x="0" y="120000"/>
+                </a:lnTo>
+                <a:close/>
+              </a:path>
+            </a:pathLst>
+          </a:custGeom>
+        </p:spPr>
+      </p:sp>
+      <p:sp>
+        <p:nvSpPr>
+          <p:cNvPr id="227" name="Google Shape;227;g2c468cf6ee2_0_80:notes"/>
+          <p:cNvSpPr txBox="1">
+            <a:spLocks noGrp="1"/>
+          </p:cNvSpPr>
+          <p:nvPr>
+            <p:ph type="body" idx="1"/>
+          </p:nvPr>
+        </p:nvSpPr>
+        <p:spPr>
+          <a:xfrm>
+            <a:off x="685800" y="4343400"/>
+            <a:ext cx="5486400" cy="4114800"/>
+          </a:xfrm>
+          <a:prstGeom prst="rect">
+            <a:avLst/>
+          </a:prstGeom>
+        </p:spPr>
+        <p:txBody>
+          <a:bodyPr spcFirstLastPara="1" wrap="square" lIns="91425" tIns="91425" rIns="91425" bIns="91425" anchor="t" anchorCtr="0">
+            <a:noAutofit/>
+          </a:bodyPr>
+          <a:lstStyle/>
+          <a:p>
+            <a:pPr marL="0" lvl="0" indent="0" algn="l" rtl="0">
+              <a:spcBef>
+                <a:spcPts val="0"/>
+              </a:spcBef>
+              <a:spcAft>
+                <a:spcPts val="0"/>
+              </a:spcAft>
+              <a:buNone/>
+            </a:pPr>
+            <a:r>
+              <a:rPr lang="en-US" b="0" i="0" dirty="0">
+                <a:solidFill>
+                  <a:srgbClr val="202122"/>
+                </a:solidFill>
+                <a:effectLst/>
+                <a:latin typeface="Arial" panose="020B0604020202020204" pitchFamily="34" charset="0"/>
+              </a:rPr>
+              <a:t>This could suggest that the quality of movies released later in the year is not improving, but the Academy is taking more notice of movies released later in the year and disproportionately nominating them. Our Multi-Box plot displays this clearly, as the box plot for Oscar Nominated movies would tend closer to the average for Non-nominated movies.</a:t>
+            </a:r>
+          </a:p>
+          <a:p>
+            <a:pPr marL="0" lvl="0" indent="0" algn="l" rtl="0">
+              <a:spcBef>
+                <a:spcPts val="0"/>
+              </a:spcBef>
+              <a:spcAft>
+                <a:spcPts val="0"/>
+              </a:spcAft>
+              <a:buNone/>
+            </a:pPr>
+            <a:endParaRPr lang="en-US" b="0" i="0" dirty="0">
+              <a:solidFill>
+                <a:srgbClr val="202122"/>
+              </a:solidFill>
+              <a:effectLst/>
+              <a:latin typeface="Arial" panose="020B0604020202020204" pitchFamily="34" charset="0"/>
+            </a:endParaRPr>
+          </a:p>
+          <a:p>
+            <a:pPr marL="0" lvl="0" indent="0" algn="l" rtl="0">
+              <a:spcBef>
+                <a:spcPts val="0"/>
+              </a:spcBef>
+              <a:spcAft>
+                <a:spcPts val="0"/>
+              </a:spcAft>
+              <a:buNone/>
+            </a:pPr>
+            <a:r>
+              <a:rPr lang="en-US" b="0" i="0" dirty="0">
+                <a:solidFill>
+                  <a:srgbClr val="202122"/>
+                </a:solidFill>
+                <a:effectLst/>
+                <a:latin typeface="Arial" panose="020B0604020202020204" pitchFamily="34" charset="0"/>
+              </a:rPr>
+              <a:t>Ultimately, </a:t>
+            </a:r>
+            <a:r>
+              <a:rPr lang="en-US" b="0" i="0" dirty="0">
+                <a:solidFill>
+                  <a:srgbClr val="1D1C1D"/>
+                </a:solidFill>
+                <a:effectLst/>
+                <a:latin typeface="Lato" panose="020F0502020204030203" pitchFamily="34" charset="0"/>
+              </a:rPr>
+              <a:t>this suggests that "Oscar Bait" is not only real, but the Academy themselves are the main force driving it, and studios simply follow the trends to increase their chances of winning.</a:t>
+            </a:r>
+            <a:endParaRPr lang="en-US" dirty="0"/>
+          </a:p>
+        </p:txBody>
+      </p:sp>
+    </p:spTree>
+    <p:extLst>
+      <p:ext uri="{BB962C8B-B14F-4D97-AF65-F5344CB8AC3E}">
+        <p14:creationId xmlns:p14="http://schemas.microsoft.com/office/powerpoint/2010/main" val="3494608348"/>
+      </p:ext>
+    </p:extLst>
+  </p:cSld>
+  <p:clrMapOvr>
+    <a:masterClrMapping/>
+  </p:clrMapOvr>
+</p:notes>
+</file>
+
+<file path=ppt/notesSlides/notesSlide18.xml><?xml version="1.0" encoding="utf-8"?>
+<p:notes xmlns:a="http://schemas.openxmlformats.org/drawingml/2006/main" xmlns:r="http://schemas.openxmlformats.org/officeDocument/2006/relationships" xmlns:p="http://schemas.openxmlformats.org/presentationml/2006/main" showMasterSp="0" showMasterPhAnim="0">
+  <p:cSld>
+    <p:spTree>
+      <p:nvGrpSpPr>
+        <p:cNvPr id="1" name="Shape 225"/>
+        <p:cNvGrpSpPr/>
+        <p:nvPr/>
+      </p:nvGrpSpPr>
+      <p:grpSpPr>
+        <a:xfrm>
+          <a:off x="0" y="0"/>
+          <a:ext cx="0" cy="0"/>
+          <a:chOff x="0" y="0"/>
+          <a:chExt cx="0" cy="0"/>
+        </a:xfrm>
+      </p:grpSpPr>
+      <p:sp>
+        <p:nvSpPr>
+          <p:cNvPr id="226" name="Google Shape;226;g2c468cf6ee2_0_80:notes"/>
+          <p:cNvSpPr>
+            <a:spLocks noGrp="1" noRot="1" noChangeAspect="1"/>
+          </p:cNvSpPr>
+          <p:nvPr>
+            <p:ph type="sldImg" idx="2"/>
+          </p:nvPr>
+        </p:nvSpPr>
+        <p:spPr>
+          <a:xfrm>
+            <a:off x="381000" y="685800"/>
+            <a:ext cx="6096000" cy="3429000"/>
+          </a:xfrm>
+          <a:custGeom>
+            <a:avLst/>
+            <a:gdLst/>
+            <a:ahLst/>
+            <a:cxnLst/>
+            <a:rect l="l" t="t" r="r" b="b"/>
+            <a:pathLst>
+              <a:path w="120000" h="120000" extrusionOk="0">
+                <a:moveTo>
+                  <a:pt x="0" y="0"/>
+                </a:moveTo>
+                <a:lnTo>
+                  <a:pt x="120000" y="0"/>
+                </a:lnTo>
+                <a:lnTo>
+                  <a:pt x="120000" y="120000"/>
+                </a:lnTo>
+                <a:lnTo>
+                  <a:pt x="0" y="120000"/>
+                </a:lnTo>
+                <a:close/>
+              </a:path>
+            </a:pathLst>
+          </a:custGeom>
+        </p:spPr>
+      </p:sp>
+      <p:sp>
+        <p:nvSpPr>
+          <p:cNvPr id="227" name="Google Shape;227;g2c468cf6ee2_0_80:notes"/>
+          <p:cNvSpPr txBox="1">
+            <a:spLocks noGrp="1"/>
+          </p:cNvSpPr>
+          <p:nvPr>
+            <p:ph type="body" idx="1"/>
+          </p:nvPr>
+        </p:nvSpPr>
+        <p:spPr>
+          <a:xfrm>
+            <a:off x="685800" y="4343400"/>
+            <a:ext cx="5486400" cy="4114800"/>
+          </a:xfrm>
+          <a:prstGeom prst="rect">
+            <a:avLst/>
+          </a:prstGeom>
+        </p:spPr>
+        <p:txBody>
+          <a:bodyPr spcFirstLastPara="1" wrap="square" lIns="91425" tIns="91425" rIns="91425" bIns="91425" anchor="t" anchorCtr="0">
+            <a:noAutofit/>
+          </a:bodyPr>
+          <a:lstStyle/>
+          <a:p>
+            <a:pPr marL="0" lvl="0" indent="0" algn="l" rtl="0">
+              <a:spcBef>
+                <a:spcPts val="0"/>
+              </a:spcBef>
+              <a:spcAft>
+                <a:spcPts val="0"/>
+              </a:spcAft>
+              <a:buNone/>
+            </a:pPr>
+            <a:r>
+              <a:rPr lang="en-US" b="0" i="0" dirty="0">
+                <a:solidFill>
+                  <a:srgbClr val="202122"/>
+                </a:solidFill>
+                <a:effectLst/>
+                <a:latin typeface="Arial" panose="020B0604020202020204" pitchFamily="34" charset="0"/>
+              </a:rPr>
+              <a:t>For a final thought, we look to the future, and what we can and cannot model going forward. What we can’t predict, is how Streaming will impact this landscape. We saw the impact it had in 2008 when it was first starting to enter, and although it appears to have balanced out, it could allow a wider range of films, particularly lower budget ones, to compete at the awards. Secondly, the Academy may recognize this trend and choose to put a stop to it, changing the way they do the awards. Finally, and I have to mention it because of the effect it has had on our data and the way we conducted our research, there could be another unexpected global event around the corner that could change things even more.</a:t>
+            </a:r>
+          </a:p>
+          <a:p>
+            <a:pPr marL="0" lvl="0" indent="0" algn="l" rtl="0">
+              <a:spcBef>
+                <a:spcPts val="0"/>
+              </a:spcBef>
+              <a:spcAft>
+                <a:spcPts val="0"/>
+              </a:spcAft>
+              <a:buNone/>
+            </a:pPr>
+            <a:endParaRPr lang="en-US" b="0" i="0" dirty="0">
+              <a:solidFill>
+                <a:srgbClr val="202122"/>
+              </a:solidFill>
+              <a:effectLst/>
+              <a:latin typeface="Arial" panose="020B0604020202020204" pitchFamily="34" charset="0"/>
+            </a:endParaRPr>
+          </a:p>
+          <a:p>
+            <a:pPr marL="0" marR="0" lvl="0" indent="0" algn="l" defTabSz="914400" rtl="0" eaLnBrk="1" fontAlgn="auto" latinLnBrk="0" hangingPunct="1">
+              <a:lnSpc>
+                <a:spcPct val="100000"/>
+              </a:lnSpc>
+              <a:spcBef>
+                <a:spcPts val="0"/>
+              </a:spcBef>
+              <a:spcAft>
+                <a:spcPts val="0"/>
+              </a:spcAft>
+              <a:buClr>
+                <a:srgbClr val="000000"/>
+              </a:buClr>
+              <a:buSzPts val="1100"/>
+              <a:buFont typeface="Arial"/>
+              <a:buNone/>
+              <a:tabLst/>
+              <a:defRPr/>
+            </a:pPr>
+            <a:r>
+              <a:rPr lang="en-US" b="0" i="0" dirty="0">
+                <a:solidFill>
+                  <a:srgbClr val="202122"/>
+                </a:solidFill>
+                <a:effectLst/>
+                <a:latin typeface="Arial" panose="020B0604020202020204" pitchFamily="34" charset="0"/>
+              </a:rPr>
+              <a:t>What we can predict from our results: Under the current model, we can expect more and more “Oscar Bait” movies to be released in November and December each year, and this may mean studios release their lower rated movies in the summer. Over time, this could develop into two clear “Movie Seasons”, a summer season where light-hearted family blockbusters are released, and a winter season where studios make their award attempts.</a:t>
+            </a:r>
+          </a:p>
+          <a:p>
+            <a:pPr marL="0" marR="0" lvl="0" indent="0" algn="l" defTabSz="914400" rtl="0" eaLnBrk="1" fontAlgn="auto" latinLnBrk="0" hangingPunct="1">
+              <a:lnSpc>
+                <a:spcPct val="100000"/>
+              </a:lnSpc>
+              <a:spcBef>
+                <a:spcPts val="0"/>
+              </a:spcBef>
+              <a:spcAft>
+                <a:spcPts val="0"/>
+              </a:spcAft>
+              <a:buClr>
+                <a:srgbClr val="000000"/>
+              </a:buClr>
+              <a:buSzPts val="1100"/>
+              <a:buFont typeface="Arial"/>
+              <a:buNone/>
+              <a:tabLst/>
+              <a:defRPr/>
+            </a:pPr>
+            <a:endParaRPr lang="en-US" b="0" i="0" dirty="0">
+              <a:solidFill>
+                <a:srgbClr val="202122"/>
+              </a:solidFill>
+              <a:effectLst/>
+              <a:latin typeface="Arial" panose="020B0604020202020204" pitchFamily="34" charset="0"/>
+            </a:endParaRPr>
+          </a:p>
+          <a:p>
+            <a:pPr marL="0" marR="0" lvl="0" indent="0" algn="l" defTabSz="914400" rtl="0" eaLnBrk="1" fontAlgn="auto" latinLnBrk="0" hangingPunct="1">
+              <a:lnSpc>
+                <a:spcPct val="100000"/>
+              </a:lnSpc>
+              <a:spcBef>
+                <a:spcPts val="0"/>
+              </a:spcBef>
+              <a:spcAft>
+                <a:spcPts val="0"/>
+              </a:spcAft>
+              <a:buClr>
+                <a:srgbClr val="000000"/>
+              </a:buClr>
+              <a:buSzPts val="1100"/>
+              <a:buFont typeface="Arial"/>
+              <a:buNone/>
+              <a:tabLst/>
+              <a:defRPr/>
+            </a:pPr>
+            <a:r>
+              <a:rPr lang="en-US" b="0" i="0" dirty="0">
+                <a:solidFill>
+                  <a:srgbClr val="202122"/>
+                </a:solidFill>
+                <a:effectLst/>
+                <a:latin typeface="Arial" panose="020B0604020202020204" pitchFamily="34" charset="0"/>
+              </a:rPr>
+              <a:t>Thank you </a:t>
+            </a:r>
+            <a:r>
+              <a:rPr lang="en-US" b="0" i="0">
+                <a:solidFill>
+                  <a:srgbClr val="202122"/>
+                </a:solidFill>
+                <a:effectLst/>
+                <a:latin typeface="Arial" panose="020B0604020202020204" pitchFamily="34" charset="0"/>
+              </a:rPr>
+              <a:t>for listening.</a:t>
+            </a:r>
+            <a:endParaRPr lang="en-US" b="0" i="0" dirty="0">
+              <a:solidFill>
+                <a:srgbClr val="202122"/>
+              </a:solidFill>
+              <a:effectLst/>
+              <a:latin typeface="Arial" panose="020B0604020202020204" pitchFamily="34" charset="0"/>
+            </a:endParaRPr>
+          </a:p>
+          <a:p>
+            <a:pPr marL="0" lvl="0" indent="0" algn="l" rtl="0">
+              <a:spcBef>
+                <a:spcPts val="0"/>
+              </a:spcBef>
+              <a:spcAft>
+                <a:spcPts val="0"/>
+              </a:spcAft>
+              <a:buNone/>
+            </a:pPr>
+            <a:endParaRPr lang="en-US" b="0" i="0" dirty="0">
+              <a:solidFill>
+                <a:srgbClr val="202122"/>
+              </a:solidFill>
+              <a:effectLst/>
+              <a:latin typeface="Arial" panose="020B0604020202020204" pitchFamily="34" charset="0"/>
+            </a:endParaRPr>
+          </a:p>
+        </p:txBody>
+      </p:sp>
+    </p:spTree>
+    <p:extLst>
+      <p:ext uri="{BB962C8B-B14F-4D97-AF65-F5344CB8AC3E}">
+        <p14:creationId xmlns:p14="http://schemas.microsoft.com/office/powerpoint/2010/main" val="3818016076"/>
+      </p:ext>
+    </p:extLst>
   </p:cSld>
   <p:clrMapOvr>
     <a:masterClrMapping/>
@@ -1663,10 +2606,10 @@
               <a:buNone/>
             </a:pPr>
             <a:r>
-              <a:rPr lang="en"/>
-              <a:t>First, we need to define what it is, so I did some reading, and found some main elements that describe it, and can help to shape the data we need and the hypotheses we will be testing. *click* These movies are engineered with the goal of being nominated for an Oscar. *click* They’re usually released within two months of the nominations closing at the end of the year. *click* They often have a more serious tone *click* and they are often made to enhance the reputations of those involved. Specifically, we’ll be focusing on those first two points, although with more time, we could have also looked at genres and actors/directors over a number of years for further research.</a:t>
+              <a:rPr lang="en" dirty="0"/>
+              <a:t>First, we need to define what it is, so I did some reading and found some main elements that describe it, and can help to shape the data we need and the hypotheses we will be testing. *click* These movies are engineered with the goal of being nominated for an Oscar. *click* They’re usually released within two months of the nominations closing at the end of the year. *click* They often have a more serious tone *click* and they are often made to enhance the reputations of those involved. Specifically, we’ll be focusing on those first two points, although with more time, we could have also looked at genres and actors/directors over a number of years for further research.</a:t>
             </a:r>
-            <a:endParaRPr/>
+            <a:endParaRPr dirty="0"/>
           </a:p>
         </p:txBody>
       </p:sp>
@@ -1761,7 +2704,7 @@
           </a:bodyPr>
           <a:lstStyle/>
           <a:p>
-            <a:pPr marL="0" marR="0">
+            <a:pPr marL="0" marR="0" lvl="0" indent="0">
               <a:lnSpc>
                 <a:spcPct val="107000"/>
               </a:lnSpc>
@@ -1769,32 +2712,10 @@
                 <a:spcPts val="0"/>
               </a:spcBef>
               <a:spcAft>
-                <a:spcPts val="800"/>
-              </a:spcAft>
-            </a:pPr>
-            <a:r>
-              <a:rPr lang="en-GB" sz="1100" kern="100" dirty="0">
-                <a:effectLst/>
-                <a:latin typeface="Aptos" panose="020B0004020202020204" pitchFamily="34" charset="0"/>
-                <a:ea typeface="Aptos" panose="020B0004020202020204" pitchFamily="34" charset="0"/>
-                <a:cs typeface="Times New Roman" panose="02020603050405020304" pitchFamily="18" charset="0"/>
-              </a:rPr>
-              <a:t>The Academy</a:t>
-            </a:r>
-          </a:p>
-          <a:p>
-            <a:pPr marL="342900" marR="0" lvl="0" indent="-342900">
-              <a:lnSpc>
-                <a:spcPct val="107000"/>
-              </a:lnSpc>
-              <a:spcBef>
-                <a:spcPts val="0"/>
-              </a:spcBef>
-              <a:spcAft>
                 <a:spcPts val="0"/>
               </a:spcAft>
               <a:buFont typeface="Symbol" panose="05050102010706020507" pitchFamily="18" charset="2"/>
-              <a:buChar char=""/>
+              <a:buNone/>
             </a:pPr>
             <a:r>
               <a:rPr lang="en-GB" sz="1100" kern="100" dirty="0">
@@ -1807,7 +2728,7 @@
             </a:r>
           </a:p>
           <a:p>
-            <a:pPr marL="742950" marR="0" lvl="1" indent="-285750">
+            <a:pPr marL="0" marR="0" lvl="0" indent="0">
               <a:lnSpc>
                 <a:spcPct val="107000"/>
               </a:lnSpc>
@@ -1817,8 +2738,8 @@
               <a:spcAft>
                 <a:spcPts val="0"/>
               </a:spcAft>
-              <a:buFont typeface="Courier New" panose="02070309020205020404" pitchFamily="49" charset="0"/>
-              <a:buChar char="o"/>
+              <a:buFont typeface="Symbol" panose="05050102010706020507" pitchFamily="18" charset="2"/>
+              <a:buNone/>
             </a:pPr>
             <a:r>
               <a:rPr lang="en-GB" sz="1100" kern="100" dirty="0">
@@ -1827,11 +2748,11 @@
                 <a:ea typeface="Aptos" panose="020B0004020202020204" pitchFamily="34" charset="0"/>
                 <a:cs typeface="Times New Roman" panose="02020603050405020304" pitchFamily="18" charset="0"/>
               </a:rPr>
-              <a:t>The Academy of Motion Picture Arts and Sciences is the organisation that hosts and decides the Academy awards, colloquially known as the Oscars.</a:t>
+              <a:t>The Academy of Motion Picture Arts and Sciences is the organisation that hosts and decides the Academy awards, colloquially known as the Oscars. The Academy consists of various actors, writers, producers, and other craftsmen and members in the Hollywood and Film industry.</a:t>
             </a:r>
           </a:p>
           <a:p>
-            <a:pPr marL="742950" marR="0" lvl="1" indent="-285750">
+            <a:pPr marL="0" marR="0" lvl="0" indent="0">
               <a:lnSpc>
                 <a:spcPct val="107000"/>
               </a:lnSpc>
@@ -1841,32 +2762,8 @@
               <a:spcAft>
                 <a:spcPts val="0"/>
               </a:spcAft>
-              <a:buFont typeface="Courier New" panose="02070309020205020404" pitchFamily="49" charset="0"/>
-              <a:buChar char="o"/>
-            </a:pPr>
-            <a:r>
-              <a:rPr lang="en-GB" sz="1100" kern="100" dirty="0">
-                <a:effectLst/>
-                <a:latin typeface="Aptos" panose="020B0004020202020204" pitchFamily="34" charset="0"/>
-                <a:ea typeface="Aptos" panose="020B0004020202020204" pitchFamily="34" charset="0"/>
-                <a:cs typeface="Times New Roman" panose="02020603050405020304" pitchFamily="18" charset="0"/>
-              </a:rPr>
-              <a:t>The Academy consists of various actors, writers, producers, and other craftsmen and members in the Hollywood and Film industry.</a:t>
-            </a:r>
-          </a:p>
-          <a:p>
-            <a:pPr marL="342900" marR="0" lvl="0" indent="-342900">
-              <a:lnSpc>
-                <a:spcPct val="107000"/>
-              </a:lnSpc>
-              <a:spcBef>
-                <a:spcPts val="0"/>
-              </a:spcBef>
-              <a:spcAft>
-                <a:spcPts val="0"/>
-              </a:spcAft>
               <a:buFont typeface="Symbol" panose="05050102010706020507" pitchFamily="18" charset="2"/>
-              <a:buChar char=""/>
+              <a:buNone/>
             </a:pPr>
             <a:r>
               <a:rPr lang="en-GB" sz="1100" kern="100" dirty="0">
@@ -1879,7 +2776,7 @@
             </a:r>
           </a:p>
           <a:p>
-            <a:pPr marL="742950" marR="0" lvl="1" indent="-285750">
+            <a:pPr marL="0" marR="0" lvl="0" indent="0">
               <a:lnSpc>
                 <a:spcPct val="107000"/>
               </a:lnSpc>
@@ -1889,8 +2786,8 @@
               <a:spcAft>
                 <a:spcPts val="0"/>
               </a:spcAft>
-              <a:buFont typeface="Courier New" panose="02070309020205020404" pitchFamily="49" charset="0"/>
-              <a:buChar char="o"/>
+              <a:buFont typeface="Symbol" panose="05050102010706020507" pitchFamily="18" charset="2"/>
+              <a:buNone/>
             </a:pPr>
             <a:r>
               <a:rPr lang="en-GB" sz="1100" kern="100" dirty="0">
@@ -1903,7 +2800,7 @@
             </a:r>
           </a:p>
           <a:p>
-            <a:pPr marL="342900" marR="0" lvl="0" indent="-342900">
+            <a:pPr marL="0" marR="0" lvl="0" indent="0">
               <a:lnSpc>
                 <a:spcPct val="107000"/>
               </a:lnSpc>
@@ -1914,7 +2811,7 @@
                 <a:spcPts val="0"/>
               </a:spcAft>
               <a:buFont typeface="Symbol" panose="05050102010706020507" pitchFamily="18" charset="2"/>
-              <a:buChar char=""/>
+              <a:buNone/>
             </a:pPr>
             <a:r>
               <a:rPr lang="en-GB" sz="1100" kern="100" dirty="0">
@@ -1927,7 +2824,7 @@
             </a:r>
           </a:p>
           <a:p>
-            <a:pPr marL="742950" marR="0" lvl="1" indent="-285750">
+            <a:pPr marL="0" marR="0" lvl="0" indent="0">
               <a:lnSpc>
                 <a:spcPct val="107000"/>
               </a:lnSpc>
@@ -1935,10 +2832,10 @@
                 <a:spcPts val="0"/>
               </a:spcBef>
               <a:spcAft>
-                <a:spcPts val="800"/>
-              </a:spcAft>
-              <a:buFont typeface="Courier New" panose="02070309020205020404" pitchFamily="49" charset="0"/>
-              <a:buChar char="o"/>
+                <a:spcPts val="0"/>
+              </a:spcAft>
+              <a:buFont typeface="Symbol" panose="05050102010706020507" pitchFamily="18" charset="2"/>
+              <a:buNone/>
             </a:pPr>
             <a:r>
               <a:rPr lang="en-GB" sz="1100" kern="100" dirty="0">
@@ -2270,7 +3167,34 @@
             </a:pPr>
             <a:r>
               <a:rPr lang="en" dirty="0"/>
-              <a:t>To collect our data, we looked at several options, but settled on TheMovieDB’s exceptional developer API tools to extract movie information, release dates and review scores. For our purposes, we will be considering only the top 10% most reviewed movies from each year, which we have found allowed our visualisations to be more readable, whilst maintaining accuracy. We also found a publicly accessible list of Oscar Winners and Nominees on a Google Sheet, which we saved as a CSV and used to cross reference the information from the API and add whether it was nominated for an Oscar. </a:t>
+              <a:t>To collect our data, we looked at several options, but settled on TheMovieDB’s exceptional developer API tools to extract movie information, release dates and review scores. For our purposes, we will be considering only the top 10% most reviewed movies from each year, which we have found allowed our visualisations to be more readable, whilst maintaining accuracy. We also found a publicly accessible list of Oscar Winners and Nominees on a Google Sheet, which we saved as a CSV and used to cross reference the information from the API and add whether it was nominated for an Oscar. As a limitation of our research, Covid-19 meant significant changes to the format of the Oscar Awards between 2020 and 2023, so we chose to avoid those years for our data collection.</a:t>
+            </a:r>
+          </a:p>
+          <a:p>
+            <a:pPr marL="0" lvl="0" indent="0" algn="l" rtl="0">
+              <a:spcBef>
+                <a:spcPts val="0"/>
+              </a:spcBef>
+              <a:spcAft>
+                <a:spcPts val="0"/>
+              </a:spcAft>
+              <a:buNone/>
+            </a:pPr>
+            <a:endParaRPr lang="en" dirty="0"/>
+          </a:p>
+          <a:p>
+            <a:pPr marL="0" lvl="0" indent="0" algn="l" rtl="0">
+              <a:spcBef>
+                <a:spcPts val="0"/>
+              </a:spcBef>
+              <a:spcAft>
+                <a:spcPts val="0"/>
+              </a:spcAft>
+              <a:buNone/>
+            </a:pPr>
+            <a:r>
+              <a:rPr lang="en" dirty="0"/>
+              <a:t>I’ll now pass you to Daniel to discuss our first two visualisations for our first hypothesis</a:t>
             </a:r>
             <a:endParaRPr dirty="0"/>
           </a:p>
@@ -2289,7 +3213,7 @@
   <p:cSld>
     <p:spTree>
       <p:nvGrpSpPr>
-        <p:cNvPr id="1" name="Shape 204"/>
+        <p:cNvPr id="1" name="Shape 125"/>
         <p:cNvGrpSpPr/>
         <p:nvPr/>
       </p:nvGrpSpPr>
@@ -2303,7 +3227,7 @@
       </p:grpSpPr>
       <p:sp>
         <p:nvSpPr>
-          <p:cNvPr id="205" name="Google Shape;205;g2c468cf6ee2_0_68:notes"/>
+          <p:cNvPr id="126" name="Google Shape;126;p:notes"/>
           <p:cNvSpPr>
             <a:spLocks noGrp="1" noRot="1" noChangeAspect="1"/>
           </p:cNvSpPr>
@@ -2344,7 +3268,7 @@
       </p:sp>
       <p:sp>
         <p:nvSpPr>
-          <p:cNvPr id="206" name="Google Shape;206;g2c468cf6ee2_0_68:notes"/>
+          <p:cNvPr id="127" name="Google Shape;127;p:notes"/>
           <p:cNvSpPr txBox="1">
             <a:spLocks noGrp="1"/>
           </p:cNvSpPr>
@@ -2367,102 +3291,33 @@
           </a:bodyPr>
           <a:lstStyle/>
           <a:p>
-            <a:pPr marL="0" marR="0">
-              <a:lnSpc>
-                <a:spcPct val="107000"/>
-              </a:lnSpc>
-              <a:spcBef>
-                <a:spcPts val="0"/>
-              </a:spcBef>
-              <a:spcAft>
-                <a:spcPts val="800"/>
-              </a:spcAft>
+            <a:pPr marL="0" lvl="0" indent="0" algn="l" rtl="0">
+              <a:spcBef>
+                <a:spcPts val="0"/>
+              </a:spcBef>
+              <a:spcAft>
+                <a:spcPts val="0"/>
+              </a:spcAft>
+              <a:buNone/>
             </a:pPr>
-            <a:r>
-              <a:rPr lang="en-GB" sz="1100" kern="100" dirty="0">
-                <a:effectLst/>
-                <a:latin typeface="Aptos" panose="020B0004020202020204" pitchFamily="34" charset="0"/>
-                <a:ea typeface="Aptos" panose="020B0004020202020204" pitchFamily="34" charset="0"/>
-                <a:cs typeface="Times New Roman" panose="02020603050405020304" pitchFamily="18" charset="0"/>
-              </a:rPr>
-              <a:t>Limitations, factors, and other considerations</a:t>
-            </a:r>
-          </a:p>
-          <a:p>
-            <a:pPr marL="342900" marR="0" lvl="0" indent="-342900">
-              <a:lnSpc>
-                <a:spcPct val="107000"/>
-              </a:lnSpc>
-              <a:spcBef>
-                <a:spcPts val="0"/>
-              </a:spcBef>
-              <a:spcAft>
-                <a:spcPts val="0"/>
-              </a:spcAft>
-              <a:buFont typeface="Symbol" panose="05050102010706020507" pitchFamily="18" charset="2"/>
-              <a:buChar char=""/>
-            </a:pPr>
-            <a:r>
-              <a:rPr lang="en-GB" sz="1100" kern="100" dirty="0">
-                <a:effectLst/>
-                <a:latin typeface="Aptos" panose="020B0004020202020204" pitchFamily="34" charset="0"/>
-                <a:ea typeface="Aptos" panose="020B0004020202020204" pitchFamily="34" charset="0"/>
-                <a:cs typeface="Times New Roman" panose="02020603050405020304" pitchFamily="18" charset="0"/>
-              </a:rPr>
-              <a:t>Film content – is there a correlation between winning and the content of the film? Do some genres receive more critical acclaim?</a:t>
-            </a:r>
-          </a:p>
-          <a:p>
-            <a:pPr marL="742950" marR="0" lvl="1" indent="-285750">
-              <a:lnSpc>
-                <a:spcPct val="107000"/>
-              </a:lnSpc>
-              <a:spcBef>
-                <a:spcPts val="0"/>
-              </a:spcBef>
-              <a:spcAft>
-                <a:spcPts val="0"/>
-              </a:spcAft>
-              <a:buFont typeface="Courier New" panose="02070309020205020404" pitchFamily="49" charset="0"/>
-              <a:buChar char="o"/>
-            </a:pPr>
-            <a:r>
-              <a:rPr lang="en-GB" sz="1100" kern="100" dirty="0">
-                <a:effectLst/>
-                <a:latin typeface="Aptos" panose="020B0004020202020204" pitchFamily="34" charset="0"/>
-                <a:ea typeface="Aptos" panose="020B0004020202020204" pitchFamily="34" charset="0"/>
-                <a:cs typeface="Times New Roman" panose="02020603050405020304" pitchFamily="18" charset="0"/>
-              </a:rPr>
-              <a:t>Does casting more well known actors draw in a larger audience?</a:t>
-            </a:r>
-          </a:p>
-          <a:p>
-            <a:pPr marL="342900" marR="0" lvl="0" indent="-342900">
-              <a:lnSpc>
-                <a:spcPct val="107000"/>
-              </a:lnSpc>
-              <a:spcBef>
-                <a:spcPts val="0"/>
-              </a:spcBef>
-              <a:spcAft>
-                <a:spcPts val="800"/>
-              </a:spcAft>
-              <a:buFont typeface="Symbol" panose="05050102010706020507" pitchFamily="18" charset="2"/>
-              <a:buChar char=""/>
-            </a:pPr>
-            <a:r>
-              <a:rPr lang="en-GB" sz="1100" kern="100" dirty="0">
-                <a:effectLst/>
-                <a:latin typeface="Aptos" panose="020B0004020202020204" pitchFamily="34" charset="0"/>
-                <a:ea typeface="Aptos" panose="020B0004020202020204" pitchFamily="34" charset="0"/>
-                <a:cs typeface="Times New Roman" panose="02020603050405020304" pitchFamily="18" charset="0"/>
-              </a:rPr>
-              <a:t>American films? The Academy is an American establishment so is there some inherent bias on films that employ American ideals?</a:t>
-            </a:r>
+            <a:endParaRPr dirty="0">
+              <a:solidFill>
+                <a:srgbClr val="1B212C"/>
+              </a:solidFill>
+              <a:latin typeface="Lato"/>
+              <a:ea typeface="Lato"/>
+              <a:cs typeface="Lato"/>
+              <a:sym typeface="Lato"/>
+            </a:endParaRPr>
           </a:p>
         </p:txBody>
       </p:sp>
     </p:spTree>
+    <p:extLst>
+      <p:ext uri="{BB962C8B-B14F-4D97-AF65-F5344CB8AC3E}">
+        <p14:creationId xmlns:p14="http://schemas.microsoft.com/office/powerpoint/2010/main" val="110027105"/>
+      </p:ext>
+    </p:extLst>
   </p:cSld>
   <p:clrMapOvr>
     <a:masterClrMapping/>
@@ -2475,7 +3330,7 @@
   <p:cSld>
     <p:spTree>
       <p:nvGrpSpPr>
-        <p:cNvPr id="1" name="Shape 211"/>
+        <p:cNvPr id="1" name="Shape 197"/>
         <p:cNvGrpSpPr/>
         <p:nvPr/>
       </p:nvGrpSpPr>
@@ -2489,7 +3344,7 @@
       </p:grpSpPr>
       <p:sp>
         <p:nvSpPr>
-          <p:cNvPr id="212" name="Google Shape;212;g2c468cf6ee2_0_86:notes"/>
+          <p:cNvPr id="198" name="Google Shape;198;g2c468cf6ee2_0_62:notes"/>
           <p:cNvSpPr>
             <a:spLocks noGrp="1" noRot="1" noChangeAspect="1"/>
           </p:cNvSpPr>
@@ -2530,7 +3385,7 @@
       </p:sp>
       <p:sp>
         <p:nvSpPr>
-          <p:cNvPr id="213" name="Google Shape;213;g2c468cf6ee2_0_86:notes"/>
+          <p:cNvPr id="199" name="Google Shape;199;g2c468cf6ee2_0_62:notes"/>
           <p:cNvSpPr txBox="1">
             <a:spLocks noGrp="1"/>
           </p:cNvSpPr>
@@ -2553,16 +3408,170 @@
           </a:bodyPr>
           <a:lstStyle/>
           <a:p>
-            <a:pPr marL="0" lvl="0" indent="0" algn="l" rtl="0">
-              <a:spcBef>
-                <a:spcPts val="0"/>
-              </a:spcBef>
-              <a:spcAft>
-                <a:spcPts val="0"/>
-              </a:spcAft>
-              <a:buNone/>
+            <a:pPr marL="0" marR="0">
+              <a:lnSpc>
+                <a:spcPct val="107000"/>
+              </a:lnSpc>
+              <a:spcBef>
+                <a:spcPts val="0"/>
+              </a:spcBef>
+              <a:spcAft>
+                <a:spcPts val="800"/>
+              </a:spcAft>
             </a:pPr>
-            <a:endParaRPr dirty="0"/>
+            <a:r>
+              <a:rPr lang="en-GB" sz="1100" kern="100" dirty="0">
+                <a:effectLst/>
+                <a:latin typeface="Aptos" panose="020B0004020202020204" pitchFamily="34" charset="0"/>
+                <a:ea typeface="Aptos" panose="020B0004020202020204" pitchFamily="34" charset="0"/>
+                <a:cs typeface="Times New Roman" panose="02020603050405020304" pitchFamily="18" charset="0"/>
+              </a:rPr>
+              <a:t>Multi Line Plot</a:t>
+            </a:r>
+          </a:p>
+          <a:p>
+            <a:pPr marL="342900" marR="0" lvl="0" indent="-342900">
+              <a:lnSpc>
+                <a:spcPct val="107000"/>
+              </a:lnSpc>
+              <a:spcBef>
+                <a:spcPts val="0"/>
+              </a:spcBef>
+              <a:spcAft>
+                <a:spcPts val="0"/>
+              </a:spcAft>
+              <a:buFont typeface="Symbol" panose="05050102010706020507" pitchFamily="18" charset="2"/>
+              <a:buChar char=""/>
+            </a:pPr>
+            <a:r>
+              <a:rPr lang="en-GB" sz="1100" kern="100" dirty="0">
+                <a:effectLst/>
+                <a:latin typeface="Aptos" panose="020B0004020202020204" pitchFamily="34" charset="0"/>
+                <a:ea typeface="Aptos" panose="020B0004020202020204" pitchFamily="34" charset="0"/>
+                <a:cs typeface="Times New Roman" panose="02020603050405020304" pitchFamily="18" charset="0"/>
+              </a:rPr>
+              <a:t>Across all years tested, more nominated movies are released during “Oscar season”.</a:t>
+            </a:r>
+          </a:p>
+          <a:p>
+            <a:pPr marL="342900" marR="0" lvl="0" indent="-342900">
+              <a:lnSpc>
+                <a:spcPct val="107000"/>
+              </a:lnSpc>
+              <a:spcBef>
+                <a:spcPts val="0"/>
+              </a:spcBef>
+              <a:spcAft>
+                <a:spcPts val="0"/>
+              </a:spcAft>
+              <a:buFont typeface="Symbol" panose="05050102010706020507" pitchFamily="18" charset="2"/>
+              <a:buChar char=""/>
+            </a:pPr>
+            <a:r>
+              <a:rPr lang="en-GB" sz="1100" kern="100" dirty="0">
+                <a:effectLst/>
+                <a:latin typeface="Aptos" panose="020B0004020202020204" pitchFamily="34" charset="0"/>
+                <a:ea typeface="Aptos" panose="020B0004020202020204" pitchFamily="34" charset="0"/>
+                <a:cs typeface="Times New Roman" panose="02020603050405020304" pitchFamily="18" charset="0"/>
+              </a:rPr>
+              <a:t>This is most likely due to the fact that these films are fresher in the mind of the Academy voters. </a:t>
+            </a:r>
+          </a:p>
+          <a:p>
+            <a:pPr marL="342900" marR="0" lvl="0" indent="-342900">
+              <a:lnSpc>
+                <a:spcPct val="107000"/>
+              </a:lnSpc>
+              <a:spcBef>
+                <a:spcPts val="0"/>
+              </a:spcBef>
+              <a:spcAft>
+                <a:spcPts val="0"/>
+              </a:spcAft>
+              <a:buFont typeface="Symbol" panose="05050102010706020507" pitchFamily="18" charset="2"/>
+              <a:buChar char=""/>
+            </a:pPr>
+            <a:r>
+              <a:rPr lang="en-GB" sz="1100" kern="100" dirty="0">
+                <a:effectLst/>
+                <a:latin typeface="Aptos" panose="020B0004020202020204" pitchFamily="34" charset="0"/>
+                <a:ea typeface="Aptos" panose="020B0004020202020204" pitchFamily="34" charset="0"/>
+                <a:cs typeface="Times New Roman" panose="02020603050405020304" pitchFamily="18" charset="0"/>
+              </a:rPr>
+              <a:t>Limited and strategic releases may also be a factor; some films are shown exclusively to the academy before being opened up to a limited release right before Oscar Season.</a:t>
+            </a:r>
+          </a:p>
+          <a:p>
+            <a:pPr marL="342900" marR="0" lvl="0" indent="-342900">
+              <a:lnSpc>
+                <a:spcPct val="107000"/>
+              </a:lnSpc>
+              <a:spcBef>
+                <a:spcPts val="0"/>
+              </a:spcBef>
+              <a:spcAft>
+                <a:spcPts val="0"/>
+              </a:spcAft>
+              <a:buFont typeface="Symbol" panose="05050102010706020507" pitchFamily="18" charset="2"/>
+              <a:buChar char=""/>
+            </a:pPr>
+            <a:r>
+              <a:rPr lang="en-GB" sz="1100" kern="100" dirty="0">
+                <a:effectLst/>
+                <a:latin typeface="Aptos" panose="020B0004020202020204" pitchFamily="34" charset="0"/>
+                <a:ea typeface="Aptos" panose="020B0004020202020204" pitchFamily="34" charset="0"/>
+                <a:cs typeface="Times New Roman" panose="02020603050405020304" pitchFamily="18" charset="0"/>
+              </a:rPr>
+              <a:t>Does streaming have an impact?</a:t>
+            </a:r>
+          </a:p>
+          <a:p>
+            <a:pPr marL="742950" marR="0" lvl="1" indent="-285750">
+              <a:lnSpc>
+                <a:spcPct val="107000"/>
+              </a:lnSpc>
+              <a:spcBef>
+                <a:spcPts val="0"/>
+              </a:spcBef>
+              <a:spcAft>
+                <a:spcPts val="0"/>
+              </a:spcAft>
+              <a:buFont typeface="Courier New" panose="02070309020205020404" pitchFamily="49" charset="0"/>
+              <a:buChar char="o"/>
+            </a:pPr>
+            <a:r>
+              <a:rPr lang="en-GB" sz="1100" kern="100" dirty="0">
+                <a:effectLst/>
+                <a:latin typeface="Aptos" panose="020B0004020202020204" pitchFamily="34" charset="0"/>
+                <a:ea typeface="Aptos" panose="020B0004020202020204" pitchFamily="34" charset="0"/>
+                <a:cs typeface="Times New Roman" panose="02020603050405020304" pitchFamily="18" charset="0"/>
+              </a:rPr>
+              <a:t>With the advent of streaming services like Netflix, Amazon Prime, Disney Plus etc., is there an impact on the number of people going out to see movies at the box office?</a:t>
+            </a:r>
+          </a:p>
+          <a:p>
+            <a:pPr marL="742950" marR="0" lvl="1" indent="-285750">
+              <a:lnSpc>
+                <a:spcPct val="107000"/>
+              </a:lnSpc>
+              <a:spcBef>
+                <a:spcPts val="0"/>
+              </a:spcBef>
+              <a:spcAft>
+                <a:spcPts val="800"/>
+              </a:spcAft>
+              <a:buFont typeface="Courier New" panose="02070309020205020404" pitchFamily="49" charset="0"/>
+              <a:buChar char="o"/>
+            </a:pPr>
+            <a:r>
+              <a:rPr lang="en-GB" sz="1100" kern="100" dirty="0">
+                <a:effectLst/>
+                <a:latin typeface="Aptos" panose="020B0004020202020204" pitchFamily="34" charset="0"/>
+                <a:ea typeface="Aptos" panose="020B0004020202020204" pitchFamily="34" charset="0"/>
+                <a:cs typeface="Times New Roman" panose="02020603050405020304" pitchFamily="18" charset="0"/>
+              </a:rPr>
+              <a:t>There has also been an increase of films released direct to streaming, completely bypassing the movie-going audience.</a:t>
+            </a:r>
           </a:p>
         </p:txBody>
       </p:sp>
@@ -11333,7 +12342,7 @@
   <p:cSld>
     <p:spTree>
       <p:nvGrpSpPr>
-        <p:cNvPr id="1" name="Shape 221"/>
+        <p:cNvPr id="1" name="Shape 184"/>
         <p:cNvGrpSpPr/>
         <p:nvPr/>
       </p:nvGrpSpPr>
@@ -11347,7 +12356,389 @@
       </p:grpSpPr>
       <p:sp>
         <p:nvSpPr>
-          <p:cNvPr id="222" name="Google Shape;222;p23"/>
+          <p:cNvPr id="185" name="Google Shape;185;p18"/>
+          <p:cNvSpPr txBox="1">
+            <a:spLocks noGrp="1"/>
+          </p:cNvSpPr>
+          <p:nvPr>
+            <p:ph type="ctrTitle"/>
+          </p:nvPr>
+        </p:nvSpPr>
+        <p:spPr>
+          <a:xfrm>
+            <a:off x="904009" y="556650"/>
+            <a:ext cx="7335981" cy="791700"/>
+          </a:xfrm>
+          <a:prstGeom prst="rect">
+            <a:avLst/>
+          </a:prstGeom>
+          <a:effectLst>
+            <a:outerShdw blurRad="57150" dist="19050" dir="5400000" algn="bl" rotWithShape="0">
+              <a:srgbClr val="000000">
+                <a:alpha val="16000"/>
+              </a:srgbClr>
+            </a:outerShdw>
+          </a:effectLst>
+        </p:spPr>
+        <p:txBody>
+          <a:bodyPr spcFirstLastPara="1" wrap="square" lIns="91425" tIns="91425" rIns="91425" bIns="91425" anchor="t" anchorCtr="0">
+            <a:normAutofit fontScale="90000"/>
+          </a:bodyPr>
+          <a:lstStyle/>
+          <a:p>
+            <a:pPr marL="0" lvl="0" indent="0" algn="ctr" rtl="0">
+              <a:spcBef>
+                <a:spcPts val="0"/>
+              </a:spcBef>
+              <a:spcAft>
+                <a:spcPts val="0"/>
+              </a:spcAft>
+              <a:buNone/>
+            </a:pPr>
+            <a:r>
+              <a:rPr lang="en-US" dirty="0"/>
+              <a:t>Pie Chart – Oscar Season stats</a:t>
+            </a:r>
+            <a:endParaRPr lang="en-GB" dirty="0"/>
+          </a:p>
+        </p:txBody>
+      </p:sp>
+      <p:sp>
+        <p:nvSpPr>
+          <p:cNvPr id="8" name="Google Shape;188;p18">
+            <a:extLst>
+              <a:ext uri="{FF2B5EF4-FFF2-40B4-BE49-F238E27FC236}">
+                <a16:creationId xmlns:a16="http://schemas.microsoft.com/office/drawing/2014/main" id="{4D7492C5-62D5-6FBB-1F5A-A58EA7E5FBD4}"/>
+              </a:ext>
+            </a:extLst>
+          </p:cNvPr>
+          <p:cNvSpPr/>
+          <p:nvPr/>
+        </p:nvSpPr>
+        <p:spPr>
+          <a:xfrm>
+            <a:off x="86081" y="3991948"/>
+            <a:ext cx="2882830" cy="351452"/>
+          </a:xfrm>
+          <a:prstGeom prst="rect">
+            <a:avLst/>
+          </a:prstGeom>
+          <a:solidFill>
+            <a:srgbClr val="8F6600">
+              <a:alpha val="77220"/>
+            </a:srgbClr>
+          </a:solidFill>
+          <a:ln w="9525" cap="flat" cmpd="sng">
+            <a:solidFill>
+              <a:srgbClr val="8F6600"/>
+            </a:solidFill>
+            <a:prstDash val="solid"/>
+            <a:round/>
+            <a:headEnd type="none" w="sm" len="sm"/>
+            <a:tailEnd type="none" w="sm" len="sm"/>
+          </a:ln>
+        </p:spPr>
+        <p:txBody>
+          <a:bodyPr spcFirstLastPara="1" wrap="square" lIns="91425" tIns="91425" rIns="91425" bIns="91425" anchor="ctr" anchorCtr="0">
+            <a:noAutofit/>
+          </a:bodyPr>
+          <a:lstStyle/>
+          <a:p>
+            <a:pPr marL="0" lvl="0" indent="0" algn="ctr" rtl="0">
+              <a:spcBef>
+                <a:spcPts val="0"/>
+              </a:spcBef>
+              <a:spcAft>
+                <a:spcPts val="0"/>
+              </a:spcAft>
+              <a:buNone/>
+            </a:pPr>
+            <a:r>
+              <a:rPr lang="en" sz="1200" b="1" dirty="0">
+                <a:solidFill>
+                  <a:schemeClr val="dk1"/>
+                </a:solidFill>
+                <a:latin typeface="Lato"/>
+                <a:ea typeface="Lato"/>
+                <a:cs typeface="Lato"/>
+                <a:sym typeface="Lato"/>
+              </a:rPr>
+              <a:t>2008 – 56% increase above average</a:t>
+            </a:r>
+            <a:endParaRPr sz="1200" dirty="0">
+              <a:solidFill>
+                <a:schemeClr val="dk1"/>
+              </a:solidFill>
+              <a:latin typeface="Lato"/>
+              <a:ea typeface="Lato"/>
+              <a:cs typeface="Lato"/>
+              <a:sym typeface="Lato"/>
+            </a:endParaRPr>
+          </a:p>
+        </p:txBody>
+      </p:sp>
+      <p:sp>
+        <p:nvSpPr>
+          <p:cNvPr id="9" name="Google Shape;188;p18">
+            <a:extLst>
+              <a:ext uri="{FF2B5EF4-FFF2-40B4-BE49-F238E27FC236}">
+                <a16:creationId xmlns:a16="http://schemas.microsoft.com/office/drawing/2014/main" id="{E06801A1-17A3-91BD-C089-FC9BE5B35F0C}"/>
+              </a:ext>
+            </a:extLst>
+          </p:cNvPr>
+          <p:cNvSpPr/>
+          <p:nvPr/>
+        </p:nvSpPr>
+        <p:spPr>
+          <a:xfrm>
+            <a:off x="3130585" y="3991948"/>
+            <a:ext cx="2882830" cy="351452"/>
+          </a:xfrm>
+          <a:prstGeom prst="rect">
+            <a:avLst/>
+          </a:prstGeom>
+          <a:solidFill>
+            <a:srgbClr val="8F6600">
+              <a:alpha val="77220"/>
+            </a:srgbClr>
+          </a:solidFill>
+          <a:ln w="9525" cap="flat" cmpd="sng">
+            <a:solidFill>
+              <a:srgbClr val="8F6600"/>
+            </a:solidFill>
+            <a:prstDash val="solid"/>
+            <a:round/>
+            <a:headEnd type="none" w="sm" len="sm"/>
+            <a:tailEnd type="none" w="sm" len="sm"/>
+          </a:ln>
+        </p:spPr>
+        <p:txBody>
+          <a:bodyPr spcFirstLastPara="1" wrap="square" lIns="91425" tIns="91425" rIns="91425" bIns="91425" anchor="ctr" anchorCtr="0">
+            <a:noAutofit/>
+          </a:bodyPr>
+          <a:lstStyle/>
+          <a:p>
+            <a:pPr marL="0" lvl="0" indent="0" algn="ctr" rtl="0">
+              <a:spcBef>
+                <a:spcPts val="0"/>
+              </a:spcBef>
+              <a:spcAft>
+                <a:spcPts val="0"/>
+              </a:spcAft>
+              <a:buNone/>
+            </a:pPr>
+            <a:r>
+              <a:rPr lang="en" sz="1200" b="1" dirty="0">
+                <a:solidFill>
+                  <a:schemeClr val="dk1"/>
+                </a:solidFill>
+                <a:latin typeface="Lato"/>
+                <a:ea typeface="Lato"/>
+                <a:cs typeface="Lato"/>
+                <a:sym typeface="Lato"/>
+              </a:rPr>
+              <a:t>2013 – 119% increase above average</a:t>
+            </a:r>
+            <a:endParaRPr sz="1200" dirty="0">
+              <a:solidFill>
+                <a:schemeClr val="dk1"/>
+              </a:solidFill>
+              <a:latin typeface="Lato"/>
+              <a:ea typeface="Lato"/>
+              <a:cs typeface="Lato"/>
+              <a:sym typeface="Lato"/>
+            </a:endParaRPr>
+          </a:p>
+        </p:txBody>
+      </p:sp>
+      <p:sp>
+        <p:nvSpPr>
+          <p:cNvPr id="10" name="Google Shape;188;p18">
+            <a:extLst>
+              <a:ext uri="{FF2B5EF4-FFF2-40B4-BE49-F238E27FC236}">
+                <a16:creationId xmlns:a16="http://schemas.microsoft.com/office/drawing/2014/main" id="{7FFB0B6E-2EC9-7E23-CD9C-B80560465357}"/>
+              </a:ext>
+            </a:extLst>
+          </p:cNvPr>
+          <p:cNvSpPr/>
+          <p:nvPr/>
+        </p:nvSpPr>
+        <p:spPr>
+          <a:xfrm>
+            <a:off x="6175089" y="3991948"/>
+            <a:ext cx="2882830" cy="351452"/>
+          </a:xfrm>
+          <a:prstGeom prst="rect">
+            <a:avLst/>
+          </a:prstGeom>
+          <a:solidFill>
+            <a:srgbClr val="8F6600">
+              <a:alpha val="77220"/>
+            </a:srgbClr>
+          </a:solidFill>
+          <a:ln w="9525" cap="flat" cmpd="sng">
+            <a:solidFill>
+              <a:srgbClr val="8F6600"/>
+            </a:solidFill>
+            <a:prstDash val="solid"/>
+            <a:round/>
+            <a:headEnd type="none" w="sm" len="sm"/>
+            <a:tailEnd type="none" w="sm" len="sm"/>
+          </a:ln>
+        </p:spPr>
+        <p:txBody>
+          <a:bodyPr spcFirstLastPara="1" wrap="square" lIns="91425" tIns="91425" rIns="91425" bIns="91425" anchor="ctr" anchorCtr="0">
+            <a:noAutofit/>
+          </a:bodyPr>
+          <a:lstStyle/>
+          <a:p>
+            <a:pPr marL="0" lvl="0" indent="0" algn="ctr" rtl="0">
+              <a:spcBef>
+                <a:spcPts val="0"/>
+              </a:spcBef>
+              <a:spcAft>
+                <a:spcPts val="0"/>
+              </a:spcAft>
+              <a:buNone/>
+            </a:pPr>
+            <a:r>
+              <a:rPr lang="en" sz="1200" b="1" dirty="0">
+                <a:solidFill>
+                  <a:schemeClr val="dk1"/>
+                </a:solidFill>
+                <a:latin typeface="Lato"/>
+                <a:ea typeface="Lato"/>
+                <a:cs typeface="Lato"/>
+                <a:sym typeface="Lato"/>
+              </a:rPr>
+              <a:t>2018 – 81% increase above average</a:t>
+            </a:r>
+          </a:p>
+        </p:txBody>
+      </p:sp>
+      <p:pic>
+        <p:nvPicPr>
+          <p:cNvPr id="6" name="Picture 5" descr="A blue and orange pie chart&#10;&#10;Description automatically generated">
+            <a:extLst>
+              <a:ext uri="{FF2B5EF4-FFF2-40B4-BE49-F238E27FC236}">
+                <a16:creationId xmlns:a16="http://schemas.microsoft.com/office/drawing/2014/main" id="{29943212-A07A-D41D-780C-C25FD0DE3C28}"/>
+              </a:ext>
+            </a:extLst>
+          </p:cNvPr>
+          <p:cNvPicPr>
+            <a:picLocks noChangeAspect="1"/>
+          </p:cNvPicPr>
+          <p:nvPr/>
+        </p:nvPicPr>
+        <p:blipFill>
+          <a:blip r:embed="rId3"/>
+          <a:stretch>
+            <a:fillRect/>
+          </a:stretch>
+        </p:blipFill>
+        <p:spPr>
+          <a:xfrm>
+            <a:off x="86081" y="1490689"/>
+            <a:ext cx="2882830" cy="2162122"/>
+          </a:xfrm>
+          <a:prstGeom prst="rect">
+            <a:avLst/>
+          </a:prstGeom>
+        </p:spPr>
+      </p:pic>
+      <p:pic>
+        <p:nvPicPr>
+          <p:cNvPr id="11" name="Picture 10" descr="A blue and orange pie chart&#10;&#10;Description automatically generated">
+            <a:extLst>
+              <a:ext uri="{FF2B5EF4-FFF2-40B4-BE49-F238E27FC236}">
+                <a16:creationId xmlns:a16="http://schemas.microsoft.com/office/drawing/2014/main" id="{0097FDE9-6703-27B8-5321-042647EAB941}"/>
+              </a:ext>
+            </a:extLst>
+          </p:cNvPr>
+          <p:cNvPicPr>
+            <a:picLocks noChangeAspect="1"/>
+          </p:cNvPicPr>
+          <p:nvPr/>
+        </p:nvPicPr>
+        <p:blipFill>
+          <a:blip r:embed="rId4"/>
+          <a:stretch>
+            <a:fillRect/>
+          </a:stretch>
+        </p:blipFill>
+        <p:spPr>
+          <a:xfrm>
+            <a:off x="3130584" y="1490689"/>
+            <a:ext cx="2882829" cy="2162122"/>
+          </a:xfrm>
+          <a:prstGeom prst="rect">
+            <a:avLst/>
+          </a:prstGeom>
+        </p:spPr>
+      </p:pic>
+      <p:pic>
+        <p:nvPicPr>
+          <p:cNvPr id="13" name="Picture 12" descr="A blue and orange pie chart&#10;&#10;Description automatically generated">
+            <a:extLst>
+              <a:ext uri="{FF2B5EF4-FFF2-40B4-BE49-F238E27FC236}">
+                <a16:creationId xmlns:a16="http://schemas.microsoft.com/office/drawing/2014/main" id="{E4DE4878-9EE3-7BDA-8A9D-ED53389E1482}"/>
+              </a:ext>
+            </a:extLst>
+          </p:cNvPr>
+          <p:cNvPicPr>
+            <a:picLocks noChangeAspect="1"/>
+          </p:cNvPicPr>
+          <p:nvPr/>
+        </p:nvPicPr>
+        <p:blipFill>
+          <a:blip r:embed="rId5"/>
+          <a:stretch>
+            <a:fillRect/>
+          </a:stretch>
+        </p:blipFill>
+        <p:spPr>
+          <a:xfrm>
+            <a:off x="6175086" y="1490689"/>
+            <a:ext cx="2882829" cy="2162122"/>
+          </a:xfrm>
+          <a:prstGeom prst="rect">
+            <a:avLst/>
+          </a:prstGeom>
+        </p:spPr>
+      </p:pic>
+    </p:spTree>
+    <p:extLst>
+      <p:ext uri="{BB962C8B-B14F-4D97-AF65-F5344CB8AC3E}">
+        <p14:creationId xmlns:p14="http://schemas.microsoft.com/office/powerpoint/2010/main" val="3428594493"/>
+      </p:ext>
+    </p:extLst>
+  </p:cSld>
+  <p:clrMapOvr>
+    <a:masterClrMapping/>
+  </p:clrMapOvr>
+</p:sld>
+</file>
+
+<file path=ppt/slides/slide11.xml><?xml version="1.0" encoding="utf-8"?>
+<p:sld xmlns:a="http://schemas.openxmlformats.org/drawingml/2006/main" xmlns:r="http://schemas.openxmlformats.org/officeDocument/2006/relationships" xmlns:p="http://schemas.openxmlformats.org/presentationml/2006/main">
+  <p:cSld>
+    <p:spTree>
+      <p:nvGrpSpPr>
+        <p:cNvPr id="1" name="Shape 184"/>
+        <p:cNvGrpSpPr/>
+        <p:nvPr/>
+      </p:nvGrpSpPr>
+      <p:grpSpPr>
+        <a:xfrm>
+          <a:off x="0" y="0"/>
+          <a:ext cx="0" cy="0"/>
+          <a:chOff x="0" y="0"/>
+          <a:chExt cx="0" cy="0"/>
+        </a:xfrm>
+      </p:grpSpPr>
+      <p:sp>
+        <p:nvSpPr>
+          <p:cNvPr id="185" name="Google Shape;185;p18"/>
           <p:cNvSpPr txBox="1">
             <a:spLocks noGrp="1"/>
           </p:cNvSpPr>
@@ -11387,23 +12778,29 @@
               <a:buNone/>
             </a:pPr>
             <a:r>
-              <a:rPr lang="en"/>
-              <a:t>Header</a:t>
+              <a:rPr lang="en" dirty="0"/>
+              <a:t>Histogram</a:t>
             </a:r>
-            <a:endParaRPr/>
+            <a:endParaRPr dirty="0"/>
           </a:p>
         </p:txBody>
       </p:sp>
       <p:sp>
         <p:nvSpPr>
-          <p:cNvPr id="223" name="Google Shape;223;p23"/>
+          <p:cNvPr id="8" name="Google Shape;188;p18">
+            <a:extLst>
+              <a:ext uri="{FF2B5EF4-FFF2-40B4-BE49-F238E27FC236}">
+                <a16:creationId xmlns:a16="http://schemas.microsoft.com/office/drawing/2014/main" id="{4D7492C5-62D5-6FBB-1F5A-A58EA7E5FBD4}"/>
+              </a:ext>
+            </a:extLst>
+          </p:cNvPr>
           <p:cNvSpPr/>
           <p:nvPr/>
         </p:nvSpPr>
         <p:spPr>
           <a:xfrm>
-            <a:off x="382838" y="3998875"/>
-            <a:ext cx="3729000" cy="660300"/>
+            <a:off x="86081" y="3991948"/>
+            <a:ext cx="2882830" cy="351452"/>
           </a:xfrm>
           <a:prstGeom prst="rect">
             <a:avLst/>
@@ -11439,7 +12836,7 @@
               <a:buNone/>
             </a:pPr>
             <a:r>
-              <a:rPr lang="en" sz="1200" b="1">
+              <a:rPr lang="en" sz="1200" b="1" dirty="0">
                 <a:solidFill>
                   <a:schemeClr val="dk1"/>
                 </a:solidFill>
@@ -11448,9 +12845,9 @@
                 <a:cs typeface="Lato"/>
                 <a:sym typeface="Lato"/>
               </a:rPr>
-              <a:t>Put image above, caption here</a:t>
+              <a:t>2008 – 6 in December</a:t>
             </a:r>
-            <a:endParaRPr sz="1200">
+            <a:endParaRPr sz="1200" dirty="0">
               <a:solidFill>
                 <a:schemeClr val="dk1"/>
               </a:solidFill>
@@ -11464,14 +12861,20 @@
       </p:sp>
       <p:sp>
         <p:nvSpPr>
-          <p:cNvPr id="224" name="Google Shape;224;p23"/>
+          <p:cNvPr id="9" name="Google Shape;188;p18">
+            <a:extLst>
+              <a:ext uri="{FF2B5EF4-FFF2-40B4-BE49-F238E27FC236}">
+                <a16:creationId xmlns:a16="http://schemas.microsoft.com/office/drawing/2014/main" id="{E06801A1-17A3-91BD-C089-FC9BE5B35F0C}"/>
+              </a:ext>
+            </a:extLst>
+          </p:cNvPr>
           <p:cNvSpPr/>
           <p:nvPr/>
         </p:nvSpPr>
         <p:spPr>
           <a:xfrm>
-            <a:off x="5023988" y="3998875"/>
-            <a:ext cx="3729000" cy="660300"/>
+            <a:off x="3130585" y="3991948"/>
+            <a:ext cx="2882830" cy="351452"/>
           </a:xfrm>
           <a:prstGeom prst="rect">
             <a:avLst/>
@@ -11507,7 +12910,7 @@
               <a:buNone/>
             </a:pPr>
             <a:r>
-              <a:rPr lang="en" sz="1200" b="1">
+              <a:rPr lang="en" sz="1200" b="1" dirty="0">
                 <a:solidFill>
                   <a:schemeClr val="dk1"/>
                 </a:solidFill>
@@ -11516,9 +12919,9 @@
                 <a:cs typeface="Lato"/>
                 <a:sym typeface="Lato"/>
               </a:rPr>
-              <a:t>Put image above, caption here</a:t>
+              <a:t>2013 – 11 in December</a:t>
             </a:r>
-            <a:endParaRPr sz="1200" b="1">
+            <a:endParaRPr sz="1200" dirty="0">
               <a:solidFill>
                 <a:schemeClr val="dk1"/>
               </a:solidFill>
@@ -11530,90 +12933,22 @@
           </a:p>
         </p:txBody>
       </p:sp>
-    </p:spTree>
-  </p:cSld>
-  <p:clrMapOvr>
-    <a:masterClrMapping/>
-  </p:clrMapOvr>
-</p:sld>
-</file>
-
-<file path=ppt/slides/slide11.xml><?xml version="1.0" encoding="utf-8"?>
-<p:sld xmlns:a="http://schemas.openxmlformats.org/drawingml/2006/main" xmlns:r="http://schemas.openxmlformats.org/officeDocument/2006/relationships" xmlns:p="http://schemas.openxmlformats.org/presentationml/2006/main">
-  <p:cSld>
-    <p:spTree>
-      <p:nvGrpSpPr>
-        <p:cNvPr id="1" name="Shape 200"/>
-        <p:cNvGrpSpPr/>
-        <p:nvPr/>
-      </p:nvGrpSpPr>
-      <p:grpSpPr>
-        <a:xfrm>
-          <a:off x="0" y="0"/>
-          <a:ext cx="0" cy="0"/>
-          <a:chOff x="0" y="0"/>
-          <a:chExt cx="0" cy="0"/>
-        </a:xfrm>
-      </p:grpSpPr>
       <p:sp>
         <p:nvSpPr>
-          <p:cNvPr id="201" name="Google Shape;201;p20"/>
-          <p:cNvSpPr txBox="1">
-            <a:spLocks noGrp="1"/>
-          </p:cNvSpPr>
-          <p:nvPr>
-            <p:ph type="ctrTitle"/>
-          </p:nvPr>
-        </p:nvSpPr>
-        <p:spPr>
-          <a:xfrm>
-            <a:off x="2611120" y="484325"/>
-            <a:ext cx="3921759" cy="791700"/>
-          </a:xfrm>
-          <a:prstGeom prst="rect">
-            <a:avLst/>
-          </a:prstGeom>
-          <a:effectLst>
-            <a:outerShdw blurRad="57150" dist="19050" dir="5400000" algn="bl" rotWithShape="0">
-              <a:srgbClr val="000000">
-                <a:alpha val="16000"/>
-              </a:srgbClr>
-            </a:outerShdw>
-          </a:effectLst>
-        </p:spPr>
-        <p:txBody>
-          <a:bodyPr spcFirstLastPara="1" wrap="square" lIns="91425" tIns="91425" rIns="91425" bIns="91425" anchor="t" anchorCtr="0">
-            <a:normAutofit fontScale="90000"/>
-          </a:bodyPr>
-          <a:lstStyle/>
-          <a:p>
-            <a:pPr marL="0" lvl="0" indent="0" algn="ctr" rtl="0">
-              <a:spcBef>
-                <a:spcPts val="0"/>
-              </a:spcBef>
-              <a:spcAft>
-                <a:spcPts val="0"/>
-              </a:spcAft>
-              <a:buNone/>
-            </a:pPr>
-            <a:r>
-              <a:rPr lang="en" dirty="0"/>
-              <a:t>Multi-Line Plot</a:t>
-            </a:r>
-            <a:endParaRPr dirty="0"/>
-          </a:p>
-        </p:txBody>
-      </p:sp>
-      <p:sp>
-        <p:nvSpPr>
-          <p:cNvPr id="203" name="Google Shape;203;p20"/>
+          <p:cNvPr id="10" name="Google Shape;188;p18">
+            <a:extLst>
+              <a:ext uri="{FF2B5EF4-FFF2-40B4-BE49-F238E27FC236}">
+                <a16:creationId xmlns:a16="http://schemas.microsoft.com/office/drawing/2014/main" id="{7FFB0B6E-2EC9-7E23-CD9C-B80560465357}"/>
+              </a:ext>
+            </a:extLst>
+          </p:cNvPr>
           <p:cNvSpPr/>
           <p:nvPr/>
         </p:nvSpPr>
         <p:spPr>
           <a:xfrm>
-            <a:off x="5099051" y="1441546"/>
-            <a:ext cx="3729000" cy="3135740"/>
+            <a:off x="6175089" y="3991948"/>
+            <a:ext cx="2882830" cy="351452"/>
           </a:xfrm>
           <a:prstGeom prst="rect">
             <a:avLst/>
@@ -11639,18 +12974,17 @@
           </a:bodyPr>
           <a:lstStyle/>
           <a:p>
-            <a:pPr marL="171450" lvl="0" indent="-171450" rtl="0">
-              <a:spcBef>
-                <a:spcPts val="0"/>
-              </a:spcBef>
-              <a:spcAft>
-                <a:spcPts val="0"/>
-              </a:spcAft>
-              <a:buFont typeface="Arial" panose="020B0604020202020204" pitchFamily="34" charset="0"/>
-              <a:buChar char="•"/>
+            <a:pPr marL="0" lvl="0" indent="0" algn="ctr" rtl="0">
+              <a:spcBef>
+                <a:spcPts val="0"/>
+              </a:spcBef>
+              <a:spcAft>
+                <a:spcPts val="0"/>
+              </a:spcAft>
+              <a:buNone/>
             </a:pPr>
             <a:r>
-              <a:rPr lang="en-US" sz="1200" b="1" dirty="0">
+              <a:rPr lang="en" sz="1200" b="1" dirty="0">
                 <a:solidFill>
                   <a:schemeClr val="dk1"/>
                 </a:solidFill>
@@ -11659,89 +12993,26 @@
                 <a:cs typeface="Lato"/>
                 <a:sym typeface="Lato"/>
               </a:rPr>
-              <a:t>More nominated movies are released during “Oscar Season”</a:t>
+              <a:t>2018 - 10 in December</a:t>
             </a:r>
-          </a:p>
-          <a:p>
-            <a:pPr marL="171450" lvl="0" indent="-171450" rtl="0">
-              <a:spcBef>
-                <a:spcPts val="0"/>
-              </a:spcBef>
-              <a:spcAft>
-                <a:spcPts val="0"/>
-              </a:spcAft>
-              <a:buFont typeface="Arial" panose="020B0604020202020204" pitchFamily="34" charset="0"/>
-              <a:buChar char="•"/>
-            </a:pPr>
-            <a:r>
-              <a:rPr lang="en-US" sz="1200" b="1" dirty="0">
-                <a:solidFill>
-                  <a:schemeClr val="dk1"/>
-                </a:solidFill>
-                <a:latin typeface="Lato"/>
-                <a:ea typeface="Lato"/>
-                <a:cs typeface="Lato"/>
-                <a:sym typeface="Lato"/>
-              </a:rPr>
-              <a:t>Strategic releases</a:t>
-            </a:r>
-          </a:p>
-          <a:p>
-            <a:pPr marL="171450" lvl="0" indent="-171450" rtl="0">
-              <a:spcBef>
-                <a:spcPts val="0"/>
-              </a:spcBef>
-              <a:spcAft>
-                <a:spcPts val="0"/>
-              </a:spcAft>
-              <a:buFont typeface="Arial" panose="020B0604020202020204" pitchFamily="34" charset="0"/>
-              <a:buChar char="•"/>
-            </a:pPr>
-            <a:r>
-              <a:rPr lang="en-US" sz="1200" b="1" dirty="0">
-                <a:solidFill>
-                  <a:schemeClr val="dk1"/>
-                </a:solidFill>
-                <a:latin typeface="Lato"/>
-                <a:ea typeface="Lato"/>
-                <a:cs typeface="Lato"/>
-                <a:sym typeface="Lato"/>
-              </a:rPr>
-              <a:t>Fresher in the minds of voters</a:t>
-            </a:r>
-          </a:p>
-          <a:p>
-            <a:pPr marL="171450" lvl="0" indent="-171450" rtl="0">
-              <a:spcBef>
-                <a:spcPts val="0"/>
-              </a:spcBef>
-              <a:spcAft>
-                <a:spcPts val="0"/>
-              </a:spcAft>
-              <a:buFont typeface="Arial" panose="020B0604020202020204" pitchFamily="34" charset="0"/>
-              <a:buChar char="•"/>
-            </a:pPr>
-            <a:r>
-              <a:rPr lang="en-US" sz="1200" b="1" dirty="0">
-                <a:solidFill>
-                  <a:schemeClr val="dk1"/>
-                </a:solidFill>
-                <a:latin typeface="Lato"/>
-                <a:ea typeface="Lato"/>
-                <a:cs typeface="Lato"/>
-                <a:sym typeface="Lato"/>
-              </a:rPr>
-              <a:t>Effect of streaming services?</a:t>
-            </a:r>
+            <a:endParaRPr sz="1200" dirty="0">
+              <a:solidFill>
+                <a:schemeClr val="dk1"/>
+              </a:solidFill>
+              <a:latin typeface="Lato"/>
+              <a:ea typeface="Lato"/>
+              <a:cs typeface="Lato"/>
+              <a:sym typeface="Lato"/>
+            </a:endParaRPr>
           </a:p>
         </p:txBody>
       </p:sp>
       <p:pic>
         <p:nvPicPr>
-          <p:cNvPr id="2" name="Content Placeholder 4" descr="A graph with blue lines and orange lines">
+          <p:cNvPr id="12" name="Picture 11" descr="A graph with blue squares&#10;&#10;Description automatically generated">
             <a:extLst>
               <a:ext uri="{FF2B5EF4-FFF2-40B4-BE49-F238E27FC236}">
-                <a16:creationId xmlns:a16="http://schemas.microsoft.com/office/drawing/2014/main" id="{464CB026-1436-9B39-7556-FE5550F52DF7}"/>
+                <a16:creationId xmlns:a16="http://schemas.microsoft.com/office/drawing/2014/main" id="{70907984-5785-4270-2FB7-39CEBDCD4F7C}"/>
               </a:ext>
             </a:extLst>
           </p:cNvPr>
@@ -11751,12 +13022,171 @@
           <p:nvPr/>
         </p:nvPicPr>
         <p:blipFill>
-          <a:blip r:embed="rId3">
+          <a:blip r:embed="rId3"/>
+          <a:stretch>
+            <a:fillRect/>
+          </a:stretch>
+        </p:blipFill>
+        <p:spPr>
+          <a:xfrm>
+            <a:off x="86082" y="1490138"/>
+            <a:ext cx="2882829" cy="2162122"/>
+          </a:xfrm>
+          <a:prstGeom prst="rect">
+            <a:avLst/>
+          </a:prstGeom>
+        </p:spPr>
+      </p:pic>
+      <p:pic>
+        <p:nvPicPr>
+          <p:cNvPr id="14" name="Picture 13" descr="A graph with blue squares&#10;&#10;Description automatically generated">
             <a:extLst>
-              <a:ext uri="{28A0092B-C50C-407E-A947-70E740481C1C}">
-                <a14:useLocalDpi xmlns:a14="http://schemas.microsoft.com/office/drawing/2010/main" val="0"/>
+              <a:ext uri="{FF2B5EF4-FFF2-40B4-BE49-F238E27FC236}">
+                <a16:creationId xmlns:a16="http://schemas.microsoft.com/office/drawing/2014/main" id="{5AD7A943-8729-F1B0-8D64-3E74B27AA856}"/>
               </a:ext>
             </a:extLst>
+          </p:cNvPr>
+          <p:cNvPicPr>
+            <a:picLocks noChangeAspect="1"/>
+          </p:cNvPicPr>
+          <p:nvPr/>
+        </p:nvPicPr>
+        <p:blipFill>
+          <a:blip r:embed="rId4"/>
+          <a:stretch>
+            <a:fillRect/>
+          </a:stretch>
+        </p:blipFill>
+        <p:spPr>
+          <a:xfrm>
+            <a:off x="3130584" y="1490138"/>
+            <a:ext cx="2882831" cy="2162123"/>
+          </a:xfrm>
+          <a:prstGeom prst="rect">
+            <a:avLst/>
+          </a:prstGeom>
+        </p:spPr>
+      </p:pic>
+      <p:pic>
+        <p:nvPicPr>
+          <p:cNvPr id="16" name="Picture 15" descr="A graph with blue squares&#10;&#10;Description automatically generated">
+            <a:extLst>
+              <a:ext uri="{FF2B5EF4-FFF2-40B4-BE49-F238E27FC236}">
+                <a16:creationId xmlns:a16="http://schemas.microsoft.com/office/drawing/2014/main" id="{F6DE87CD-3292-63BE-4099-09F92745E957}"/>
+              </a:ext>
+            </a:extLst>
+          </p:cNvPr>
+          <p:cNvPicPr>
+            <a:picLocks noChangeAspect="1"/>
+          </p:cNvPicPr>
+          <p:nvPr/>
+        </p:nvPicPr>
+        <p:blipFill>
+          <a:blip r:embed="rId5"/>
+          <a:stretch>
+            <a:fillRect/>
+          </a:stretch>
+        </p:blipFill>
+        <p:spPr>
+          <a:xfrm>
+            <a:off x="6175088" y="1490138"/>
+            <a:ext cx="2882829" cy="2162122"/>
+          </a:xfrm>
+          <a:prstGeom prst="rect">
+            <a:avLst/>
+          </a:prstGeom>
+        </p:spPr>
+      </p:pic>
+    </p:spTree>
+    <p:extLst>
+      <p:ext uri="{BB962C8B-B14F-4D97-AF65-F5344CB8AC3E}">
+        <p14:creationId xmlns:p14="http://schemas.microsoft.com/office/powerpoint/2010/main" val="1265011588"/>
+      </p:ext>
+    </p:extLst>
+  </p:cSld>
+  <p:clrMapOvr>
+    <a:masterClrMapping/>
+  </p:clrMapOvr>
+</p:sld>
+</file>
+
+<file path=ppt/slides/slide12.xml><?xml version="1.0" encoding="utf-8"?>
+<p:sld xmlns:a="http://schemas.openxmlformats.org/drawingml/2006/main" xmlns:r="http://schemas.openxmlformats.org/officeDocument/2006/relationships" xmlns:p="http://schemas.openxmlformats.org/presentationml/2006/main">
+  <p:cSld>
+    <p:spTree>
+      <p:nvGrpSpPr>
+        <p:cNvPr id="1" name="Shape 128"/>
+        <p:cNvGrpSpPr/>
+        <p:nvPr/>
+      </p:nvGrpSpPr>
+      <p:grpSpPr>
+        <a:xfrm>
+          <a:off x="0" y="0"/>
+          <a:ext cx="0" cy="0"/>
+          <a:chOff x="0" y="0"/>
+          <a:chExt cx="0" cy="0"/>
+        </a:xfrm>
+      </p:grpSpPr>
+      <p:sp>
+        <p:nvSpPr>
+          <p:cNvPr id="129" name="Google Shape;129;p13"/>
+          <p:cNvSpPr/>
+          <p:nvPr/>
+        </p:nvSpPr>
+        <p:spPr>
+          <a:xfrm>
+            <a:off x="1266450" y="513625"/>
+            <a:ext cx="6611100" cy="3808200"/>
+          </a:xfrm>
+          <a:prstGeom prst="rect">
+            <a:avLst/>
+          </a:prstGeom>
+          <a:solidFill>
+            <a:srgbClr val="EFEFEF"/>
+          </a:solidFill>
+          <a:ln w="9525" cap="flat" cmpd="sng">
+            <a:solidFill>
+              <a:schemeClr val="dk2"/>
+            </a:solidFill>
+            <a:prstDash val="solid"/>
+            <a:round/>
+            <a:headEnd type="none" w="sm" len="sm"/>
+            <a:tailEnd type="none" w="sm" len="sm"/>
+          </a:ln>
+        </p:spPr>
+        <p:txBody>
+          <a:bodyPr spcFirstLastPara="1" wrap="square" lIns="91425" tIns="91425" rIns="91425" bIns="91425" anchor="ctr" anchorCtr="0">
+            <a:noAutofit/>
+          </a:bodyPr>
+          <a:lstStyle/>
+          <a:p>
+            <a:pPr marL="0" lvl="0" indent="0" algn="ctr" rtl="0">
+              <a:spcBef>
+                <a:spcPts val="0"/>
+              </a:spcBef>
+              <a:spcAft>
+                <a:spcPts val="0"/>
+              </a:spcAft>
+              <a:buNone/>
+            </a:pPr>
+            <a:endParaRPr>
+              <a:latin typeface="Lato"/>
+              <a:ea typeface="Lato"/>
+              <a:cs typeface="Lato"/>
+              <a:sym typeface="Lato"/>
+            </a:endParaRPr>
+          </a:p>
+        </p:txBody>
+      </p:sp>
+      <p:pic>
+        <p:nvPicPr>
+          <p:cNvPr id="130" name="Google Shape;130;p13"/>
+          <p:cNvPicPr preferRelativeResize="0"/>
+          <p:nvPr/>
+        </p:nvPicPr>
+        <p:blipFill>
+          <a:blip r:embed="rId3">
+            <a:alphaModFix/>
           </a:blip>
           <a:stretch>
             <a:fillRect/>
@@ -11764,8 +13194,8 @@
         </p:blipFill>
         <p:spPr>
           <a:xfrm>
-            <a:off x="315949" y="1441546"/>
-            <a:ext cx="4180988" cy="3135741"/>
+            <a:off x="763800" y="513625"/>
+            <a:ext cx="7616399" cy="3808200"/>
           </a:xfrm>
           <a:prstGeom prst="rect">
             <a:avLst/>
@@ -11776,7 +13206,571 @@
           </a:ln>
         </p:spPr>
       </p:pic>
+      <p:sp>
+        <p:nvSpPr>
+          <p:cNvPr id="131" name="Google Shape;131;p13"/>
+          <p:cNvSpPr txBox="1"/>
+          <p:nvPr/>
+        </p:nvSpPr>
+        <p:spPr>
+          <a:xfrm>
+            <a:off x="2579269" y="1447801"/>
+            <a:ext cx="3985459" cy="1011382"/>
+          </a:xfrm>
+          <a:prstGeom prst="rect">
+            <a:avLst/>
+          </a:prstGeom>
+          <a:noFill/>
+          <a:ln>
+            <a:noFill/>
+          </a:ln>
+        </p:spPr>
+        <p:txBody>
+          <a:bodyPr spcFirstLastPara="1" wrap="square" lIns="91425" tIns="91425" rIns="91425" bIns="91425" anchor="t" anchorCtr="0">
+            <a:noAutofit/>
+          </a:bodyPr>
+          <a:lstStyle/>
+          <a:p>
+            <a:pPr lvl="0" algn="ctr"/>
+            <a:r>
+              <a:rPr lang="en-US" sz="1700" b="1" dirty="0">
+                <a:solidFill>
+                  <a:schemeClr val="dk1"/>
+                </a:solidFill>
+                <a:latin typeface="Lato"/>
+                <a:ea typeface="Lato"/>
+                <a:cs typeface="Lato"/>
+                <a:sym typeface="Lato"/>
+              </a:rPr>
+              <a:t>Hypothesis 2:</a:t>
+            </a:r>
+          </a:p>
+          <a:p>
+            <a:pPr lvl="0" algn="ctr"/>
+            <a:r>
+              <a:rPr lang="en-US" sz="1700" dirty="0">
+                <a:solidFill>
+                  <a:schemeClr val="dk1"/>
+                </a:solidFill>
+                <a:latin typeface="Lato"/>
+                <a:ea typeface="Lato"/>
+                <a:cs typeface="Lato"/>
+                <a:sym typeface="Lato"/>
+              </a:rPr>
+              <a:t>If a movie receives high review scores, it is more likely to be nominated</a:t>
+            </a:r>
+          </a:p>
+        </p:txBody>
+      </p:sp>
     </p:spTree>
+    <p:extLst>
+      <p:ext uri="{BB962C8B-B14F-4D97-AF65-F5344CB8AC3E}">
+        <p14:creationId xmlns:p14="http://schemas.microsoft.com/office/powerpoint/2010/main" val="2574992906"/>
+      </p:ext>
+    </p:extLst>
+  </p:cSld>
+  <p:clrMapOvr>
+    <a:masterClrMapping/>
+  </p:clrMapOvr>
+  <p:timing>
+    <p:tnLst>
+      <p:par>
+        <p:cTn id="1" dur="indefinite" restart="never" nodeType="tmRoot">
+          <p:childTnLst>
+            <p:seq concurrent="1" nextAc="seek">
+              <p:cTn id="2" dur="indefinite" nodeType="mainSeq">
+                <p:childTnLst>
+                  <p:par>
+                    <p:cTn id="3" fill="hold">
+                      <p:stCondLst>
+                        <p:cond delay="indefinite"/>
+                        <p:cond evt="onBegin" delay="0">
+                          <p:tn val="2"/>
+                        </p:cond>
+                      </p:stCondLst>
+                      <p:childTnLst>
+                        <p:par>
+                          <p:cTn id="4" fill="hold">
+                            <p:stCondLst>
+                              <p:cond delay="0"/>
+                            </p:stCondLst>
+                            <p:childTnLst>
+                              <p:par>
+                                <p:cTn id="5" presetID="10" presetClass="entr" presetSubtype="0" fill="hold" nodeType="withEffect">
+                                  <p:stCondLst>
+                                    <p:cond delay="0"/>
+                                  </p:stCondLst>
+                                  <p:childTnLst>
+                                    <p:set>
+                                      <p:cBhvr>
+                                        <p:cTn id="6" dur="1" fill="hold">
+                                          <p:stCondLst>
+                                            <p:cond delay="0"/>
+                                          </p:stCondLst>
+                                        </p:cTn>
+                                        <p:tgtEl>
+                                          <p:spTgt spid="131"/>
+                                        </p:tgtEl>
+                                        <p:attrNameLst>
+                                          <p:attrName>style.visibility</p:attrName>
+                                        </p:attrNameLst>
+                                      </p:cBhvr>
+                                      <p:to>
+                                        <p:strVal val="visible"/>
+                                      </p:to>
+                                    </p:set>
+                                    <p:animEffect transition="in" filter="fade">
+                                      <p:cBhvr>
+                                        <p:cTn id="7" dur="1500"/>
+                                        <p:tgtEl>
+                                          <p:spTgt spid="131"/>
+                                        </p:tgtEl>
+                                      </p:cBhvr>
+                                    </p:animEffect>
+                                  </p:childTnLst>
+                                </p:cTn>
+                              </p:par>
+                            </p:childTnLst>
+                          </p:cTn>
+                        </p:par>
+                      </p:childTnLst>
+                    </p:cTn>
+                  </p:par>
+                </p:childTnLst>
+              </p:cTn>
+              <p:prevCondLst>
+                <p:cond evt="onPrev" delay="0">
+                  <p:tgtEl>
+                    <p:sldTgt/>
+                  </p:tgtEl>
+                </p:cond>
+              </p:prevCondLst>
+              <p:nextCondLst>
+                <p:cond evt="onNext" delay="0">
+                  <p:tgtEl>
+                    <p:sldTgt/>
+                  </p:tgtEl>
+                </p:cond>
+              </p:nextCondLst>
+            </p:seq>
+          </p:childTnLst>
+        </p:cTn>
+      </p:par>
+    </p:tnLst>
+  </p:timing>
+</p:sld>
+</file>
+
+<file path=ppt/slides/slide13.xml><?xml version="1.0" encoding="utf-8"?>
+<p:sld xmlns:a="http://schemas.openxmlformats.org/drawingml/2006/main" xmlns:r="http://schemas.openxmlformats.org/officeDocument/2006/relationships" xmlns:p="http://schemas.openxmlformats.org/presentationml/2006/main">
+  <p:cSld>
+    <p:spTree>
+      <p:nvGrpSpPr>
+        <p:cNvPr id="1" name="Shape 184"/>
+        <p:cNvGrpSpPr/>
+        <p:nvPr/>
+      </p:nvGrpSpPr>
+      <p:grpSpPr>
+        <a:xfrm>
+          <a:off x="0" y="0"/>
+          <a:ext cx="0" cy="0"/>
+          <a:chOff x="0" y="0"/>
+          <a:chExt cx="0" cy="0"/>
+        </a:xfrm>
+      </p:grpSpPr>
+      <p:sp>
+        <p:nvSpPr>
+          <p:cNvPr id="185" name="Google Shape;185;p18"/>
+          <p:cNvSpPr txBox="1">
+            <a:spLocks noGrp="1"/>
+          </p:cNvSpPr>
+          <p:nvPr>
+            <p:ph type="ctrTitle"/>
+          </p:nvPr>
+        </p:nvSpPr>
+        <p:spPr>
+          <a:xfrm>
+            <a:off x="2802300" y="316749"/>
+            <a:ext cx="3539400" cy="791700"/>
+          </a:xfrm>
+          <a:prstGeom prst="rect">
+            <a:avLst/>
+          </a:prstGeom>
+          <a:effectLst>
+            <a:outerShdw blurRad="57150" dist="19050" dir="5400000" algn="bl" rotWithShape="0">
+              <a:srgbClr val="000000">
+                <a:alpha val="16000"/>
+              </a:srgbClr>
+            </a:outerShdw>
+          </a:effectLst>
+        </p:spPr>
+        <p:txBody>
+          <a:bodyPr spcFirstLastPara="1" wrap="square" lIns="91425" tIns="91425" rIns="91425" bIns="91425" anchor="t" anchorCtr="0">
+            <a:normAutofit fontScale="90000"/>
+          </a:bodyPr>
+          <a:lstStyle/>
+          <a:p>
+            <a:pPr marL="0" lvl="0" indent="0" algn="ctr" rtl="0">
+              <a:spcBef>
+                <a:spcPts val="0"/>
+              </a:spcBef>
+              <a:spcAft>
+                <a:spcPts val="0"/>
+              </a:spcAft>
+              <a:buNone/>
+            </a:pPr>
+            <a:r>
+              <a:rPr lang="en" dirty="0"/>
+              <a:t>Multi-Box Plot</a:t>
+            </a:r>
+            <a:endParaRPr dirty="0"/>
+          </a:p>
+        </p:txBody>
+      </p:sp>
+      <p:sp>
+        <p:nvSpPr>
+          <p:cNvPr id="8" name="Google Shape;188;p18">
+            <a:extLst>
+              <a:ext uri="{FF2B5EF4-FFF2-40B4-BE49-F238E27FC236}">
+                <a16:creationId xmlns:a16="http://schemas.microsoft.com/office/drawing/2014/main" id="{4D7492C5-62D5-6FBB-1F5A-A58EA7E5FBD4}"/>
+              </a:ext>
+            </a:extLst>
+          </p:cNvPr>
+          <p:cNvSpPr/>
+          <p:nvPr/>
+        </p:nvSpPr>
+        <p:spPr>
+          <a:xfrm>
+            <a:off x="5503208" y="1561151"/>
+            <a:ext cx="2882830" cy="351452"/>
+          </a:xfrm>
+          <a:prstGeom prst="rect">
+            <a:avLst/>
+          </a:prstGeom>
+          <a:solidFill>
+            <a:srgbClr val="8F6600">
+              <a:alpha val="77220"/>
+            </a:srgbClr>
+          </a:solidFill>
+          <a:ln w="9525" cap="flat" cmpd="sng">
+            <a:solidFill>
+              <a:srgbClr val="8F6600"/>
+            </a:solidFill>
+            <a:prstDash val="solid"/>
+            <a:round/>
+            <a:headEnd type="none" w="sm" len="sm"/>
+            <a:tailEnd type="none" w="sm" len="sm"/>
+          </a:ln>
+        </p:spPr>
+        <p:txBody>
+          <a:bodyPr spcFirstLastPara="1" wrap="square" lIns="91425" tIns="91425" rIns="91425" bIns="91425" anchor="ctr" anchorCtr="0">
+            <a:noAutofit/>
+          </a:bodyPr>
+          <a:lstStyle/>
+          <a:p>
+            <a:pPr marL="0" lvl="0" indent="0" algn="ctr" rtl="0">
+              <a:spcBef>
+                <a:spcPts val="0"/>
+              </a:spcBef>
+              <a:spcAft>
+                <a:spcPts val="0"/>
+              </a:spcAft>
+              <a:buNone/>
+            </a:pPr>
+            <a:r>
+              <a:rPr lang="en" sz="1200" b="1" dirty="0">
+                <a:solidFill>
+                  <a:schemeClr val="dk1"/>
+                </a:solidFill>
+                <a:latin typeface="Lato"/>
+                <a:ea typeface="Lato"/>
+                <a:cs typeface="Lato"/>
+                <a:sym typeface="Lato"/>
+              </a:rPr>
+              <a:t>2008</a:t>
+            </a:r>
+            <a:endParaRPr sz="1200" dirty="0">
+              <a:solidFill>
+                <a:schemeClr val="dk1"/>
+              </a:solidFill>
+              <a:latin typeface="Lato"/>
+              <a:ea typeface="Lato"/>
+              <a:cs typeface="Lato"/>
+              <a:sym typeface="Lato"/>
+            </a:endParaRPr>
+          </a:p>
+        </p:txBody>
+      </p:sp>
+      <p:sp>
+        <p:nvSpPr>
+          <p:cNvPr id="9" name="Google Shape;188;p18">
+            <a:extLst>
+              <a:ext uri="{FF2B5EF4-FFF2-40B4-BE49-F238E27FC236}">
+                <a16:creationId xmlns:a16="http://schemas.microsoft.com/office/drawing/2014/main" id="{E06801A1-17A3-91BD-C089-FC9BE5B35F0C}"/>
+              </a:ext>
+            </a:extLst>
+          </p:cNvPr>
+          <p:cNvSpPr/>
+          <p:nvPr/>
+        </p:nvSpPr>
+        <p:spPr>
+          <a:xfrm>
+            <a:off x="5503208" y="2902997"/>
+            <a:ext cx="2882830" cy="351452"/>
+          </a:xfrm>
+          <a:prstGeom prst="rect">
+            <a:avLst/>
+          </a:prstGeom>
+          <a:solidFill>
+            <a:srgbClr val="8F6600">
+              <a:alpha val="77220"/>
+            </a:srgbClr>
+          </a:solidFill>
+          <a:ln w="9525" cap="flat" cmpd="sng">
+            <a:solidFill>
+              <a:srgbClr val="8F6600"/>
+            </a:solidFill>
+            <a:prstDash val="solid"/>
+            <a:round/>
+            <a:headEnd type="none" w="sm" len="sm"/>
+            <a:tailEnd type="none" w="sm" len="sm"/>
+          </a:ln>
+        </p:spPr>
+        <p:txBody>
+          <a:bodyPr spcFirstLastPara="1" wrap="square" lIns="91425" tIns="91425" rIns="91425" bIns="91425" anchor="ctr" anchorCtr="0">
+            <a:noAutofit/>
+          </a:bodyPr>
+          <a:lstStyle/>
+          <a:p>
+            <a:pPr marL="0" lvl="0" indent="0" algn="ctr" rtl="0">
+              <a:spcBef>
+                <a:spcPts val="0"/>
+              </a:spcBef>
+              <a:spcAft>
+                <a:spcPts val="0"/>
+              </a:spcAft>
+              <a:buNone/>
+            </a:pPr>
+            <a:r>
+              <a:rPr lang="en" sz="1200" b="1" dirty="0">
+                <a:solidFill>
+                  <a:schemeClr val="dk1"/>
+                </a:solidFill>
+                <a:latin typeface="Lato"/>
+                <a:ea typeface="Lato"/>
+                <a:cs typeface="Lato"/>
+                <a:sym typeface="Lato"/>
+              </a:rPr>
+              <a:t>2013</a:t>
+            </a:r>
+            <a:endParaRPr sz="1200" dirty="0">
+              <a:solidFill>
+                <a:schemeClr val="dk1"/>
+              </a:solidFill>
+              <a:latin typeface="Lato"/>
+              <a:ea typeface="Lato"/>
+              <a:cs typeface="Lato"/>
+              <a:sym typeface="Lato"/>
+            </a:endParaRPr>
+          </a:p>
+        </p:txBody>
+      </p:sp>
+      <p:sp>
+        <p:nvSpPr>
+          <p:cNvPr id="10" name="Google Shape;188;p18">
+            <a:extLst>
+              <a:ext uri="{FF2B5EF4-FFF2-40B4-BE49-F238E27FC236}">
+                <a16:creationId xmlns:a16="http://schemas.microsoft.com/office/drawing/2014/main" id="{7FFB0B6E-2EC9-7E23-CD9C-B80560465357}"/>
+              </a:ext>
+            </a:extLst>
+          </p:cNvPr>
+          <p:cNvSpPr/>
+          <p:nvPr/>
+        </p:nvSpPr>
+        <p:spPr>
+          <a:xfrm>
+            <a:off x="5503208" y="4244843"/>
+            <a:ext cx="2882830" cy="351452"/>
+          </a:xfrm>
+          <a:prstGeom prst="rect">
+            <a:avLst/>
+          </a:prstGeom>
+          <a:solidFill>
+            <a:srgbClr val="8F6600">
+              <a:alpha val="77220"/>
+            </a:srgbClr>
+          </a:solidFill>
+          <a:ln w="9525" cap="flat" cmpd="sng">
+            <a:solidFill>
+              <a:srgbClr val="8F6600"/>
+            </a:solidFill>
+            <a:prstDash val="solid"/>
+            <a:round/>
+            <a:headEnd type="none" w="sm" len="sm"/>
+            <a:tailEnd type="none" w="sm" len="sm"/>
+          </a:ln>
+        </p:spPr>
+        <p:txBody>
+          <a:bodyPr spcFirstLastPara="1" wrap="square" lIns="91425" tIns="91425" rIns="91425" bIns="91425" anchor="ctr" anchorCtr="0">
+            <a:noAutofit/>
+          </a:bodyPr>
+          <a:lstStyle/>
+          <a:p>
+            <a:pPr marL="0" lvl="0" indent="0" algn="ctr" rtl="0">
+              <a:spcBef>
+                <a:spcPts val="0"/>
+              </a:spcBef>
+              <a:spcAft>
+                <a:spcPts val="0"/>
+              </a:spcAft>
+              <a:buNone/>
+            </a:pPr>
+            <a:r>
+              <a:rPr lang="en" sz="1200" b="1" dirty="0">
+                <a:solidFill>
+                  <a:schemeClr val="dk1"/>
+                </a:solidFill>
+                <a:latin typeface="Lato"/>
+                <a:ea typeface="Lato"/>
+                <a:cs typeface="Lato"/>
+                <a:sym typeface="Lato"/>
+              </a:rPr>
+              <a:t>2018</a:t>
+            </a:r>
+            <a:endParaRPr sz="1200" dirty="0">
+              <a:solidFill>
+                <a:schemeClr val="dk1"/>
+              </a:solidFill>
+              <a:latin typeface="Lato"/>
+              <a:ea typeface="Lato"/>
+              <a:cs typeface="Lato"/>
+              <a:sym typeface="Lato"/>
+            </a:endParaRPr>
+          </a:p>
+        </p:txBody>
+      </p:sp>
+      <p:pic>
+        <p:nvPicPr>
+          <p:cNvPr id="13" name="Picture 12">
+            <a:extLst>
+              <a:ext uri="{FF2B5EF4-FFF2-40B4-BE49-F238E27FC236}">
+                <a16:creationId xmlns:a16="http://schemas.microsoft.com/office/drawing/2014/main" id="{7FDD77B5-DA4B-9E46-6930-2633C312B761}"/>
+              </a:ext>
+            </a:extLst>
+          </p:cNvPr>
+          <p:cNvPicPr>
+            <a:picLocks noChangeAspect="1"/>
+          </p:cNvPicPr>
+          <p:nvPr/>
+        </p:nvPicPr>
+        <p:blipFill rotWithShape="1">
+          <a:blip r:embed="rId3"/>
+          <a:srcRect r="63106"/>
+          <a:stretch/>
+        </p:blipFill>
+        <p:spPr>
+          <a:xfrm>
+            <a:off x="551062" y="1108449"/>
+            <a:ext cx="4173340" cy="1256858"/>
+          </a:xfrm>
+          <a:prstGeom prst="rect">
+            <a:avLst/>
+          </a:prstGeom>
+        </p:spPr>
+      </p:pic>
+      <p:pic>
+        <p:nvPicPr>
+          <p:cNvPr id="15" name="Picture 14">
+            <a:extLst>
+              <a:ext uri="{FF2B5EF4-FFF2-40B4-BE49-F238E27FC236}">
+                <a16:creationId xmlns:a16="http://schemas.microsoft.com/office/drawing/2014/main" id="{116DACC7-DDBF-991B-3528-5C69CEC59CDA}"/>
+              </a:ext>
+            </a:extLst>
+          </p:cNvPr>
+          <p:cNvPicPr>
+            <a:picLocks noChangeAspect="1"/>
+          </p:cNvPicPr>
+          <p:nvPr/>
+        </p:nvPicPr>
+        <p:blipFill rotWithShape="1">
+          <a:blip r:embed="rId4"/>
+          <a:srcRect r="63105"/>
+          <a:stretch/>
+        </p:blipFill>
+        <p:spPr>
+          <a:xfrm>
+            <a:off x="551061" y="2450294"/>
+            <a:ext cx="4173339" cy="1256859"/>
+          </a:xfrm>
+          <a:prstGeom prst="rect">
+            <a:avLst/>
+          </a:prstGeom>
+        </p:spPr>
+      </p:pic>
+      <p:pic>
+        <p:nvPicPr>
+          <p:cNvPr id="17" name="Picture 16">
+            <a:extLst>
+              <a:ext uri="{FF2B5EF4-FFF2-40B4-BE49-F238E27FC236}">
+                <a16:creationId xmlns:a16="http://schemas.microsoft.com/office/drawing/2014/main" id="{2609F931-627B-9393-CE86-73AAF0A5B94D}"/>
+              </a:ext>
+            </a:extLst>
+          </p:cNvPr>
+          <p:cNvPicPr>
+            <a:picLocks noChangeAspect="1"/>
+          </p:cNvPicPr>
+          <p:nvPr/>
+        </p:nvPicPr>
+        <p:blipFill rotWithShape="1">
+          <a:blip r:embed="rId5"/>
+          <a:srcRect l="-6025" t="-187413" r="68298" b="187413"/>
+          <a:stretch/>
+        </p:blipFill>
+        <p:spPr>
+          <a:xfrm>
+            <a:off x="0" y="2063750"/>
+            <a:ext cx="3449782" cy="1016000"/>
+          </a:xfrm>
+          <a:prstGeom prst="rect">
+            <a:avLst/>
+          </a:prstGeom>
+        </p:spPr>
+      </p:pic>
+      <p:pic>
+        <p:nvPicPr>
+          <p:cNvPr id="19" name="Picture 18">
+            <a:extLst>
+              <a:ext uri="{FF2B5EF4-FFF2-40B4-BE49-F238E27FC236}">
+                <a16:creationId xmlns:a16="http://schemas.microsoft.com/office/drawing/2014/main" id="{1BAA23D9-75DC-3405-DD33-1FEFB06E62A6}"/>
+              </a:ext>
+            </a:extLst>
+          </p:cNvPr>
+          <p:cNvPicPr>
+            <a:picLocks noChangeAspect="1"/>
+          </p:cNvPicPr>
+          <p:nvPr/>
+        </p:nvPicPr>
+        <p:blipFill rotWithShape="1">
+          <a:blip r:embed="rId5"/>
+          <a:srcRect r="63106"/>
+          <a:stretch/>
+        </p:blipFill>
+        <p:spPr>
+          <a:xfrm>
+            <a:off x="551061" y="3792141"/>
+            <a:ext cx="4173339" cy="1256857"/>
+          </a:xfrm>
+          <a:prstGeom prst="rect">
+            <a:avLst/>
+          </a:prstGeom>
+        </p:spPr>
+      </p:pic>
+    </p:spTree>
+    <p:extLst>
+      <p:ext uri="{BB962C8B-B14F-4D97-AF65-F5344CB8AC3E}">
+        <p14:creationId xmlns:p14="http://schemas.microsoft.com/office/powerpoint/2010/main" val="1184919336"/>
+      </p:ext>
+    </p:extLst>
   </p:cSld>
   <p:clrMapOvr>
     <a:masterClrMapping/>
@@ -11784,7 +13778,685 @@
 </p:sld>
 </file>
 
-<file path=ppt/slides/slide12.xml><?xml version="1.0" encoding="utf-8"?>
+<file path=ppt/slides/slide14.xml><?xml version="1.0" encoding="utf-8"?>
+<p:sld xmlns:a="http://schemas.openxmlformats.org/drawingml/2006/main" xmlns:r="http://schemas.openxmlformats.org/officeDocument/2006/relationships" xmlns:p="http://schemas.openxmlformats.org/presentationml/2006/main">
+  <p:cSld>
+    <p:spTree>
+      <p:nvGrpSpPr>
+        <p:cNvPr id="1" name="Shape 128"/>
+        <p:cNvGrpSpPr/>
+        <p:nvPr/>
+      </p:nvGrpSpPr>
+      <p:grpSpPr>
+        <a:xfrm>
+          <a:off x="0" y="0"/>
+          <a:ext cx="0" cy="0"/>
+          <a:chOff x="0" y="0"/>
+          <a:chExt cx="0" cy="0"/>
+        </a:xfrm>
+      </p:grpSpPr>
+      <p:sp>
+        <p:nvSpPr>
+          <p:cNvPr id="129" name="Google Shape;129;p13"/>
+          <p:cNvSpPr/>
+          <p:nvPr/>
+        </p:nvSpPr>
+        <p:spPr>
+          <a:xfrm>
+            <a:off x="1266450" y="513625"/>
+            <a:ext cx="6611100" cy="3808200"/>
+          </a:xfrm>
+          <a:prstGeom prst="rect">
+            <a:avLst/>
+          </a:prstGeom>
+          <a:solidFill>
+            <a:srgbClr val="EFEFEF"/>
+          </a:solidFill>
+          <a:ln w="9525" cap="flat" cmpd="sng">
+            <a:solidFill>
+              <a:schemeClr val="dk2"/>
+            </a:solidFill>
+            <a:prstDash val="solid"/>
+            <a:round/>
+            <a:headEnd type="none" w="sm" len="sm"/>
+            <a:tailEnd type="none" w="sm" len="sm"/>
+          </a:ln>
+        </p:spPr>
+        <p:txBody>
+          <a:bodyPr spcFirstLastPara="1" wrap="square" lIns="91425" tIns="91425" rIns="91425" bIns="91425" anchor="ctr" anchorCtr="0">
+            <a:noAutofit/>
+          </a:bodyPr>
+          <a:lstStyle/>
+          <a:p>
+            <a:pPr marL="0" lvl="0" indent="0" algn="ctr" rtl="0">
+              <a:spcBef>
+                <a:spcPts val="0"/>
+              </a:spcBef>
+              <a:spcAft>
+                <a:spcPts val="0"/>
+              </a:spcAft>
+              <a:buNone/>
+            </a:pPr>
+            <a:endParaRPr>
+              <a:latin typeface="Lato"/>
+              <a:ea typeface="Lato"/>
+              <a:cs typeface="Lato"/>
+              <a:sym typeface="Lato"/>
+            </a:endParaRPr>
+          </a:p>
+        </p:txBody>
+      </p:sp>
+      <p:pic>
+        <p:nvPicPr>
+          <p:cNvPr id="130" name="Google Shape;130;p13"/>
+          <p:cNvPicPr preferRelativeResize="0"/>
+          <p:nvPr/>
+        </p:nvPicPr>
+        <p:blipFill>
+          <a:blip r:embed="rId3">
+            <a:alphaModFix/>
+          </a:blip>
+          <a:stretch>
+            <a:fillRect/>
+          </a:stretch>
+        </p:blipFill>
+        <p:spPr>
+          <a:xfrm>
+            <a:off x="763800" y="513625"/>
+            <a:ext cx="7616399" cy="3808200"/>
+          </a:xfrm>
+          <a:prstGeom prst="rect">
+            <a:avLst/>
+          </a:prstGeom>
+          <a:noFill/>
+          <a:ln>
+            <a:noFill/>
+          </a:ln>
+        </p:spPr>
+      </p:pic>
+      <p:sp>
+        <p:nvSpPr>
+          <p:cNvPr id="131" name="Google Shape;131;p13"/>
+          <p:cNvSpPr txBox="1"/>
+          <p:nvPr/>
+        </p:nvSpPr>
+        <p:spPr>
+          <a:xfrm>
+            <a:off x="2579270" y="1456460"/>
+            <a:ext cx="3985459" cy="1205344"/>
+          </a:xfrm>
+          <a:prstGeom prst="rect">
+            <a:avLst/>
+          </a:prstGeom>
+          <a:noFill/>
+          <a:ln>
+            <a:noFill/>
+          </a:ln>
+        </p:spPr>
+        <p:txBody>
+          <a:bodyPr spcFirstLastPara="1" wrap="square" lIns="91425" tIns="91425" rIns="91425" bIns="91425" anchor="t" anchorCtr="0">
+            <a:noAutofit/>
+          </a:bodyPr>
+          <a:lstStyle/>
+          <a:p>
+            <a:pPr lvl="0" algn="ctr"/>
+            <a:r>
+              <a:rPr lang="en-US" sz="1700" b="1" dirty="0">
+                <a:solidFill>
+                  <a:schemeClr val="dk1"/>
+                </a:solidFill>
+                <a:latin typeface="Lato"/>
+                <a:ea typeface="Lato"/>
+                <a:cs typeface="Lato"/>
+                <a:sym typeface="Lato"/>
+              </a:rPr>
+              <a:t>Hypothesis 3:</a:t>
+            </a:r>
+          </a:p>
+          <a:p>
+            <a:pPr lvl="0" algn="ctr"/>
+            <a:r>
+              <a:rPr lang="en-US" sz="1700" dirty="0">
+                <a:solidFill>
+                  <a:schemeClr val="dk1"/>
+                </a:solidFill>
+                <a:latin typeface="Lato"/>
+                <a:ea typeface="Lato"/>
+                <a:cs typeface="Lato"/>
+                <a:sym typeface="Lato"/>
+              </a:rPr>
+              <a:t>The later in the year a movie is released, the higher average review scores it will receive.</a:t>
+            </a:r>
+          </a:p>
+        </p:txBody>
+      </p:sp>
+    </p:spTree>
+    <p:extLst>
+      <p:ext uri="{BB962C8B-B14F-4D97-AF65-F5344CB8AC3E}">
+        <p14:creationId xmlns:p14="http://schemas.microsoft.com/office/powerpoint/2010/main" val="2849750931"/>
+      </p:ext>
+    </p:extLst>
+  </p:cSld>
+  <p:clrMapOvr>
+    <a:masterClrMapping/>
+  </p:clrMapOvr>
+  <p:timing>
+    <p:tnLst>
+      <p:par>
+        <p:cTn id="1" dur="indefinite" restart="never" nodeType="tmRoot">
+          <p:childTnLst>
+            <p:seq concurrent="1" nextAc="seek">
+              <p:cTn id="2" dur="indefinite" nodeType="mainSeq">
+                <p:childTnLst>
+                  <p:par>
+                    <p:cTn id="3" fill="hold">
+                      <p:stCondLst>
+                        <p:cond delay="indefinite"/>
+                        <p:cond evt="onBegin" delay="0">
+                          <p:tn val="2"/>
+                        </p:cond>
+                      </p:stCondLst>
+                      <p:childTnLst>
+                        <p:par>
+                          <p:cTn id="4" fill="hold">
+                            <p:stCondLst>
+                              <p:cond delay="0"/>
+                            </p:stCondLst>
+                            <p:childTnLst>
+                              <p:par>
+                                <p:cTn id="5" presetID="10" presetClass="entr" presetSubtype="0" fill="hold" nodeType="withEffect">
+                                  <p:stCondLst>
+                                    <p:cond delay="0"/>
+                                  </p:stCondLst>
+                                  <p:childTnLst>
+                                    <p:set>
+                                      <p:cBhvr>
+                                        <p:cTn id="6" dur="1" fill="hold">
+                                          <p:stCondLst>
+                                            <p:cond delay="0"/>
+                                          </p:stCondLst>
+                                        </p:cTn>
+                                        <p:tgtEl>
+                                          <p:spTgt spid="131"/>
+                                        </p:tgtEl>
+                                        <p:attrNameLst>
+                                          <p:attrName>style.visibility</p:attrName>
+                                        </p:attrNameLst>
+                                      </p:cBhvr>
+                                      <p:to>
+                                        <p:strVal val="visible"/>
+                                      </p:to>
+                                    </p:set>
+                                    <p:animEffect transition="in" filter="fade">
+                                      <p:cBhvr>
+                                        <p:cTn id="7" dur="1500"/>
+                                        <p:tgtEl>
+                                          <p:spTgt spid="131"/>
+                                        </p:tgtEl>
+                                      </p:cBhvr>
+                                    </p:animEffect>
+                                  </p:childTnLst>
+                                </p:cTn>
+                              </p:par>
+                            </p:childTnLst>
+                          </p:cTn>
+                        </p:par>
+                      </p:childTnLst>
+                    </p:cTn>
+                  </p:par>
+                </p:childTnLst>
+              </p:cTn>
+              <p:prevCondLst>
+                <p:cond evt="onPrev" delay="0">
+                  <p:tgtEl>
+                    <p:sldTgt/>
+                  </p:tgtEl>
+                </p:cond>
+              </p:prevCondLst>
+              <p:nextCondLst>
+                <p:cond evt="onNext" delay="0">
+                  <p:tgtEl>
+                    <p:sldTgt/>
+                  </p:tgtEl>
+                </p:cond>
+              </p:nextCondLst>
+            </p:seq>
+          </p:childTnLst>
+        </p:cTn>
+      </p:par>
+    </p:tnLst>
+  </p:timing>
+</p:sld>
+</file>
+
+<file path=ppt/slides/slide15.xml><?xml version="1.0" encoding="utf-8"?>
+<p:sld xmlns:a="http://schemas.openxmlformats.org/drawingml/2006/main" xmlns:r="http://schemas.openxmlformats.org/officeDocument/2006/relationships" xmlns:p="http://schemas.openxmlformats.org/presentationml/2006/main">
+  <p:cSld>
+    <p:spTree>
+      <p:nvGrpSpPr>
+        <p:cNvPr id="1" name="Shape 184"/>
+        <p:cNvGrpSpPr/>
+        <p:nvPr/>
+      </p:nvGrpSpPr>
+      <p:grpSpPr>
+        <a:xfrm>
+          <a:off x="0" y="0"/>
+          <a:ext cx="0" cy="0"/>
+          <a:chOff x="0" y="0"/>
+          <a:chExt cx="0" cy="0"/>
+        </a:xfrm>
+      </p:grpSpPr>
+      <p:sp>
+        <p:nvSpPr>
+          <p:cNvPr id="185" name="Google Shape;185;p18"/>
+          <p:cNvSpPr txBox="1">
+            <a:spLocks noGrp="1"/>
+          </p:cNvSpPr>
+          <p:nvPr>
+            <p:ph type="ctrTitle"/>
+          </p:nvPr>
+        </p:nvSpPr>
+        <p:spPr>
+          <a:xfrm>
+            <a:off x="2802300" y="492475"/>
+            <a:ext cx="3539400" cy="791700"/>
+          </a:xfrm>
+          <a:prstGeom prst="rect">
+            <a:avLst/>
+          </a:prstGeom>
+          <a:effectLst>
+            <a:outerShdw blurRad="57150" dist="19050" dir="5400000" algn="bl" rotWithShape="0">
+              <a:srgbClr val="000000">
+                <a:alpha val="16000"/>
+              </a:srgbClr>
+            </a:outerShdw>
+          </a:effectLst>
+        </p:spPr>
+        <p:txBody>
+          <a:bodyPr spcFirstLastPara="1" wrap="square" lIns="91425" tIns="91425" rIns="91425" bIns="91425" anchor="t" anchorCtr="0">
+            <a:normAutofit fontScale="90000"/>
+          </a:bodyPr>
+          <a:lstStyle/>
+          <a:p>
+            <a:pPr marL="0" lvl="0" indent="0" algn="ctr" rtl="0">
+              <a:spcBef>
+                <a:spcPts val="0"/>
+              </a:spcBef>
+              <a:spcAft>
+                <a:spcPts val="0"/>
+              </a:spcAft>
+              <a:buNone/>
+            </a:pPr>
+            <a:r>
+              <a:rPr lang="en" dirty="0"/>
+              <a:t>Scatterplot</a:t>
+            </a:r>
+            <a:endParaRPr dirty="0"/>
+          </a:p>
+        </p:txBody>
+      </p:sp>
+      <p:sp>
+        <p:nvSpPr>
+          <p:cNvPr id="8" name="Google Shape;188;p18">
+            <a:extLst>
+              <a:ext uri="{FF2B5EF4-FFF2-40B4-BE49-F238E27FC236}">
+                <a16:creationId xmlns:a16="http://schemas.microsoft.com/office/drawing/2014/main" id="{4D7492C5-62D5-6FBB-1F5A-A58EA7E5FBD4}"/>
+              </a:ext>
+            </a:extLst>
+          </p:cNvPr>
+          <p:cNvSpPr/>
+          <p:nvPr/>
+        </p:nvSpPr>
+        <p:spPr>
+          <a:xfrm>
+            <a:off x="86081" y="3991948"/>
+            <a:ext cx="2882830" cy="351452"/>
+          </a:xfrm>
+          <a:prstGeom prst="rect">
+            <a:avLst/>
+          </a:prstGeom>
+          <a:solidFill>
+            <a:srgbClr val="8F6600">
+              <a:alpha val="77220"/>
+            </a:srgbClr>
+          </a:solidFill>
+          <a:ln w="9525" cap="flat" cmpd="sng">
+            <a:solidFill>
+              <a:srgbClr val="8F6600"/>
+            </a:solidFill>
+            <a:prstDash val="solid"/>
+            <a:round/>
+            <a:headEnd type="none" w="sm" len="sm"/>
+            <a:tailEnd type="none" w="sm" len="sm"/>
+          </a:ln>
+        </p:spPr>
+        <p:txBody>
+          <a:bodyPr spcFirstLastPara="1" wrap="square" lIns="91425" tIns="91425" rIns="91425" bIns="91425" anchor="ctr" anchorCtr="0">
+            <a:noAutofit/>
+          </a:bodyPr>
+          <a:lstStyle/>
+          <a:p>
+            <a:pPr marL="0" lvl="0" indent="0" algn="ctr" rtl="0">
+              <a:spcBef>
+                <a:spcPts val="0"/>
+              </a:spcBef>
+              <a:spcAft>
+                <a:spcPts val="0"/>
+              </a:spcAft>
+              <a:buNone/>
+            </a:pPr>
+            <a:r>
+              <a:rPr lang="en" sz="1200" b="1" dirty="0">
+                <a:solidFill>
+                  <a:schemeClr val="dk1"/>
+                </a:solidFill>
+                <a:latin typeface="Lato"/>
+                <a:ea typeface="Lato"/>
+                <a:cs typeface="Lato"/>
+                <a:sym typeface="Lato"/>
+              </a:rPr>
+              <a:t>2008 - </a:t>
+            </a:r>
+            <a:r>
+              <a:rPr lang="en-GB" sz="1200" b="1" dirty="0">
+                <a:solidFill>
+                  <a:schemeClr val="dk1"/>
+                </a:solidFill>
+                <a:latin typeface="Lato"/>
+                <a:ea typeface="Lato"/>
+                <a:cs typeface="Lato"/>
+                <a:sym typeface="Lato"/>
+              </a:rPr>
+              <a:t>The r-value is: 0.13618784692218067</a:t>
+            </a:r>
+            <a:endParaRPr sz="1200" dirty="0">
+              <a:solidFill>
+                <a:schemeClr val="dk1"/>
+              </a:solidFill>
+              <a:latin typeface="Lato"/>
+              <a:ea typeface="Lato"/>
+              <a:cs typeface="Lato"/>
+              <a:sym typeface="Lato"/>
+            </a:endParaRPr>
+          </a:p>
+        </p:txBody>
+      </p:sp>
+      <p:sp>
+        <p:nvSpPr>
+          <p:cNvPr id="9" name="Google Shape;188;p18">
+            <a:extLst>
+              <a:ext uri="{FF2B5EF4-FFF2-40B4-BE49-F238E27FC236}">
+                <a16:creationId xmlns:a16="http://schemas.microsoft.com/office/drawing/2014/main" id="{E06801A1-17A3-91BD-C089-FC9BE5B35F0C}"/>
+              </a:ext>
+            </a:extLst>
+          </p:cNvPr>
+          <p:cNvSpPr/>
+          <p:nvPr/>
+        </p:nvSpPr>
+        <p:spPr>
+          <a:xfrm>
+            <a:off x="3130585" y="3991948"/>
+            <a:ext cx="2882830" cy="351452"/>
+          </a:xfrm>
+          <a:prstGeom prst="rect">
+            <a:avLst/>
+          </a:prstGeom>
+          <a:solidFill>
+            <a:srgbClr val="8F6600">
+              <a:alpha val="77220"/>
+            </a:srgbClr>
+          </a:solidFill>
+          <a:ln w="9525" cap="flat" cmpd="sng">
+            <a:solidFill>
+              <a:srgbClr val="8F6600"/>
+            </a:solidFill>
+            <a:prstDash val="solid"/>
+            <a:round/>
+            <a:headEnd type="none" w="sm" len="sm"/>
+            <a:tailEnd type="none" w="sm" len="sm"/>
+          </a:ln>
+        </p:spPr>
+        <p:txBody>
+          <a:bodyPr spcFirstLastPara="1" wrap="square" lIns="91425" tIns="91425" rIns="91425" bIns="91425" anchor="ctr" anchorCtr="0">
+            <a:noAutofit/>
+          </a:bodyPr>
+          <a:lstStyle/>
+          <a:p>
+            <a:pPr marL="0" lvl="0" indent="0" algn="ctr" rtl="0">
+              <a:spcBef>
+                <a:spcPts val="0"/>
+              </a:spcBef>
+              <a:spcAft>
+                <a:spcPts val="0"/>
+              </a:spcAft>
+              <a:buNone/>
+            </a:pPr>
+            <a:r>
+              <a:rPr lang="en" sz="1200" b="1" dirty="0">
+                <a:solidFill>
+                  <a:schemeClr val="dk1"/>
+                </a:solidFill>
+                <a:latin typeface="Lato"/>
+                <a:ea typeface="Lato"/>
+                <a:cs typeface="Lato"/>
+                <a:sym typeface="Lato"/>
+              </a:rPr>
+              <a:t>2013 - </a:t>
+            </a:r>
+            <a:r>
+              <a:rPr lang="en-GB" sz="1200" b="1" dirty="0">
+                <a:solidFill>
+                  <a:schemeClr val="dk1"/>
+                </a:solidFill>
+                <a:latin typeface="Lato"/>
+                <a:ea typeface="Lato"/>
+                <a:cs typeface="Lato"/>
+                <a:sym typeface="Lato"/>
+              </a:rPr>
+              <a:t>The r-value is: 0.15815392452964822</a:t>
+            </a:r>
+            <a:endParaRPr sz="1200" dirty="0">
+              <a:solidFill>
+                <a:schemeClr val="dk1"/>
+              </a:solidFill>
+              <a:latin typeface="Lato"/>
+              <a:ea typeface="Lato"/>
+              <a:cs typeface="Lato"/>
+              <a:sym typeface="Lato"/>
+            </a:endParaRPr>
+          </a:p>
+        </p:txBody>
+      </p:sp>
+      <p:sp>
+        <p:nvSpPr>
+          <p:cNvPr id="10" name="Google Shape;188;p18">
+            <a:extLst>
+              <a:ext uri="{FF2B5EF4-FFF2-40B4-BE49-F238E27FC236}">
+                <a16:creationId xmlns:a16="http://schemas.microsoft.com/office/drawing/2014/main" id="{7FFB0B6E-2EC9-7E23-CD9C-B80560465357}"/>
+              </a:ext>
+            </a:extLst>
+          </p:cNvPr>
+          <p:cNvSpPr/>
+          <p:nvPr/>
+        </p:nvSpPr>
+        <p:spPr>
+          <a:xfrm>
+            <a:off x="6175089" y="3991948"/>
+            <a:ext cx="2882830" cy="351452"/>
+          </a:xfrm>
+          <a:prstGeom prst="rect">
+            <a:avLst/>
+          </a:prstGeom>
+          <a:solidFill>
+            <a:srgbClr val="8F6600">
+              <a:alpha val="77220"/>
+            </a:srgbClr>
+          </a:solidFill>
+          <a:ln w="9525" cap="flat" cmpd="sng">
+            <a:solidFill>
+              <a:srgbClr val="8F6600"/>
+            </a:solidFill>
+            <a:prstDash val="solid"/>
+            <a:round/>
+            <a:headEnd type="none" w="sm" len="sm"/>
+            <a:tailEnd type="none" w="sm" len="sm"/>
+          </a:ln>
+        </p:spPr>
+        <p:txBody>
+          <a:bodyPr spcFirstLastPara="1" wrap="square" lIns="91425" tIns="91425" rIns="91425" bIns="91425" anchor="ctr" anchorCtr="0">
+            <a:noAutofit/>
+          </a:bodyPr>
+          <a:lstStyle/>
+          <a:p>
+            <a:pPr marL="0" lvl="0" indent="0" algn="ctr" rtl="0">
+              <a:spcBef>
+                <a:spcPts val="0"/>
+              </a:spcBef>
+              <a:spcAft>
+                <a:spcPts val="0"/>
+              </a:spcAft>
+              <a:buNone/>
+            </a:pPr>
+            <a:r>
+              <a:rPr lang="en" sz="1200" b="1" dirty="0">
+                <a:solidFill>
+                  <a:schemeClr val="dk1"/>
+                </a:solidFill>
+                <a:latin typeface="Lato"/>
+                <a:ea typeface="Lato"/>
+                <a:cs typeface="Lato"/>
+                <a:sym typeface="Lato"/>
+              </a:rPr>
+              <a:t>2018 - </a:t>
+            </a:r>
+            <a:r>
+              <a:rPr lang="en-GB" sz="1200" b="1" dirty="0">
+                <a:solidFill>
+                  <a:schemeClr val="dk1"/>
+                </a:solidFill>
+                <a:latin typeface="Lato"/>
+                <a:ea typeface="Lato"/>
+                <a:cs typeface="Lato"/>
+                <a:sym typeface="Lato"/>
+              </a:rPr>
+              <a:t>The r-value is: 0.03995487401930444</a:t>
+            </a:r>
+            <a:endParaRPr sz="1200" dirty="0">
+              <a:solidFill>
+                <a:schemeClr val="dk1"/>
+              </a:solidFill>
+              <a:latin typeface="Lato"/>
+              <a:ea typeface="Lato"/>
+              <a:cs typeface="Lato"/>
+              <a:sym typeface="Lato"/>
+            </a:endParaRPr>
+          </a:p>
+        </p:txBody>
+      </p:sp>
+      <p:pic>
+        <p:nvPicPr>
+          <p:cNvPr id="6" name="Picture 5" descr="A diagram of a number of blue dots&#10;&#10;Description automatically generated">
+            <a:extLst>
+              <a:ext uri="{FF2B5EF4-FFF2-40B4-BE49-F238E27FC236}">
+                <a16:creationId xmlns:a16="http://schemas.microsoft.com/office/drawing/2014/main" id="{2C7525BA-3B7E-C861-AA9E-2CB62010E9D7}"/>
+              </a:ext>
+            </a:extLst>
+          </p:cNvPr>
+          <p:cNvPicPr>
+            <a:picLocks noChangeAspect="1"/>
+          </p:cNvPicPr>
+          <p:nvPr/>
+        </p:nvPicPr>
+        <p:blipFill>
+          <a:blip r:embed="rId3"/>
+          <a:stretch>
+            <a:fillRect/>
+          </a:stretch>
+        </p:blipFill>
+        <p:spPr>
+          <a:xfrm>
+            <a:off x="6175089" y="1490138"/>
+            <a:ext cx="2882829" cy="2162122"/>
+          </a:xfrm>
+          <a:prstGeom prst="rect">
+            <a:avLst/>
+          </a:prstGeom>
+        </p:spPr>
+      </p:pic>
+      <p:pic>
+        <p:nvPicPr>
+          <p:cNvPr id="11" name="Picture 10" descr="A diagram of blue dots&#10;&#10;Description automatically generated">
+            <a:extLst>
+              <a:ext uri="{FF2B5EF4-FFF2-40B4-BE49-F238E27FC236}">
+                <a16:creationId xmlns:a16="http://schemas.microsoft.com/office/drawing/2014/main" id="{0379A900-46B5-78B2-6B4A-81F7C5E83E09}"/>
+              </a:ext>
+            </a:extLst>
+          </p:cNvPr>
+          <p:cNvPicPr>
+            <a:picLocks noChangeAspect="1"/>
+          </p:cNvPicPr>
+          <p:nvPr/>
+        </p:nvPicPr>
+        <p:blipFill>
+          <a:blip r:embed="rId4"/>
+          <a:stretch>
+            <a:fillRect/>
+          </a:stretch>
+        </p:blipFill>
+        <p:spPr>
+          <a:xfrm>
+            <a:off x="3130585" y="1490138"/>
+            <a:ext cx="2882830" cy="2162122"/>
+          </a:xfrm>
+          <a:prstGeom prst="rect">
+            <a:avLst/>
+          </a:prstGeom>
+        </p:spPr>
+      </p:pic>
+      <p:pic>
+        <p:nvPicPr>
+          <p:cNvPr id="13" name="Picture 12" descr="A graph of blue dots&#10;&#10;Description automatically generated">
+            <a:extLst>
+              <a:ext uri="{FF2B5EF4-FFF2-40B4-BE49-F238E27FC236}">
+                <a16:creationId xmlns:a16="http://schemas.microsoft.com/office/drawing/2014/main" id="{2D3C82E6-0EC6-3F68-2E4F-27B0BF5C7100}"/>
+              </a:ext>
+            </a:extLst>
+          </p:cNvPr>
+          <p:cNvPicPr>
+            <a:picLocks noChangeAspect="1"/>
+          </p:cNvPicPr>
+          <p:nvPr/>
+        </p:nvPicPr>
+        <p:blipFill>
+          <a:blip r:embed="rId5"/>
+          <a:stretch>
+            <a:fillRect/>
+          </a:stretch>
+        </p:blipFill>
+        <p:spPr>
+          <a:xfrm>
+            <a:off x="86081" y="1490139"/>
+            <a:ext cx="2882829" cy="2162122"/>
+          </a:xfrm>
+          <a:prstGeom prst="rect">
+            <a:avLst/>
+          </a:prstGeom>
+        </p:spPr>
+      </p:pic>
+    </p:spTree>
+    <p:extLst>
+      <p:ext uri="{BB962C8B-B14F-4D97-AF65-F5344CB8AC3E}">
+        <p14:creationId xmlns:p14="http://schemas.microsoft.com/office/powerpoint/2010/main" val="262002975"/>
+      </p:ext>
+    </p:extLst>
+  </p:cSld>
+  <p:clrMapOvr>
+    <a:masterClrMapping/>
+  </p:clrMapOvr>
+</p:sld>
+</file>
+
+<file path=ppt/slides/slide16.xml><?xml version="1.0" encoding="utf-8"?>
 <p:sld xmlns:a="http://schemas.openxmlformats.org/drawingml/2006/main" xmlns:r="http://schemas.openxmlformats.org/officeDocument/2006/relationships" xmlns:p="http://schemas.openxmlformats.org/presentationml/2006/main">
   <p:cSld>
     <p:spTree>
@@ -11852,14 +14524,20 @@
       </p:sp>
       <p:sp>
         <p:nvSpPr>
-          <p:cNvPr id="230" name="Google Shape;230;p24"/>
+          <p:cNvPr id="10" name="Google Shape;169;p16">
+            <a:extLst>
+              <a:ext uri="{FF2B5EF4-FFF2-40B4-BE49-F238E27FC236}">
+                <a16:creationId xmlns:a16="http://schemas.microsoft.com/office/drawing/2014/main" id="{267B5D68-7C11-E21D-AD11-B81C2160A3C4}"/>
+              </a:ext>
+            </a:extLst>
+          </p:cNvPr>
           <p:cNvSpPr/>
           <p:nvPr/>
         </p:nvSpPr>
         <p:spPr>
           <a:xfrm>
-            <a:off x="391012" y="3990725"/>
-            <a:ext cx="3729000" cy="660300"/>
+            <a:off x="3236700" y="1520579"/>
+            <a:ext cx="2670600" cy="3130445"/>
           </a:xfrm>
           <a:prstGeom prst="rect">
             <a:avLst/>
@@ -11904,30 +14582,44 @@
                 <a:cs typeface="Lato"/>
                 <a:sym typeface="Lato"/>
               </a:rPr>
-              <a:t>Put image above, caption here</a:t>
+              <a:t>No, </a:t>
+            </a:r>
+            <a:r>
+              <a:rPr lang="en" sz="1200" dirty="0">
+                <a:solidFill>
+                  <a:schemeClr val="dk1"/>
+                </a:solidFill>
+                <a:latin typeface="Lato"/>
+                <a:ea typeface="Lato"/>
+                <a:cs typeface="Lato"/>
+                <a:sym typeface="Lato"/>
+              </a:rPr>
+              <a:t>a movie receiving a high review scores does not mean it is more likely to be nominated</a:t>
             </a:r>
             <a:endParaRPr sz="1200" dirty="0">
               <a:solidFill>
                 <a:schemeClr val="dk1"/>
               </a:solidFill>
-              <a:latin typeface="Lato"/>
-              <a:ea typeface="Lato"/>
-              <a:cs typeface="Lato"/>
-              <a:sym typeface="Lato"/>
             </a:endParaRPr>
           </a:p>
         </p:txBody>
       </p:sp>
       <p:sp>
         <p:nvSpPr>
-          <p:cNvPr id="231" name="Google Shape;231;p24"/>
+          <p:cNvPr id="11" name="Google Shape;170;p16">
+            <a:extLst>
+              <a:ext uri="{FF2B5EF4-FFF2-40B4-BE49-F238E27FC236}">
+                <a16:creationId xmlns:a16="http://schemas.microsoft.com/office/drawing/2014/main" id="{26C0B25F-4187-E5E9-21D1-C895455B872D}"/>
+              </a:ext>
+            </a:extLst>
+          </p:cNvPr>
           <p:cNvSpPr/>
           <p:nvPr/>
         </p:nvSpPr>
         <p:spPr>
           <a:xfrm>
-            <a:off x="5023988" y="3998875"/>
-            <a:ext cx="3729000" cy="660300"/>
+            <a:off x="300075" y="1520580"/>
+            <a:ext cx="2670600" cy="3130445"/>
           </a:xfrm>
           <a:prstGeom prst="rect">
             <a:avLst/>
@@ -11963,7 +14655,7 @@
               <a:buNone/>
             </a:pPr>
             <a:r>
-              <a:rPr lang="en" sz="1200" b="1">
+              <a:rPr lang="en" sz="1200" b="1" dirty="0">
                 <a:solidFill>
                   <a:schemeClr val="dk1"/>
                 </a:solidFill>
@@ -11972,9 +14664,107 @@
                 <a:cs typeface="Lato"/>
                 <a:sym typeface="Lato"/>
               </a:rPr>
-              <a:t>Put image above, caption here</a:t>
+              <a:t>Yes, </a:t>
             </a:r>
-            <a:endParaRPr sz="1200" b="1">
+            <a:r>
+              <a:rPr lang="en" sz="1200" dirty="0">
+                <a:solidFill>
+                  <a:schemeClr val="dk1"/>
+                </a:solidFill>
+                <a:latin typeface="Lato"/>
+                <a:ea typeface="Lato"/>
+                <a:cs typeface="Lato"/>
+                <a:sym typeface="Lato"/>
+              </a:rPr>
+              <a:t>If a movie is released within two months of the nominations closing, it is more likely to be nominated</a:t>
+            </a:r>
+            <a:endParaRPr sz="1200" dirty="0">
+              <a:solidFill>
+                <a:schemeClr val="dk1"/>
+              </a:solidFill>
+              <a:latin typeface="Lato"/>
+              <a:ea typeface="Lato"/>
+              <a:cs typeface="Lato"/>
+              <a:sym typeface="Lato"/>
+            </a:endParaRPr>
+          </a:p>
+        </p:txBody>
+      </p:sp>
+      <p:sp>
+        <p:nvSpPr>
+          <p:cNvPr id="12" name="Google Shape;171;p16">
+            <a:extLst>
+              <a:ext uri="{FF2B5EF4-FFF2-40B4-BE49-F238E27FC236}">
+                <a16:creationId xmlns:a16="http://schemas.microsoft.com/office/drawing/2014/main" id="{296FF672-D795-C85C-9E47-D6C4366AD636}"/>
+              </a:ext>
+            </a:extLst>
+          </p:cNvPr>
+          <p:cNvSpPr/>
+          <p:nvPr/>
+        </p:nvSpPr>
+        <p:spPr>
+          <a:xfrm>
+            <a:off x="6173325" y="1520579"/>
+            <a:ext cx="2670600" cy="3130444"/>
+          </a:xfrm>
+          <a:prstGeom prst="rect">
+            <a:avLst/>
+          </a:prstGeom>
+          <a:solidFill>
+            <a:srgbClr val="8F6600">
+              <a:alpha val="77220"/>
+            </a:srgbClr>
+          </a:solidFill>
+          <a:ln w="9525" cap="flat" cmpd="sng">
+            <a:solidFill>
+              <a:srgbClr val="8F6600"/>
+            </a:solidFill>
+            <a:prstDash val="solid"/>
+            <a:round/>
+            <a:headEnd type="none" w="sm" len="sm"/>
+            <a:tailEnd type="none" w="sm" len="sm"/>
+          </a:ln>
+        </p:spPr>
+        <p:txBody>
+          <a:bodyPr spcFirstLastPara="1" wrap="square" lIns="91425" tIns="91425" rIns="91425" bIns="91425" anchor="ctr" anchorCtr="0">
+            <a:noAutofit/>
+          </a:bodyPr>
+          <a:lstStyle/>
+          <a:p>
+            <a:pPr marL="0" lvl="0" indent="0" algn="ctr" rtl="0">
+              <a:spcBef>
+                <a:spcPts val="0"/>
+              </a:spcBef>
+              <a:spcAft>
+                <a:spcPts val="0"/>
+              </a:spcAft>
+              <a:buNone/>
+            </a:pPr>
+            <a:r>
+              <a:rPr lang="en" sz="1200" b="1" dirty="0">
+                <a:solidFill>
+                  <a:schemeClr val="dk1"/>
+                </a:solidFill>
+                <a:latin typeface="Lato"/>
+                <a:ea typeface="Lato"/>
+                <a:cs typeface="Lato"/>
+                <a:sym typeface="Lato"/>
+              </a:rPr>
+              <a:t>Yes, </a:t>
+            </a:r>
+            <a:r>
+              <a:rPr lang="en" sz="1200" dirty="0">
+                <a:solidFill>
+                  <a:schemeClr val="dk1"/>
+                </a:solidFill>
+                <a:latin typeface="Lato"/>
+                <a:ea typeface="Lato"/>
+                <a:cs typeface="Lato"/>
+                <a:sym typeface="Lato"/>
+              </a:rPr>
+              <a:t>the later in the year a movie is released, the higher average review scores it will receive.</a:t>
+            </a:r>
+            <a:endParaRPr sz="1200" dirty="0">
               <a:solidFill>
                 <a:schemeClr val="dk1"/>
               </a:solidFill>
@@ -11991,6 +14781,1030 @@
   <p:clrMapOvr>
     <a:masterClrMapping/>
   </p:clrMapOvr>
+  <p:timing>
+    <p:tnLst>
+      <p:par>
+        <p:cTn id="1" dur="indefinite" restart="never" nodeType="tmRoot">
+          <p:childTnLst>
+            <p:seq concurrent="1" nextAc="seek">
+              <p:cTn id="2" dur="indefinite" nodeType="mainSeq">
+                <p:childTnLst>
+                  <p:par>
+                    <p:cTn id="3" fill="hold">
+                      <p:stCondLst>
+                        <p:cond delay="indefinite"/>
+                      </p:stCondLst>
+                      <p:childTnLst>
+                        <p:par>
+                          <p:cTn id="4" fill="hold">
+                            <p:stCondLst>
+                              <p:cond delay="0"/>
+                            </p:stCondLst>
+                            <p:childTnLst>
+                              <p:par>
+                                <p:cTn id="5" presetID="10" presetClass="entr" presetSubtype="0" fill="hold" nodeType="clickEffect">
+                                  <p:stCondLst>
+                                    <p:cond delay="0"/>
+                                  </p:stCondLst>
+                                  <p:childTnLst>
+                                    <p:set>
+                                      <p:cBhvr>
+                                        <p:cTn id="6" dur="1" fill="hold">
+                                          <p:stCondLst>
+                                            <p:cond delay="0"/>
+                                          </p:stCondLst>
+                                        </p:cTn>
+                                        <p:tgtEl>
+                                          <p:spTgt spid="11"/>
+                                        </p:tgtEl>
+                                        <p:attrNameLst>
+                                          <p:attrName>style.visibility</p:attrName>
+                                        </p:attrNameLst>
+                                      </p:cBhvr>
+                                      <p:to>
+                                        <p:strVal val="visible"/>
+                                      </p:to>
+                                    </p:set>
+                                    <p:animEffect transition="in" filter="fade">
+                                      <p:cBhvr>
+                                        <p:cTn id="7" dur="300"/>
+                                        <p:tgtEl>
+                                          <p:spTgt spid="11"/>
+                                        </p:tgtEl>
+                                      </p:cBhvr>
+                                    </p:animEffect>
+                                  </p:childTnLst>
+                                </p:cTn>
+                              </p:par>
+                            </p:childTnLst>
+                          </p:cTn>
+                        </p:par>
+                      </p:childTnLst>
+                    </p:cTn>
+                  </p:par>
+                  <p:par>
+                    <p:cTn id="8" fill="hold">
+                      <p:stCondLst>
+                        <p:cond delay="indefinite"/>
+                      </p:stCondLst>
+                      <p:childTnLst>
+                        <p:par>
+                          <p:cTn id="9" fill="hold">
+                            <p:stCondLst>
+                              <p:cond delay="0"/>
+                            </p:stCondLst>
+                            <p:childTnLst>
+                              <p:par>
+                                <p:cTn id="10" presetID="10" presetClass="entr" presetSubtype="0" fill="hold" nodeType="clickEffect">
+                                  <p:stCondLst>
+                                    <p:cond delay="0"/>
+                                  </p:stCondLst>
+                                  <p:childTnLst>
+                                    <p:set>
+                                      <p:cBhvr>
+                                        <p:cTn id="11" dur="1" fill="hold">
+                                          <p:stCondLst>
+                                            <p:cond delay="0"/>
+                                          </p:stCondLst>
+                                        </p:cTn>
+                                        <p:tgtEl>
+                                          <p:spTgt spid="10"/>
+                                        </p:tgtEl>
+                                        <p:attrNameLst>
+                                          <p:attrName>style.visibility</p:attrName>
+                                        </p:attrNameLst>
+                                      </p:cBhvr>
+                                      <p:to>
+                                        <p:strVal val="visible"/>
+                                      </p:to>
+                                    </p:set>
+                                    <p:animEffect transition="in" filter="fade">
+                                      <p:cBhvr>
+                                        <p:cTn id="12" dur="300"/>
+                                        <p:tgtEl>
+                                          <p:spTgt spid="10"/>
+                                        </p:tgtEl>
+                                      </p:cBhvr>
+                                    </p:animEffect>
+                                  </p:childTnLst>
+                                </p:cTn>
+                              </p:par>
+                            </p:childTnLst>
+                          </p:cTn>
+                        </p:par>
+                      </p:childTnLst>
+                    </p:cTn>
+                  </p:par>
+                  <p:par>
+                    <p:cTn id="13" fill="hold">
+                      <p:stCondLst>
+                        <p:cond delay="indefinite"/>
+                      </p:stCondLst>
+                      <p:childTnLst>
+                        <p:par>
+                          <p:cTn id="14" fill="hold">
+                            <p:stCondLst>
+                              <p:cond delay="0"/>
+                            </p:stCondLst>
+                            <p:childTnLst>
+                              <p:par>
+                                <p:cTn id="15" presetID="10" presetClass="entr" presetSubtype="0" fill="hold" nodeType="clickEffect">
+                                  <p:stCondLst>
+                                    <p:cond delay="0"/>
+                                  </p:stCondLst>
+                                  <p:childTnLst>
+                                    <p:set>
+                                      <p:cBhvr>
+                                        <p:cTn id="16" dur="1" fill="hold">
+                                          <p:stCondLst>
+                                            <p:cond delay="0"/>
+                                          </p:stCondLst>
+                                        </p:cTn>
+                                        <p:tgtEl>
+                                          <p:spTgt spid="12"/>
+                                        </p:tgtEl>
+                                        <p:attrNameLst>
+                                          <p:attrName>style.visibility</p:attrName>
+                                        </p:attrNameLst>
+                                      </p:cBhvr>
+                                      <p:to>
+                                        <p:strVal val="visible"/>
+                                      </p:to>
+                                    </p:set>
+                                    <p:animEffect transition="in" filter="fade">
+                                      <p:cBhvr>
+                                        <p:cTn id="17" dur="300"/>
+                                        <p:tgtEl>
+                                          <p:spTgt spid="12"/>
+                                        </p:tgtEl>
+                                      </p:cBhvr>
+                                    </p:animEffect>
+                                  </p:childTnLst>
+                                </p:cTn>
+                              </p:par>
+                            </p:childTnLst>
+                          </p:cTn>
+                        </p:par>
+                      </p:childTnLst>
+                    </p:cTn>
+                  </p:par>
+                </p:childTnLst>
+              </p:cTn>
+              <p:prevCondLst>
+                <p:cond evt="onPrev" delay="0">
+                  <p:tgtEl>
+                    <p:sldTgt/>
+                  </p:tgtEl>
+                </p:cond>
+              </p:prevCondLst>
+              <p:nextCondLst>
+                <p:cond evt="onNext" delay="0">
+                  <p:tgtEl>
+                    <p:sldTgt/>
+                  </p:tgtEl>
+                </p:cond>
+              </p:nextCondLst>
+            </p:seq>
+          </p:childTnLst>
+        </p:cTn>
+      </p:par>
+    </p:tnLst>
+  </p:timing>
+</p:sld>
+</file>
+
+<file path=ppt/slides/slide17.xml><?xml version="1.0" encoding="utf-8"?>
+<p:sld xmlns:a="http://schemas.openxmlformats.org/drawingml/2006/main" xmlns:r="http://schemas.openxmlformats.org/officeDocument/2006/relationships" xmlns:p="http://schemas.openxmlformats.org/presentationml/2006/main">
+  <p:cSld>
+    <p:spTree>
+      <p:nvGrpSpPr>
+        <p:cNvPr id="1" name="Shape 228"/>
+        <p:cNvGrpSpPr/>
+        <p:nvPr/>
+      </p:nvGrpSpPr>
+      <p:grpSpPr>
+        <a:xfrm>
+          <a:off x="0" y="0"/>
+          <a:ext cx="0" cy="0"/>
+          <a:chOff x="0" y="0"/>
+          <a:chExt cx="0" cy="0"/>
+        </a:xfrm>
+      </p:grpSpPr>
+      <p:sp>
+        <p:nvSpPr>
+          <p:cNvPr id="229" name="Google Shape;229;p24"/>
+          <p:cNvSpPr txBox="1">
+            <a:spLocks noGrp="1"/>
+          </p:cNvSpPr>
+          <p:nvPr>
+            <p:ph type="ctrTitle"/>
+          </p:nvPr>
+        </p:nvSpPr>
+        <p:spPr>
+          <a:xfrm>
+            <a:off x="2802300" y="492475"/>
+            <a:ext cx="3539400" cy="791700"/>
+          </a:xfrm>
+          <a:prstGeom prst="rect">
+            <a:avLst/>
+          </a:prstGeom>
+          <a:effectLst>
+            <a:outerShdw blurRad="57150" dist="19050" dir="5400000" algn="bl" rotWithShape="0">
+              <a:srgbClr val="000000">
+                <a:alpha val="16000"/>
+              </a:srgbClr>
+            </a:outerShdw>
+          </a:effectLst>
+        </p:spPr>
+        <p:txBody>
+          <a:bodyPr spcFirstLastPara="1" wrap="square" lIns="91425" tIns="91425" rIns="91425" bIns="91425" anchor="t" anchorCtr="0">
+            <a:normAutofit fontScale="90000"/>
+          </a:bodyPr>
+          <a:lstStyle/>
+          <a:p>
+            <a:pPr marL="0" lvl="0" indent="0" algn="ctr" rtl="0">
+              <a:spcBef>
+                <a:spcPts val="0"/>
+              </a:spcBef>
+              <a:spcAft>
+                <a:spcPts val="0"/>
+              </a:spcAft>
+              <a:buNone/>
+            </a:pPr>
+            <a:r>
+              <a:rPr lang="en" dirty="0"/>
+              <a:t>Driving Factor</a:t>
+            </a:r>
+            <a:endParaRPr dirty="0"/>
+          </a:p>
+        </p:txBody>
+      </p:sp>
+      <p:pic>
+        <p:nvPicPr>
+          <p:cNvPr id="5" name="Picture 4" descr="A group of people on a stage&#10;&#10;Description automatically generated">
+            <a:extLst>
+              <a:ext uri="{FF2B5EF4-FFF2-40B4-BE49-F238E27FC236}">
+                <a16:creationId xmlns:a16="http://schemas.microsoft.com/office/drawing/2014/main" id="{1E1CBCFD-A3F4-5D9E-3599-D6BB5DD91CF6}"/>
+              </a:ext>
+            </a:extLst>
+          </p:cNvPr>
+          <p:cNvPicPr>
+            <a:picLocks noChangeAspect="1"/>
+          </p:cNvPicPr>
+          <p:nvPr/>
+        </p:nvPicPr>
+        <p:blipFill>
+          <a:blip r:embed="rId3"/>
+          <a:stretch>
+            <a:fillRect/>
+          </a:stretch>
+        </p:blipFill>
+        <p:spPr>
+          <a:xfrm>
+            <a:off x="2222139" y="1408866"/>
+            <a:ext cx="4699721" cy="3133148"/>
+          </a:xfrm>
+          <a:prstGeom prst="rect">
+            <a:avLst/>
+          </a:prstGeom>
+        </p:spPr>
+      </p:pic>
+    </p:spTree>
+    <p:extLst>
+      <p:ext uri="{BB962C8B-B14F-4D97-AF65-F5344CB8AC3E}">
+        <p14:creationId xmlns:p14="http://schemas.microsoft.com/office/powerpoint/2010/main" val="2679649689"/>
+      </p:ext>
+    </p:extLst>
+  </p:cSld>
+  <p:clrMapOvr>
+    <a:masterClrMapping/>
+  </p:clrMapOvr>
+</p:sld>
+</file>
+
+<file path=ppt/slides/slide18.xml><?xml version="1.0" encoding="utf-8"?>
+<p:sld xmlns:a="http://schemas.openxmlformats.org/drawingml/2006/main" xmlns:r="http://schemas.openxmlformats.org/officeDocument/2006/relationships" xmlns:p="http://schemas.openxmlformats.org/presentationml/2006/main">
+  <p:cSld>
+    <p:spTree>
+      <p:nvGrpSpPr>
+        <p:cNvPr id="1" name="Shape 228"/>
+        <p:cNvGrpSpPr/>
+        <p:nvPr/>
+      </p:nvGrpSpPr>
+      <p:grpSpPr>
+        <a:xfrm>
+          <a:off x="0" y="0"/>
+          <a:ext cx="0" cy="0"/>
+          <a:chOff x="0" y="0"/>
+          <a:chExt cx="0" cy="0"/>
+        </a:xfrm>
+      </p:grpSpPr>
+      <p:sp>
+        <p:nvSpPr>
+          <p:cNvPr id="229" name="Google Shape;229;p24"/>
+          <p:cNvSpPr txBox="1">
+            <a:spLocks noGrp="1"/>
+          </p:cNvSpPr>
+          <p:nvPr>
+            <p:ph type="ctrTitle"/>
+          </p:nvPr>
+        </p:nvSpPr>
+        <p:spPr>
+          <a:xfrm>
+            <a:off x="2802300" y="492475"/>
+            <a:ext cx="3539400" cy="791700"/>
+          </a:xfrm>
+          <a:prstGeom prst="rect">
+            <a:avLst/>
+          </a:prstGeom>
+          <a:effectLst>
+            <a:outerShdw blurRad="57150" dist="19050" dir="5400000" algn="bl" rotWithShape="0">
+              <a:srgbClr val="000000">
+                <a:alpha val="16000"/>
+              </a:srgbClr>
+            </a:outerShdw>
+          </a:effectLst>
+        </p:spPr>
+        <p:txBody>
+          <a:bodyPr spcFirstLastPara="1" wrap="square" lIns="91425" tIns="91425" rIns="91425" bIns="91425" anchor="t" anchorCtr="0">
+            <a:normAutofit fontScale="90000"/>
+          </a:bodyPr>
+          <a:lstStyle/>
+          <a:p>
+            <a:pPr marL="0" lvl="0" indent="0" algn="ctr" rtl="0">
+              <a:spcBef>
+                <a:spcPts val="0"/>
+              </a:spcBef>
+              <a:spcAft>
+                <a:spcPts val="0"/>
+              </a:spcAft>
+              <a:buNone/>
+            </a:pPr>
+            <a:r>
+              <a:rPr lang="en" dirty="0"/>
+              <a:t>The Future</a:t>
+            </a:r>
+            <a:endParaRPr dirty="0"/>
+          </a:p>
+        </p:txBody>
+      </p:sp>
+      <p:sp>
+        <p:nvSpPr>
+          <p:cNvPr id="10" name="Google Shape;169;p16">
+            <a:extLst>
+              <a:ext uri="{FF2B5EF4-FFF2-40B4-BE49-F238E27FC236}">
+                <a16:creationId xmlns:a16="http://schemas.microsoft.com/office/drawing/2014/main" id="{267B5D68-7C11-E21D-AD11-B81C2160A3C4}"/>
+              </a:ext>
+            </a:extLst>
+          </p:cNvPr>
+          <p:cNvSpPr/>
+          <p:nvPr/>
+        </p:nvSpPr>
+        <p:spPr>
+          <a:xfrm>
+            <a:off x="3236700" y="1520580"/>
+            <a:ext cx="2670600" cy="1354240"/>
+          </a:xfrm>
+          <a:prstGeom prst="rect">
+            <a:avLst/>
+          </a:prstGeom>
+          <a:solidFill>
+            <a:srgbClr val="8F6600">
+              <a:alpha val="77220"/>
+            </a:srgbClr>
+          </a:solidFill>
+          <a:ln w="9525" cap="flat" cmpd="sng">
+            <a:solidFill>
+              <a:srgbClr val="8F6600"/>
+            </a:solidFill>
+            <a:prstDash val="solid"/>
+            <a:round/>
+            <a:headEnd type="none" w="sm" len="sm"/>
+            <a:tailEnd type="none" w="sm" len="sm"/>
+          </a:ln>
+        </p:spPr>
+        <p:txBody>
+          <a:bodyPr spcFirstLastPara="1" wrap="square" lIns="91425" tIns="91425" rIns="91425" bIns="91425" anchor="ctr" anchorCtr="0">
+            <a:noAutofit/>
+          </a:bodyPr>
+          <a:lstStyle/>
+          <a:p>
+            <a:pPr marL="0" lvl="0" indent="0" algn="ctr" rtl="0">
+              <a:spcBef>
+                <a:spcPts val="0"/>
+              </a:spcBef>
+              <a:spcAft>
+                <a:spcPts val="0"/>
+              </a:spcAft>
+              <a:buNone/>
+            </a:pPr>
+            <a:r>
+              <a:rPr lang="en" sz="1200" b="1" dirty="0">
+                <a:solidFill>
+                  <a:schemeClr val="dk1"/>
+                </a:solidFill>
+                <a:latin typeface="Lato"/>
+                <a:ea typeface="Lato"/>
+                <a:cs typeface="Lato"/>
+                <a:sym typeface="Lato"/>
+              </a:rPr>
+              <a:t>Changes to the Academy</a:t>
+            </a:r>
+            <a:endParaRPr sz="1200" dirty="0">
+              <a:solidFill>
+                <a:schemeClr val="dk1"/>
+              </a:solidFill>
+            </a:endParaRPr>
+          </a:p>
+        </p:txBody>
+      </p:sp>
+      <p:sp>
+        <p:nvSpPr>
+          <p:cNvPr id="11" name="Google Shape;170;p16">
+            <a:extLst>
+              <a:ext uri="{FF2B5EF4-FFF2-40B4-BE49-F238E27FC236}">
+                <a16:creationId xmlns:a16="http://schemas.microsoft.com/office/drawing/2014/main" id="{26C0B25F-4187-E5E9-21D1-C895455B872D}"/>
+              </a:ext>
+            </a:extLst>
+          </p:cNvPr>
+          <p:cNvSpPr/>
+          <p:nvPr/>
+        </p:nvSpPr>
+        <p:spPr>
+          <a:xfrm>
+            <a:off x="300075" y="1520579"/>
+            <a:ext cx="2670600" cy="1354240"/>
+          </a:xfrm>
+          <a:prstGeom prst="rect">
+            <a:avLst/>
+          </a:prstGeom>
+          <a:solidFill>
+            <a:srgbClr val="8F6600">
+              <a:alpha val="77220"/>
+            </a:srgbClr>
+          </a:solidFill>
+          <a:ln w="9525" cap="flat" cmpd="sng">
+            <a:solidFill>
+              <a:srgbClr val="8F6600"/>
+            </a:solidFill>
+            <a:prstDash val="solid"/>
+            <a:round/>
+            <a:headEnd type="none" w="sm" len="sm"/>
+            <a:tailEnd type="none" w="sm" len="sm"/>
+          </a:ln>
+        </p:spPr>
+        <p:txBody>
+          <a:bodyPr spcFirstLastPara="1" wrap="square" lIns="91425" tIns="91425" rIns="91425" bIns="91425" anchor="ctr" anchorCtr="0">
+            <a:noAutofit/>
+          </a:bodyPr>
+          <a:lstStyle/>
+          <a:p>
+            <a:pPr marL="0" lvl="0" indent="0" algn="ctr" rtl="0">
+              <a:spcBef>
+                <a:spcPts val="0"/>
+              </a:spcBef>
+              <a:spcAft>
+                <a:spcPts val="0"/>
+              </a:spcAft>
+              <a:buNone/>
+            </a:pPr>
+            <a:r>
+              <a:rPr lang="en" sz="1200" b="1" dirty="0">
+                <a:solidFill>
+                  <a:schemeClr val="dk1"/>
+                </a:solidFill>
+                <a:latin typeface="Lato"/>
+                <a:ea typeface="Lato"/>
+                <a:cs typeface="Lato"/>
+                <a:sym typeface="Lato"/>
+              </a:rPr>
+              <a:t>Streaming</a:t>
+            </a:r>
+            <a:endParaRPr sz="1200" dirty="0">
+              <a:solidFill>
+                <a:schemeClr val="dk1"/>
+              </a:solidFill>
+              <a:latin typeface="Lato"/>
+              <a:ea typeface="Lato"/>
+              <a:cs typeface="Lato"/>
+              <a:sym typeface="Lato"/>
+            </a:endParaRPr>
+          </a:p>
+        </p:txBody>
+      </p:sp>
+      <p:sp>
+        <p:nvSpPr>
+          <p:cNvPr id="12" name="Google Shape;171;p16">
+            <a:extLst>
+              <a:ext uri="{FF2B5EF4-FFF2-40B4-BE49-F238E27FC236}">
+                <a16:creationId xmlns:a16="http://schemas.microsoft.com/office/drawing/2014/main" id="{296FF672-D795-C85C-9E47-D6C4366AD636}"/>
+              </a:ext>
+            </a:extLst>
+          </p:cNvPr>
+          <p:cNvSpPr/>
+          <p:nvPr/>
+        </p:nvSpPr>
+        <p:spPr>
+          <a:xfrm>
+            <a:off x="6173325" y="1520579"/>
+            <a:ext cx="2670600" cy="1354240"/>
+          </a:xfrm>
+          <a:prstGeom prst="rect">
+            <a:avLst/>
+          </a:prstGeom>
+          <a:solidFill>
+            <a:srgbClr val="8F6600">
+              <a:alpha val="77220"/>
+            </a:srgbClr>
+          </a:solidFill>
+          <a:ln w="9525" cap="flat" cmpd="sng">
+            <a:solidFill>
+              <a:srgbClr val="8F6600"/>
+            </a:solidFill>
+            <a:prstDash val="solid"/>
+            <a:round/>
+            <a:headEnd type="none" w="sm" len="sm"/>
+            <a:tailEnd type="none" w="sm" len="sm"/>
+          </a:ln>
+        </p:spPr>
+        <p:txBody>
+          <a:bodyPr spcFirstLastPara="1" wrap="square" lIns="91425" tIns="91425" rIns="91425" bIns="91425" anchor="ctr" anchorCtr="0">
+            <a:noAutofit/>
+          </a:bodyPr>
+          <a:lstStyle/>
+          <a:p>
+            <a:pPr marL="0" lvl="0" indent="0" algn="ctr" rtl="0">
+              <a:spcBef>
+                <a:spcPts val="0"/>
+              </a:spcBef>
+              <a:spcAft>
+                <a:spcPts val="0"/>
+              </a:spcAft>
+              <a:buNone/>
+            </a:pPr>
+            <a:r>
+              <a:rPr lang="en" sz="1200" b="1" dirty="0">
+                <a:solidFill>
+                  <a:schemeClr val="dk1"/>
+                </a:solidFill>
+                <a:latin typeface="Lato"/>
+                <a:ea typeface="Lato"/>
+                <a:cs typeface="Lato"/>
+                <a:sym typeface="Lato"/>
+              </a:rPr>
+              <a:t>Unexpected Global Events</a:t>
+            </a:r>
+            <a:endParaRPr sz="1200" dirty="0">
+              <a:solidFill>
+                <a:schemeClr val="dk1"/>
+              </a:solidFill>
+              <a:latin typeface="Lato"/>
+              <a:ea typeface="Lato"/>
+              <a:cs typeface="Lato"/>
+              <a:sym typeface="Lato"/>
+            </a:endParaRPr>
+          </a:p>
+        </p:txBody>
+      </p:sp>
+      <p:sp>
+        <p:nvSpPr>
+          <p:cNvPr id="2" name="Google Shape;170;p16">
+            <a:extLst>
+              <a:ext uri="{FF2B5EF4-FFF2-40B4-BE49-F238E27FC236}">
+                <a16:creationId xmlns:a16="http://schemas.microsoft.com/office/drawing/2014/main" id="{A33E4003-30AA-1EB9-B8B8-7D438E714D74}"/>
+              </a:ext>
+            </a:extLst>
+          </p:cNvPr>
+          <p:cNvSpPr/>
+          <p:nvPr/>
+        </p:nvSpPr>
+        <p:spPr>
+          <a:xfrm>
+            <a:off x="992801" y="3196979"/>
+            <a:ext cx="3378307" cy="1665966"/>
+          </a:xfrm>
+          <a:prstGeom prst="rect">
+            <a:avLst/>
+          </a:prstGeom>
+          <a:solidFill>
+            <a:srgbClr val="8F6600">
+              <a:alpha val="77220"/>
+            </a:srgbClr>
+          </a:solidFill>
+          <a:ln w="9525" cap="flat" cmpd="sng">
+            <a:solidFill>
+              <a:srgbClr val="8F6600"/>
+            </a:solidFill>
+            <a:prstDash val="solid"/>
+            <a:round/>
+            <a:headEnd type="none" w="sm" len="sm"/>
+            <a:tailEnd type="none" w="sm" len="sm"/>
+          </a:ln>
+        </p:spPr>
+        <p:txBody>
+          <a:bodyPr spcFirstLastPara="1" wrap="square" lIns="91425" tIns="91425" rIns="91425" bIns="91425" anchor="ctr" anchorCtr="0">
+            <a:noAutofit/>
+          </a:bodyPr>
+          <a:lstStyle/>
+          <a:p>
+            <a:pPr marL="0" lvl="0" indent="0" algn="ctr" rtl="0">
+              <a:spcBef>
+                <a:spcPts val="0"/>
+              </a:spcBef>
+              <a:spcAft>
+                <a:spcPts val="0"/>
+              </a:spcAft>
+              <a:buNone/>
+            </a:pPr>
+            <a:r>
+              <a:rPr lang="en" sz="1200" b="1" dirty="0">
+                <a:solidFill>
+                  <a:schemeClr val="dk1"/>
+                </a:solidFill>
+                <a:latin typeface="Lato"/>
+                <a:ea typeface="Lato"/>
+                <a:cs typeface="Lato"/>
+                <a:sym typeface="Lato"/>
+              </a:rPr>
+              <a:t>Summer Family Blockbusters</a:t>
+            </a:r>
+            <a:endParaRPr sz="1200" dirty="0">
+              <a:solidFill>
+                <a:schemeClr val="dk1"/>
+              </a:solidFill>
+              <a:latin typeface="Lato"/>
+              <a:ea typeface="Lato"/>
+              <a:cs typeface="Lato"/>
+              <a:sym typeface="Lato"/>
+            </a:endParaRPr>
+          </a:p>
+        </p:txBody>
+      </p:sp>
+      <p:sp>
+        <p:nvSpPr>
+          <p:cNvPr id="3" name="Google Shape;170;p16">
+            <a:extLst>
+              <a:ext uri="{FF2B5EF4-FFF2-40B4-BE49-F238E27FC236}">
+                <a16:creationId xmlns:a16="http://schemas.microsoft.com/office/drawing/2014/main" id="{C8857454-30B3-3DFD-F785-7036AEC2EF51}"/>
+              </a:ext>
+            </a:extLst>
+          </p:cNvPr>
+          <p:cNvSpPr/>
+          <p:nvPr/>
+        </p:nvSpPr>
+        <p:spPr>
+          <a:xfrm>
+            <a:off x="4772892" y="3196979"/>
+            <a:ext cx="3378307" cy="1665966"/>
+          </a:xfrm>
+          <a:prstGeom prst="rect">
+            <a:avLst/>
+          </a:prstGeom>
+          <a:solidFill>
+            <a:srgbClr val="8F6600">
+              <a:alpha val="77220"/>
+            </a:srgbClr>
+          </a:solidFill>
+          <a:ln w="9525" cap="flat" cmpd="sng">
+            <a:solidFill>
+              <a:srgbClr val="8F6600"/>
+            </a:solidFill>
+            <a:prstDash val="solid"/>
+            <a:round/>
+            <a:headEnd type="none" w="sm" len="sm"/>
+            <a:tailEnd type="none" w="sm" len="sm"/>
+          </a:ln>
+        </p:spPr>
+        <p:txBody>
+          <a:bodyPr spcFirstLastPara="1" wrap="square" lIns="91425" tIns="91425" rIns="91425" bIns="91425" anchor="ctr" anchorCtr="0">
+            <a:noAutofit/>
+          </a:bodyPr>
+          <a:lstStyle/>
+          <a:p>
+            <a:pPr marL="0" lvl="0" indent="0" algn="ctr" rtl="0">
+              <a:spcBef>
+                <a:spcPts val="0"/>
+              </a:spcBef>
+              <a:spcAft>
+                <a:spcPts val="0"/>
+              </a:spcAft>
+              <a:buNone/>
+            </a:pPr>
+            <a:r>
+              <a:rPr lang="en" sz="1200" b="1" dirty="0">
+                <a:solidFill>
+                  <a:schemeClr val="dk1"/>
+                </a:solidFill>
+                <a:latin typeface="Lato"/>
+                <a:ea typeface="Lato"/>
+                <a:cs typeface="Lato"/>
+                <a:sym typeface="Lato"/>
+              </a:rPr>
+              <a:t>Winter Awards Attempts</a:t>
+            </a:r>
+            <a:endParaRPr sz="1200" dirty="0">
+              <a:solidFill>
+                <a:schemeClr val="dk1"/>
+              </a:solidFill>
+              <a:latin typeface="Lato"/>
+              <a:ea typeface="Lato"/>
+              <a:cs typeface="Lato"/>
+              <a:sym typeface="Lato"/>
+            </a:endParaRPr>
+          </a:p>
+        </p:txBody>
+      </p:sp>
+    </p:spTree>
+    <p:extLst>
+      <p:ext uri="{BB962C8B-B14F-4D97-AF65-F5344CB8AC3E}">
+        <p14:creationId xmlns:p14="http://schemas.microsoft.com/office/powerpoint/2010/main" val="3657027345"/>
+      </p:ext>
+    </p:extLst>
+  </p:cSld>
+  <p:clrMapOvr>
+    <a:masterClrMapping/>
+  </p:clrMapOvr>
+  <p:timing>
+    <p:tnLst>
+      <p:par>
+        <p:cTn id="1" dur="indefinite" restart="never" nodeType="tmRoot">
+          <p:childTnLst>
+            <p:seq concurrent="1" nextAc="seek">
+              <p:cTn id="2" dur="indefinite" nodeType="mainSeq">
+                <p:childTnLst>
+                  <p:par>
+                    <p:cTn id="3" fill="hold">
+                      <p:stCondLst>
+                        <p:cond delay="indefinite"/>
+                      </p:stCondLst>
+                      <p:childTnLst>
+                        <p:par>
+                          <p:cTn id="4" fill="hold">
+                            <p:stCondLst>
+                              <p:cond delay="0"/>
+                            </p:stCondLst>
+                            <p:childTnLst>
+                              <p:par>
+                                <p:cTn id="5" presetID="10" presetClass="entr" presetSubtype="0" fill="hold" nodeType="clickEffect">
+                                  <p:stCondLst>
+                                    <p:cond delay="0"/>
+                                  </p:stCondLst>
+                                  <p:childTnLst>
+                                    <p:set>
+                                      <p:cBhvr>
+                                        <p:cTn id="6" dur="1" fill="hold">
+                                          <p:stCondLst>
+                                            <p:cond delay="0"/>
+                                          </p:stCondLst>
+                                        </p:cTn>
+                                        <p:tgtEl>
+                                          <p:spTgt spid="11"/>
+                                        </p:tgtEl>
+                                        <p:attrNameLst>
+                                          <p:attrName>style.visibility</p:attrName>
+                                        </p:attrNameLst>
+                                      </p:cBhvr>
+                                      <p:to>
+                                        <p:strVal val="visible"/>
+                                      </p:to>
+                                    </p:set>
+                                    <p:animEffect transition="in" filter="fade">
+                                      <p:cBhvr>
+                                        <p:cTn id="7" dur="300"/>
+                                        <p:tgtEl>
+                                          <p:spTgt spid="11"/>
+                                        </p:tgtEl>
+                                      </p:cBhvr>
+                                    </p:animEffect>
+                                  </p:childTnLst>
+                                </p:cTn>
+                              </p:par>
+                            </p:childTnLst>
+                          </p:cTn>
+                        </p:par>
+                      </p:childTnLst>
+                    </p:cTn>
+                  </p:par>
+                  <p:par>
+                    <p:cTn id="8" fill="hold">
+                      <p:stCondLst>
+                        <p:cond delay="indefinite"/>
+                      </p:stCondLst>
+                      <p:childTnLst>
+                        <p:par>
+                          <p:cTn id="9" fill="hold">
+                            <p:stCondLst>
+                              <p:cond delay="0"/>
+                            </p:stCondLst>
+                            <p:childTnLst>
+                              <p:par>
+                                <p:cTn id="10" presetID="10" presetClass="entr" presetSubtype="0" fill="hold" nodeType="clickEffect">
+                                  <p:stCondLst>
+                                    <p:cond delay="0"/>
+                                  </p:stCondLst>
+                                  <p:childTnLst>
+                                    <p:set>
+                                      <p:cBhvr>
+                                        <p:cTn id="11" dur="1" fill="hold">
+                                          <p:stCondLst>
+                                            <p:cond delay="0"/>
+                                          </p:stCondLst>
+                                        </p:cTn>
+                                        <p:tgtEl>
+                                          <p:spTgt spid="10"/>
+                                        </p:tgtEl>
+                                        <p:attrNameLst>
+                                          <p:attrName>style.visibility</p:attrName>
+                                        </p:attrNameLst>
+                                      </p:cBhvr>
+                                      <p:to>
+                                        <p:strVal val="visible"/>
+                                      </p:to>
+                                    </p:set>
+                                    <p:animEffect transition="in" filter="fade">
+                                      <p:cBhvr>
+                                        <p:cTn id="12" dur="300"/>
+                                        <p:tgtEl>
+                                          <p:spTgt spid="10"/>
+                                        </p:tgtEl>
+                                      </p:cBhvr>
+                                    </p:animEffect>
+                                  </p:childTnLst>
+                                </p:cTn>
+                              </p:par>
+                            </p:childTnLst>
+                          </p:cTn>
+                        </p:par>
+                      </p:childTnLst>
+                    </p:cTn>
+                  </p:par>
+                  <p:par>
+                    <p:cTn id="13" fill="hold">
+                      <p:stCondLst>
+                        <p:cond delay="indefinite"/>
+                      </p:stCondLst>
+                      <p:childTnLst>
+                        <p:par>
+                          <p:cTn id="14" fill="hold">
+                            <p:stCondLst>
+                              <p:cond delay="0"/>
+                            </p:stCondLst>
+                            <p:childTnLst>
+                              <p:par>
+                                <p:cTn id="15" presetID="10" presetClass="entr" presetSubtype="0" fill="hold" nodeType="clickEffect">
+                                  <p:stCondLst>
+                                    <p:cond delay="0"/>
+                                  </p:stCondLst>
+                                  <p:childTnLst>
+                                    <p:set>
+                                      <p:cBhvr>
+                                        <p:cTn id="16" dur="1" fill="hold">
+                                          <p:stCondLst>
+                                            <p:cond delay="0"/>
+                                          </p:stCondLst>
+                                        </p:cTn>
+                                        <p:tgtEl>
+                                          <p:spTgt spid="12"/>
+                                        </p:tgtEl>
+                                        <p:attrNameLst>
+                                          <p:attrName>style.visibility</p:attrName>
+                                        </p:attrNameLst>
+                                      </p:cBhvr>
+                                      <p:to>
+                                        <p:strVal val="visible"/>
+                                      </p:to>
+                                    </p:set>
+                                    <p:animEffect transition="in" filter="fade">
+                                      <p:cBhvr>
+                                        <p:cTn id="17" dur="300"/>
+                                        <p:tgtEl>
+                                          <p:spTgt spid="12"/>
+                                        </p:tgtEl>
+                                      </p:cBhvr>
+                                    </p:animEffect>
+                                  </p:childTnLst>
+                                </p:cTn>
+                              </p:par>
+                            </p:childTnLst>
+                          </p:cTn>
+                        </p:par>
+                      </p:childTnLst>
+                    </p:cTn>
+                  </p:par>
+                  <p:par>
+                    <p:cTn id="18" fill="hold">
+                      <p:stCondLst>
+                        <p:cond delay="indefinite"/>
+                      </p:stCondLst>
+                      <p:childTnLst>
+                        <p:par>
+                          <p:cTn id="19" fill="hold">
+                            <p:stCondLst>
+                              <p:cond delay="0"/>
+                            </p:stCondLst>
+                            <p:childTnLst>
+                              <p:par>
+                                <p:cTn id="20" presetID="10" presetClass="entr" presetSubtype="0" fill="hold" grpId="0" nodeType="clickEffect">
+                                  <p:stCondLst>
+                                    <p:cond delay="0"/>
+                                  </p:stCondLst>
+                                  <p:childTnLst>
+                                    <p:set>
+                                      <p:cBhvr>
+                                        <p:cTn id="21" dur="1" fill="hold">
+                                          <p:stCondLst>
+                                            <p:cond delay="0"/>
+                                          </p:stCondLst>
+                                        </p:cTn>
+                                        <p:tgtEl>
+                                          <p:spTgt spid="2"/>
+                                        </p:tgtEl>
+                                        <p:attrNameLst>
+                                          <p:attrName>style.visibility</p:attrName>
+                                        </p:attrNameLst>
+                                      </p:cBhvr>
+                                      <p:to>
+                                        <p:strVal val="visible"/>
+                                      </p:to>
+                                    </p:set>
+                                    <p:animEffect transition="in" filter="fade">
+                                      <p:cBhvr>
+                                        <p:cTn id="22" dur="500"/>
+                                        <p:tgtEl>
+                                          <p:spTgt spid="2"/>
+                                        </p:tgtEl>
+                                      </p:cBhvr>
+                                    </p:animEffect>
+                                  </p:childTnLst>
+                                </p:cTn>
+                              </p:par>
+                              <p:par>
+                                <p:cTn id="23" presetID="10" presetClass="entr" presetSubtype="0" fill="hold" grpId="0" nodeType="withEffect">
+                                  <p:stCondLst>
+                                    <p:cond delay="0"/>
+                                  </p:stCondLst>
+                                  <p:childTnLst>
+                                    <p:set>
+                                      <p:cBhvr>
+                                        <p:cTn id="24" dur="1" fill="hold">
+                                          <p:stCondLst>
+                                            <p:cond delay="0"/>
+                                          </p:stCondLst>
+                                        </p:cTn>
+                                        <p:tgtEl>
+                                          <p:spTgt spid="3"/>
+                                        </p:tgtEl>
+                                        <p:attrNameLst>
+                                          <p:attrName>style.visibility</p:attrName>
+                                        </p:attrNameLst>
+                                      </p:cBhvr>
+                                      <p:to>
+                                        <p:strVal val="visible"/>
+                                      </p:to>
+                                    </p:set>
+                                    <p:animEffect transition="in" filter="fade">
+                                      <p:cBhvr>
+                                        <p:cTn id="25" dur="500"/>
+                                        <p:tgtEl>
+                                          <p:spTgt spid="3"/>
+                                        </p:tgtEl>
+                                      </p:cBhvr>
+                                    </p:animEffect>
+                                  </p:childTnLst>
+                                </p:cTn>
+                              </p:par>
+                            </p:childTnLst>
+                          </p:cTn>
+                        </p:par>
+                      </p:childTnLst>
+                    </p:cTn>
+                  </p:par>
+                </p:childTnLst>
+              </p:cTn>
+              <p:prevCondLst>
+                <p:cond evt="onPrev" delay="0">
+                  <p:tgtEl>
+                    <p:sldTgt/>
+                  </p:tgtEl>
+                </p:cond>
+              </p:prevCondLst>
+              <p:nextCondLst>
+                <p:cond evt="onNext" delay="0">
+                  <p:tgtEl>
+                    <p:sldTgt/>
+                  </p:tgtEl>
+                </p:cond>
+              </p:nextCondLst>
+            </p:seq>
+          </p:childTnLst>
+        </p:cTn>
+      </p:par>
+    </p:tnLst>
+    <p:bldLst>
+      <p:bldP spid="2" grpId="0" animBg="1"/>
+      <p:bldP spid="3" grpId="0" animBg="1"/>
+    </p:bldLst>
+  </p:timing>
 </p:sld>
 </file>
 
@@ -12053,10 +15867,10 @@
               <a:buNone/>
             </a:pPr>
             <a:r>
-              <a:rPr lang="en"/>
+              <a:rPr lang="en" dirty="0"/>
               <a:t>Is ‘Oscar Bait’ real?</a:t>
             </a:r>
-            <a:endParaRPr/>
+            <a:endParaRPr dirty="0"/>
           </a:p>
         </p:txBody>
       </p:sp>
@@ -12102,7 +15916,7 @@
               <a:buNone/>
             </a:pPr>
             <a:r>
-              <a:rPr lang="en" sz="4800">
+              <a:rPr lang="en" sz="4800" dirty="0">
                 <a:solidFill>
                   <a:schemeClr val="dk1"/>
                 </a:solidFill>
@@ -12113,7 +15927,7 @@
               </a:rPr>
               <a:t>Team members:</a:t>
             </a:r>
-            <a:endParaRPr sz="4800">
+            <a:endParaRPr sz="4800" dirty="0">
               <a:solidFill>
                 <a:schemeClr val="dk1"/>
               </a:solidFill>
@@ -12134,7 +15948,7 @@
               <a:buNone/>
             </a:pPr>
             <a:r>
-              <a:rPr lang="en" sz="4800">
+              <a:rPr lang="en" sz="4800" dirty="0">
                 <a:solidFill>
                   <a:schemeClr val="dk1"/>
                 </a:solidFill>
@@ -12145,7 +15959,7 @@
               </a:rPr>
               <a:t>Athul Madhusudhanan</a:t>
             </a:r>
-            <a:endParaRPr sz="4800">
+            <a:endParaRPr sz="4800" dirty="0">
               <a:solidFill>
                 <a:schemeClr val="dk1"/>
               </a:solidFill>
@@ -12166,7 +15980,7 @@
               <a:buNone/>
             </a:pPr>
             <a:r>
-              <a:rPr lang="en" sz="4800">
+              <a:rPr lang="en" sz="4800" dirty="0">
                 <a:solidFill>
                   <a:schemeClr val="dk1"/>
                 </a:solidFill>
@@ -12177,7 +15991,7 @@
               </a:rPr>
               <a:t>Daniel Daniel</a:t>
             </a:r>
-            <a:endParaRPr sz="4800">
+            <a:endParaRPr sz="4800" dirty="0">
               <a:solidFill>
                 <a:schemeClr val="dk1"/>
               </a:solidFill>
@@ -12198,7 +16012,7 @@
               <a:buNone/>
             </a:pPr>
             <a:r>
-              <a:rPr lang="en" sz="4800">
+              <a:rPr lang="en" sz="4800" dirty="0">
                 <a:solidFill>
                   <a:schemeClr val="dk1"/>
                 </a:solidFill>
@@ -12209,7 +16023,7 @@
               </a:rPr>
               <a:t>Essa Bostan</a:t>
             </a:r>
-            <a:endParaRPr sz="4800">
+            <a:endParaRPr sz="4800" dirty="0">
               <a:solidFill>
                 <a:schemeClr val="dk1"/>
               </a:solidFill>
@@ -12230,7 +16044,7 @@
               <a:buNone/>
             </a:pPr>
             <a:r>
-              <a:rPr lang="en" sz="4800">
+              <a:rPr lang="en" sz="4800" dirty="0">
                 <a:solidFill>
                   <a:schemeClr val="dk1"/>
                 </a:solidFill>
@@ -12241,7 +16055,7 @@
               </a:rPr>
               <a:t>Mujahid Iqbal</a:t>
             </a:r>
-            <a:endParaRPr sz="4800">
+            <a:endParaRPr sz="4800" dirty="0">
               <a:solidFill>
                 <a:schemeClr val="dk1"/>
               </a:solidFill>
@@ -12262,7 +16076,7 @@
               <a:buNone/>
             </a:pPr>
             <a:r>
-              <a:rPr lang="en" sz="4800">
+              <a:rPr lang="en" sz="4800" dirty="0">
                 <a:solidFill>
                   <a:schemeClr val="dk1"/>
                 </a:solidFill>
@@ -12273,7 +16087,7 @@
               </a:rPr>
               <a:t>James Hanson</a:t>
             </a:r>
-            <a:endParaRPr sz="4800">
+            <a:endParaRPr sz="4800" dirty="0">
               <a:solidFill>
                 <a:schemeClr val="dk1"/>
               </a:solidFill>
@@ -12293,7 +16107,7 @@
               </a:spcAft>
               <a:buNone/>
             </a:pPr>
-            <a:endParaRPr>
+            <a:endParaRPr dirty="0">
               <a:latin typeface="Montserrat"/>
               <a:ea typeface="Montserrat"/>
               <a:cs typeface="Montserrat"/>
@@ -12468,7 +16282,7 @@
                 <a:buNone/>
               </a:pPr>
               <a:r>
-                <a:rPr lang="en">
+                <a:rPr lang="en" dirty="0">
                   <a:solidFill>
                     <a:schemeClr val="dk1"/>
                   </a:solidFill>
@@ -12480,7 +16294,7 @@
                 <a:t>Films engineered to </a:t>
               </a:r>
               <a:r>
-                <a:rPr lang="en" b="1">
+                <a:rPr lang="en" b="1" dirty="0">
                   <a:solidFill>
                     <a:schemeClr val="dk1"/>
                   </a:solidFill>
@@ -12491,7 +16305,7 @@
                 </a:rPr>
                 <a:t>attract an Oscar nomination</a:t>
               </a:r>
-              <a:endParaRPr b="1">
+              <a:endParaRPr b="1" dirty="0">
                 <a:solidFill>
                   <a:schemeClr val="dk1"/>
                 </a:solidFill>
@@ -13251,31 +17065,7 @@
                 <a:cs typeface="Lato"/>
                 <a:sym typeface="Lato"/>
               </a:rPr>
-              <a:t>The </a:t>
-            </a:r>
-            <a:r>
-              <a:rPr lang="en-US" sz="1200" dirty="0" err="1">
-                <a:solidFill>
-                  <a:schemeClr val="dk1"/>
-                </a:solidFill>
-                <a:latin typeface="Lato"/>
-                <a:ea typeface="Lato"/>
-                <a:cs typeface="Lato"/>
-                <a:sym typeface="Lato"/>
-              </a:rPr>
-              <a:t>organisation</a:t>
-            </a:r>
-            <a:r>
-              <a:rPr lang="en-US" sz="1200" dirty="0">
-                <a:solidFill>
-                  <a:schemeClr val="dk1"/>
-                </a:solidFill>
-                <a:latin typeface="Lato"/>
-                <a:ea typeface="Lato"/>
-                <a:cs typeface="Lato"/>
-                <a:sym typeface="Lato"/>
-              </a:rPr>
-              <a:t> that </a:t>
+              <a:t>The organisation that </a:t>
             </a:r>
             <a:r>
               <a:rPr lang="en-US" sz="1200" b="1" dirty="0">
@@ -13690,7 +17480,7 @@
               <a:buNone/>
             </a:pPr>
             <a:r>
-              <a:rPr lang="en" sz="1200" b="1">
+              <a:rPr lang="en" sz="1200" b="1" dirty="0">
                 <a:solidFill>
                   <a:schemeClr val="dk1"/>
                 </a:solidFill>
@@ -13701,7 +17491,7 @@
               </a:rPr>
               <a:t>Question:</a:t>
             </a:r>
-            <a:endParaRPr sz="1200">
+            <a:endParaRPr sz="1200" dirty="0">
               <a:solidFill>
                 <a:schemeClr val="dk1"/>
               </a:solidFill>
@@ -13718,14 +17508,14 @@
               <a:buNone/>
             </a:pPr>
             <a:r>
-              <a:rPr lang="en" sz="1200">
+              <a:rPr lang="en" sz="1200" dirty="0">
                 <a:solidFill>
                   <a:schemeClr val="dk1"/>
                 </a:solidFill>
               </a:rPr>
               <a:t>Do movie review scores accurately reflect how a movie will perform at the Academy Awards?</a:t>
             </a:r>
-            <a:endParaRPr sz="1200">
+            <a:endParaRPr sz="1200" dirty="0">
               <a:solidFill>
                 <a:schemeClr val="dk1"/>
               </a:solidFill>
@@ -13741,7 +17531,7 @@
               </a:spcAft>
               <a:buNone/>
             </a:pPr>
-            <a:endParaRPr sz="1200">
+            <a:endParaRPr sz="1200" dirty="0">
               <a:solidFill>
                 <a:schemeClr val="dk1"/>
               </a:solidFill>
@@ -13758,7 +17548,7 @@
               <a:buNone/>
             </a:pPr>
             <a:r>
-              <a:rPr lang="en" sz="1200" b="1">
+              <a:rPr lang="en" sz="1200" b="1" dirty="0">
                 <a:solidFill>
                   <a:schemeClr val="dk1"/>
                 </a:solidFill>
@@ -13769,7 +17559,7 @@
               </a:rPr>
               <a:t>Hypothesis:</a:t>
             </a:r>
-            <a:endParaRPr sz="1200" b="1">
+            <a:endParaRPr sz="1200" b="1" dirty="0">
               <a:solidFill>
                 <a:schemeClr val="dk1"/>
               </a:solidFill>
@@ -13790,7 +17580,7 @@
               <a:buNone/>
             </a:pPr>
             <a:r>
-              <a:rPr lang="en" sz="1200">
+              <a:rPr lang="en" sz="1200" dirty="0">
                 <a:solidFill>
                   <a:schemeClr val="dk1"/>
                 </a:solidFill>
@@ -13801,7 +17591,7 @@
               </a:rPr>
               <a:t>If a movie receives high review scores, it is more likely to be nominated</a:t>
             </a:r>
-            <a:endParaRPr sz="1200">
+            <a:endParaRPr sz="1200" dirty="0">
               <a:solidFill>
                 <a:schemeClr val="dk1"/>
               </a:solidFill>
@@ -13854,7 +17644,7 @@
               <a:buNone/>
             </a:pPr>
             <a:r>
-              <a:rPr lang="en" sz="1200" b="1">
+              <a:rPr lang="en" sz="1200" b="1" dirty="0">
                 <a:solidFill>
                   <a:schemeClr val="dk1"/>
                 </a:solidFill>
@@ -13865,7 +17655,7 @@
               </a:rPr>
               <a:t>Question:</a:t>
             </a:r>
-            <a:endParaRPr sz="1200" b="1">
+            <a:endParaRPr sz="1200" b="1" dirty="0">
               <a:solidFill>
                 <a:schemeClr val="dk1"/>
               </a:solidFill>
@@ -13886,7 +17676,7 @@
               <a:buNone/>
             </a:pPr>
             <a:r>
-              <a:rPr lang="en" sz="1200">
+              <a:rPr lang="en" sz="1200" dirty="0">
                 <a:solidFill>
                   <a:schemeClr val="dk1"/>
                 </a:solidFill>
@@ -13897,7 +17687,7 @@
               </a:rPr>
               <a:t>Are movies released within two months of the Academy Awards Nominations window more likely to be nominated for an award?</a:t>
             </a:r>
-            <a:endParaRPr sz="1200">
+            <a:endParaRPr sz="1200" dirty="0">
               <a:solidFill>
                 <a:schemeClr val="dk1"/>
               </a:solidFill>
@@ -13917,7 +17707,7 @@
               </a:spcAft>
               <a:buNone/>
             </a:pPr>
-            <a:endParaRPr sz="1200">
+            <a:endParaRPr sz="1200" dirty="0">
               <a:solidFill>
                 <a:schemeClr val="dk1"/>
               </a:solidFill>
@@ -13938,7 +17728,7 @@
               <a:buNone/>
             </a:pPr>
             <a:r>
-              <a:rPr lang="en" sz="1200" b="1">
+              <a:rPr lang="en" sz="1200" b="1" dirty="0">
                 <a:solidFill>
                   <a:schemeClr val="dk1"/>
                 </a:solidFill>
@@ -13949,7 +17739,7 @@
               </a:rPr>
               <a:t>Hypothesis:</a:t>
             </a:r>
-            <a:endParaRPr sz="1200" b="1">
+            <a:endParaRPr sz="1200" b="1" dirty="0">
               <a:solidFill>
                 <a:schemeClr val="dk1"/>
               </a:solidFill>
@@ -13970,7 +17760,7 @@
               <a:buNone/>
             </a:pPr>
             <a:r>
-              <a:rPr lang="en" sz="1200">
+              <a:rPr lang="en" sz="1200" dirty="0">
                 <a:solidFill>
                   <a:schemeClr val="dk1"/>
                 </a:solidFill>
@@ -13981,7 +17771,7 @@
               </a:rPr>
               <a:t>If a movie is released within two months of the nominations closing, it is more likely to be nominated</a:t>
             </a:r>
-            <a:endParaRPr sz="1200">
+            <a:endParaRPr sz="1200" dirty="0">
               <a:solidFill>
                 <a:schemeClr val="dk1"/>
               </a:solidFill>
@@ -14038,7 +17828,7 @@
               <a:buNone/>
             </a:pPr>
             <a:r>
-              <a:rPr lang="en" sz="1200" b="1">
+              <a:rPr lang="en" sz="1200" b="1" dirty="0">
                 <a:solidFill>
                   <a:schemeClr val="dk1"/>
                 </a:solidFill>
@@ -14049,7 +17839,7 @@
               </a:rPr>
               <a:t>Question:</a:t>
             </a:r>
-            <a:endParaRPr sz="1200">
+            <a:endParaRPr sz="1200" dirty="0">
               <a:solidFill>
                 <a:schemeClr val="dk1"/>
               </a:solidFill>
@@ -14070,7 +17860,7 @@
               <a:buNone/>
             </a:pPr>
             <a:r>
-              <a:rPr lang="en" sz="1200">
+              <a:rPr lang="en" sz="1200" dirty="0">
                 <a:solidFill>
                   <a:schemeClr val="dk1"/>
                 </a:solidFill>
@@ -14081,7 +17871,7 @@
               </a:rPr>
               <a:t>Do movies released within two months of the Academy Awards Nominations window receive higher review scores than movies released outside of that window?</a:t>
             </a:r>
-            <a:endParaRPr sz="1200">
+            <a:endParaRPr sz="1200" dirty="0">
               <a:solidFill>
                 <a:schemeClr val="dk1"/>
               </a:solidFill>
@@ -14101,7 +17891,7 @@
               </a:spcAft>
               <a:buNone/>
             </a:pPr>
-            <a:endParaRPr sz="1200">
+            <a:endParaRPr sz="1200" dirty="0">
               <a:solidFill>
                 <a:schemeClr val="dk1"/>
               </a:solidFill>
@@ -14122,7 +17912,7 @@
               <a:buNone/>
             </a:pPr>
             <a:r>
-              <a:rPr lang="en" sz="1200" b="1">
+              <a:rPr lang="en" sz="1200" b="1" dirty="0">
                 <a:solidFill>
                   <a:schemeClr val="dk1"/>
                 </a:solidFill>
@@ -14133,7 +17923,7 @@
               </a:rPr>
               <a:t>Hypothesis:</a:t>
             </a:r>
-            <a:endParaRPr sz="1200">
+            <a:endParaRPr sz="1200" dirty="0">
               <a:solidFill>
                 <a:schemeClr val="dk1"/>
               </a:solidFill>
@@ -14154,7 +17944,7 @@
               <a:buNone/>
             </a:pPr>
             <a:r>
-              <a:rPr lang="en" sz="1200">
+              <a:rPr lang="en" sz="1200" dirty="0">
                 <a:solidFill>
                   <a:schemeClr val="dk1"/>
                 </a:solidFill>
@@ -14165,7 +17955,7 @@
               </a:rPr>
               <a:t>The later in the year a movie is released, the higher average review scores it will receive.</a:t>
             </a:r>
-            <a:endParaRPr sz="1200">
+            <a:endParaRPr sz="1200" dirty="0">
               <a:solidFill>
                 <a:schemeClr val="dk1"/>
               </a:solidFill>
@@ -14911,7 +18701,7 @@
   <p:cSld>
     <p:spTree>
       <p:nvGrpSpPr>
-        <p:cNvPr id="1" name="Shape 207"/>
+        <p:cNvPr id="1" name="Shape 128"/>
         <p:cNvGrpSpPr/>
         <p:nvPr/>
       </p:nvGrpSpPr>
@@ -14925,7 +18715,258 @@
       </p:grpSpPr>
       <p:sp>
         <p:nvSpPr>
-          <p:cNvPr id="208" name="Google Shape;208;p21"/>
+          <p:cNvPr id="129" name="Google Shape;129;p13"/>
+          <p:cNvSpPr/>
+          <p:nvPr/>
+        </p:nvSpPr>
+        <p:spPr>
+          <a:xfrm>
+            <a:off x="1266450" y="513625"/>
+            <a:ext cx="6611100" cy="3808200"/>
+          </a:xfrm>
+          <a:prstGeom prst="rect">
+            <a:avLst/>
+          </a:prstGeom>
+          <a:solidFill>
+            <a:srgbClr val="EFEFEF"/>
+          </a:solidFill>
+          <a:ln w="9525" cap="flat" cmpd="sng">
+            <a:solidFill>
+              <a:schemeClr val="dk2"/>
+            </a:solidFill>
+            <a:prstDash val="solid"/>
+            <a:round/>
+            <a:headEnd type="none" w="sm" len="sm"/>
+            <a:tailEnd type="none" w="sm" len="sm"/>
+          </a:ln>
+        </p:spPr>
+        <p:txBody>
+          <a:bodyPr spcFirstLastPara="1" wrap="square" lIns="91425" tIns="91425" rIns="91425" bIns="91425" anchor="ctr" anchorCtr="0">
+            <a:noAutofit/>
+          </a:bodyPr>
+          <a:lstStyle/>
+          <a:p>
+            <a:pPr marL="0" lvl="0" indent="0" algn="ctr" rtl="0">
+              <a:spcBef>
+                <a:spcPts val="0"/>
+              </a:spcBef>
+              <a:spcAft>
+                <a:spcPts val="0"/>
+              </a:spcAft>
+              <a:buNone/>
+            </a:pPr>
+            <a:endParaRPr>
+              <a:latin typeface="Lato"/>
+              <a:ea typeface="Lato"/>
+              <a:cs typeface="Lato"/>
+              <a:sym typeface="Lato"/>
+            </a:endParaRPr>
+          </a:p>
+        </p:txBody>
+      </p:sp>
+      <p:pic>
+        <p:nvPicPr>
+          <p:cNvPr id="130" name="Google Shape;130;p13"/>
+          <p:cNvPicPr preferRelativeResize="0"/>
+          <p:nvPr/>
+        </p:nvPicPr>
+        <p:blipFill>
+          <a:blip r:embed="rId3">
+            <a:alphaModFix/>
+          </a:blip>
+          <a:stretch>
+            <a:fillRect/>
+          </a:stretch>
+        </p:blipFill>
+        <p:spPr>
+          <a:xfrm>
+            <a:off x="763800" y="513625"/>
+            <a:ext cx="7616399" cy="3808200"/>
+          </a:xfrm>
+          <a:prstGeom prst="rect">
+            <a:avLst/>
+          </a:prstGeom>
+          <a:noFill/>
+          <a:ln>
+            <a:noFill/>
+          </a:ln>
+        </p:spPr>
+      </p:pic>
+      <p:sp>
+        <p:nvSpPr>
+          <p:cNvPr id="131" name="Google Shape;131;p13"/>
+          <p:cNvSpPr txBox="1"/>
+          <p:nvPr/>
+        </p:nvSpPr>
+        <p:spPr>
+          <a:xfrm>
+            <a:off x="2579269" y="1447800"/>
+            <a:ext cx="3985459" cy="1226127"/>
+          </a:xfrm>
+          <a:prstGeom prst="rect">
+            <a:avLst/>
+          </a:prstGeom>
+          <a:noFill/>
+          <a:ln>
+            <a:noFill/>
+          </a:ln>
+        </p:spPr>
+        <p:txBody>
+          <a:bodyPr spcFirstLastPara="1" wrap="square" lIns="91425" tIns="91425" rIns="91425" bIns="91425" anchor="t" anchorCtr="0">
+            <a:noAutofit/>
+          </a:bodyPr>
+          <a:lstStyle/>
+          <a:p>
+            <a:pPr lvl="0" algn="ctr"/>
+            <a:r>
+              <a:rPr lang="en-US" sz="1700" b="1" dirty="0">
+                <a:solidFill>
+                  <a:schemeClr val="dk1"/>
+                </a:solidFill>
+                <a:latin typeface="Lato"/>
+                <a:ea typeface="Lato"/>
+                <a:cs typeface="Lato"/>
+                <a:sym typeface="Lato"/>
+              </a:rPr>
+              <a:t>Hypothesis 1:</a:t>
+            </a:r>
+          </a:p>
+          <a:p>
+            <a:pPr lvl="0" algn="ctr"/>
+            <a:r>
+              <a:rPr lang="en-US" sz="1700" dirty="0">
+                <a:solidFill>
+                  <a:schemeClr val="dk1"/>
+                </a:solidFill>
+                <a:latin typeface="Lato"/>
+                <a:ea typeface="Lato"/>
+                <a:cs typeface="Lato"/>
+                <a:sym typeface="Lato"/>
+              </a:rPr>
+              <a:t>If a movie is released within two months of the nominations closing, it is more likely to be nominated</a:t>
+            </a:r>
+          </a:p>
+        </p:txBody>
+      </p:sp>
+    </p:spTree>
+    <p:extLst>
+      <p:ext uri="{BB962C8B-B14F-4D97-AF65-F5344CB8AC3E}">
+        <p14:creationId xmlns:p14="http://schemas.microsoft.com/office/powerpoint/2010/main" val="4195297199"/>
+      </p:ext>
+    </p:extLst>
+  </p:cSld>
+  <p:clrMapOvr>
+    <a:masterClrMapping/>
+  </p:clrMapOvr>
+  <p:timing>
+    <p:tnLst>
+      <p:par>
+        <p:cTn id="1" dur="indefinite" restart="never" nodeType="tmRoot">
+          <p:childTnLst>
+            <p:seq concurrent="1" nextAc="seek">
+              <p:cTn id="2" dur="indefinite" nodeType="mainSeq">
+                <p:childTnLst>
+                  <p:par>
+                    <p:cTn id="3" fill="hold">
+                      <p:stCondLst>
+                        <p:cond delay="indefinite"/>
+                        <p:cond evt="onBegin" delay="0">
+                          <p:tn val="2"/>
+                        </p:cond>
+                      </p:stCondLst>
+                      <p:childTnLst>
+                        <p:par>
+                          <p:cTn id="4" fill="hold">
+                            <p:stCondLst>
+                              <p:cond delay="0"/>
+                            </p:stCondLst>
+                            <p:childTnLst>
+                              <p:par>
+                                <p:cTn id="5" presetID="10" presetClass="entr" presetSubtype="0" fill="hold" nodeType="withEffect">
+                                  <p:stCondLst>
+                                    <p:cond delay="0"/>
+                                  </p:stCondLst>
+                                  <p:childTnLst>
+                                    <p:set>
+                                      <p:cBhvr>
+                                        <p:cTn id="6" dur="1" fill="hold">
+                                          <p:stCondLst>
+                                            <p:cond delay="0"/>
+                                          </p:stCondLst>
+                                        </p:cTn>
+                                        <p:tgtEl>
+                                          <p:spTgt spid="131"/>
+                                        </p:tgtEl>
+                                        <p:attrNameLst>
+                                          <p:attrName>style.visibility</p:attrName>
+                                        </p:attrNameLst>
+                                      </p:cBhvr>
+                                      <p:to>
+                                        <p:strVal val="visible"/>
+                                      </p:to>
+                                    </p:set>
+                                    <p:animEffect transition="in" filter="fade">
+                                      <p:cBhvr>
+                                        <p:cTn id="7" dur="1500"/>
+                                        <p:tgtEl>
+                                          <p:spTgt spid="131"/>
+                                        </p:tgtEl>
+                                      </p:cBhvr>
+                                    </p:animEffect>
+                                  </p:childTnLst>
+                                </p:cTn>
+                              </p:par>
+                            </p:childTnLst>
+                          </p:cTn>
+                        </p:par>
+                      </p:childTnLst>
+                    </p:cTn>
+                  </p:par>
+                </p:childTnLst>
+              </p:cTn>
+              <p:prevCondLst>
+                <p:cond evt="onPrev" delay="0">
+                  <p:tgtEl>
+                    <p:sldTgt/>
+                  </p:tgtEl>
+                </p:cond>
+              </p:prevCondLst>
+              <p:nextCondLst>
+                <p:cond evt="onNext" delay="0">
+                  <p:tgtEl>
+                    <p:sldTgt/>
+                  </p:tgtEl>
+                </p:cond>
+              </p:nextCondLst>
+            </p:seq>
+          </p:childTnLst>
+        </p:cTn>
+      </p:par>
+    </p:tnLst>
+  </p:timing>
+</p:sld>
+</file>
+
+<file path=ppt/slides/slide9.xml><?xml version="1.0" encoding="utf-8"?>
+<p:sld xmlns:a="http://schemas.openxmlformats.org/drawingml/2006/main" xmlns:r="http://schemas.openxmlformats.org/officeDocument/2006/relationships" xmlns:p="http://schemas.openxmlformats.org/presentationml/2006/main">
+  <p:cSld>
+    <p:spTree>
+      <p:nvGrpSpPr>
+        <p:cNvPr id="1" name="Shape 200"/>
+        <p:cNvGrpSpPr/>
+        <p:nvPr/>
+      </p:nvGrpSpPr>
+      <p:grpSpPr>
+        <a:xfrm>
+          <a:off x="0" y="0"/>
+          <a:ext cx="0" cy="0"/>
+          <a:chOff x="0" y="0"/>
+          <a:chExt cx="0" cy="0"/>
+        </a:xfrm>
+      </p:grpSpPr>
+      <p:sp>
+        <p:nvSpPr>
+          <p:cNvPr id="201" name="Google Shape;201;p20"/>
           <p:cNvSpPr txBox="1">
             <a:spLocks noGrp="1"/>
           </p:cNvSpPr>
@@ -14935,8 +18976,8 @@
         </p:nvSpPr>
         <p:spPr>
           <a:xfrm>
-            <a:off x="1078173" y="484325"/>
-            <a:ext cx="6987654" cy="791700"/>
+            <a:off x="2611120" y="484325"/>
+            <a:ext cx="3921759" cy="791700"/>
           </a:xfrm>
           <a:prstGeom prst="rect">
             <a:avLst/>
@@ -14966,7 +19007,7 @@
             </a:pPr>
             <a:r>
               <a:rPr lang="en" dirty="0"/>
-              <a:t>Limitations and other factors</a:t>
+              <a:t>Multi-Line Plot</a:t>
             </a:r>
             <a:endParaRPr dirty="0"/>
           </a:p>
@@ -14974,14 +19015,14 @@
       </p:sp>
       <p:sp>
         <p:nvSpPr>
-          <p:cNvPr id="209" name="Google Shape;209;p21"/>
+          <p:cNvPr id="203" name="Google Shape;203;p20"/>
           <p:cNvSpPr/>
           <p:nvPr/>
         </p:nvSpPr>
         <p:spPr>
           <a:xfrm>
-            <a:off x="341895" y="1911450"/>
-            <a:ext cx="3729000" cy="660300"/>
+            <a:off x="5099051" y="1441546"/>
+            <a:ext cx="3729000" cy="3135740"/>
           </a:xfrm>
           <a:prstGeom prst="rect">
             <a:avLst/>
@@ -15007,17 +19048,18 @@
           </a:bodyPr>
           <a:lstStyle/>
           <a:p>
-            <a:pPr marL="0" lvl="0" indent="0" algn="ctr" rtl="0">
-              <a:spcBef>
-                <a:spcPts val="0"/>
-              </a:spcBef>
-              <a:spcAft>
-                <a:spcPts val="0"/>
-              </a:spcAft>
-              <a:buNone/>
+            <a:pPr marL="171450" lvl="0" indent="-171450" rtl="0">
+              <a:spcBef>
+                <a:spcPts val="0"/>
+              </a:spcBef>
+              <a:spcAft>
+                <a:spcPts val="0"/>
+              </a:spcAft>
+              <a:buFont typeface="Arial" panose="020B0604020202020204" pitchFamily="34" charset="0"/>
+              <a:buChar char="•"/>
             </a:pPr>
             <a:r>
-              <a:rPr lang="en" sz="1200" b="1" dirty="0">
+              <a:rPr lang="en-US" sz="1200" b="1" dirty="0">
                 <a:solidFill>
                   <a:schemeClr val="dk1"/>
                 </a:solidFill>
@@ -15026,66 +19068,22 @@
                 <a:cs typeface="Lato"/>
                 <a:sym typeface="Lato"/>
               </a:rPr>
-              <a:t>Bias in the Academy</a:t>
+              <a:t>More nominated movies are released during “Oscar Season”</a:t>
             </a:r>
-            <a:endParaRPr sz="1200" dirty="0">
-              <a:solidFill>
-                <a:schemeClr val="dk1"/>
-              </a:solidFill>
-              <a:latin typeface="Lato"/>
-              <a:ea typeface="Lato"/>
-              <a:cs typeface="Lato"/>
-              <a:sym typeface="Lato"/>
-            </a:endParaRPr>
           </a:p>
-        </p:txBody>
-      </p:sp>
-      <p:sp>
-        <p:nvSpPr>
-          <p:cNvPr id="210" name="Google Shape;210;p21"/>
-          <p:cNvSpPr/>
-          <p:nvPr/>
-        </p:nvSpPr>
-        <p:spPr>
-          <a:xfrm>
-            <a:off x="5073105" y="1911450"/>
-            <a:ext cx="3729000" cy="660300"/>
-          </a:xfrm>
-          <a:prstGeom prst="rect">
-            <a:avLst/>
-          </a:prstGeom>
-          <a:solidFill>
-            <a:srgbClr val="8F6600">
-              <a:alpha val="77220"/>
-            </a:srgbClr>
-          </a:solidFill>
-          <a:ln w="9525" cap="flat" cmpd="sng">
-            <a:solidFill>
-              <a:srgbClr val="8F6600"/>
-            </a:solidFill>
-            <a:prstDash val="solid"/>
-            <a:round/>
-            <a:headEnd type="none" w="sm" len="sm"/>
-            <a:tailEnd type="none" w="sm" len="sm"/>
-          </a:ln>
-        </p:spPr>
-        <p:txBody>
-          <a:bodyPr spcFirstLastPara="1" wrap="square" lIns="91425" tIns="91425" rIns="91425" bIns="91425" anchor="ctr" anchorCtr="0">
-            <a:noAutofit/>
-          </a:bodyPr>
-          <a:lstStyle/>
           <a:p>
-            <a:pPr marL="0" lvl="0" indent="0" algn="ctr" rtl="0">
-              <a:spcBef>
-                <a:spcPts val="0"/>
-              </a:spcBef>
-              <a:spcAft>
-                <a:spcPts val="0"/>
-              </a:spcAft>
-              <a:buNone/>
+            <a:pPr marL="171450" lvl="0" indent="-171450" rtl="0">
+              <a:spcBef>
+                <a:spcPts val="0"/>
+              </a:spcBef>
+              <a:spcAft>
+                <a:spcPts val="0"/>
+              </a:spcAft>
+              <a:buFont typeface="Arial" panose="020B0604020202020204" pitchFamily="34" charset="0"/>
+              <a:buChar char="•"/>
             </a:pPr>
             <a:r>
-              <a:rPr lang="en" sz="1200" b="1" dirty="0">
+              <a:rPr lang="en-US" sz="1200" b="1" dirty="0">
                 <a:solidFill>
                   <a:schemeClr val="dk1"/>
                 </a:solidFill>
@@ -15094,140 +19092,22 @@
                 <a:cs typeface="Lato"/>
                 <a:sym typeface="Lato"/>
               </a:rPr>
-              <a:t>Film Content</a:t>
+              <a:t>Strategic releases</a:t>
             </a:r>
-            <a:endParaRPr sz="1200" b="1" dirty="0">
-              <a:solidFill>
-                <a:schemeClr val="dk1"/>
-              </a:solidFill>
-              <a:latin typeface="Lato"/>
-              <a:ea typeface="Lato"/>
-              <a:cs typeface="Lato"/>
-              <a:sym typeface="Lato"/>
-            </a:endParaRPr>
           </a:p>
-        </p:txBody>
-      </p:sp>
-    </p:spTree>
-  </p:cSld>
-  <p:clrMapOvr>
-    <a:masterClrMapping/>
-  </p:clrMapOvr>
-</p:sld>
-</file>
-
-<file path=ppt/slides/slide9.xml><?xml version="1.0" encoding="utf-8"?>
-<p:sld xmlns:a="http://schemas.openxmlformats.org/drawingml/2006/main" xmlns:r="http://schemas.openxmlformats.org/officeDocument/2006/relationships" xmlns:p="http://schemas.openxmlformats.org/presentationml/2006/main">
-  <p:cSld>
-    <p:spTree>
-      <p:nvGrpSpPr>
-        <p:cNvPr id="1" name="Shape 214"/>
-        <p:cNvGrpSpPr/>
-        <p:nvPr/>
-      </p:nvGrpSpPr>
-      <p:grpSpPr>
-        <a:xfrm>
-          <a:off x="0" y="0"/>
-          <a:ext cx="0" cy="0"/>
-          <a:chOff x="0" y="0"/>
-          <a:chExt cx="0" cy="0"/>
-        </a:xfrm>
-      </p:grpSpPr>
-      <p:sp>
-        <p:nvSpPr>
-          <p:cNvPr id="215" name="Google Shape;215;p22"/>
-          <p:cNvSpPr txBox="1">
-            <a:spLocks noGrp="1"/>
-          </p:cNvSpPr>
-          <p:nvPr>
-            <p:ph type="ctrTitle"/>
-          </p:nvPr>
-        </p:nvSpPr>
-        <p:spPr>
-          <a:xfrm>
-            <a:off x="2802300" y="492475"/>
-            <a:ext cx="3539400" cy="791700"/>
-          </a:xfrm>
-          <a:prstGeom prst="rect">
-            <a:avLst/>
-          </a:prstGeom>
-          <a:effectLst>
-            <a:outerShdw blurRad="57150" dist="19050" dir="5400000" algn="bl" rotWithShape="0">
-              <a:srgbClr val="000000">
-                <a:alpha val="16000"/>
-              </a:srgbClr>
-            </a:outerShdw>
-          </a:effectLst>
-        </p:spPr>
-        <p:txBody>
-          <a:bodyPr spcFirstLastPara="1" wrap="square" lIns="91425" tIns="91425" rIns="91425" bIns="91425" anchor="t" anchorCtr="0">
-            <a:normAutofit fontScale="90000"/>
-          </a:bodyPr>
-          <a:lstStyle/>
           <a:p>
-            <a:pPr marL="0" lvl="0" indent="0" algn="ctr" rtl="0">
-              <a:spcBef>
-                <a:spcPts val="0"/>
-              </a:spcBef>
-              <a:spcAft>
-                <a:spcPts val="0"/>
-              </a:spcAft>
-              <a:buNone/>
+            <a:pPr marL="171450" lvl="0" indent="-171450" rtl="0">
+              <a:spcBef>
+                <a:spcPts val="0"/>
+              </a:spcBef>
+              <a:spcAft>
+                <a:spcPts val="0"/>
+              </a:spcAft>
+              <a:buFont typeface="Arial" panose="020B0604020202020204" pitchFamily="34" charset="0"/>
+              <a:buChar char="•"/>
             </a:pPr>
             <a:r>
-              <a:rPr lang="en"/>
-              <a:t>Header</a:t>
-            </a:r>
-            <a:endParaRPr/>
-          </a:p>
-        </p:txBody>
-      </p:sp>
-      <p:sp>
-        <p:nvSpPr>
-          <p:cNvPr id="216" name="Google Shape;216;p22"/>
-          <p:cNvSpPr/>
-          <p:nvPr/>
-        </p:nvSpPr>
-        <p:spPr>
-          <a:xfrm>
-            <a:off x="382838" y="3998875"/>
-            <a:ext cx="3729000" cy="660300"/>
-          </a:xfrm>
-          <a:prstGeom prst="rect">
-            <a:avLst/>
-          </a:prstGeom>
-          <a:solidFill>
-            <a:srgbClr val="8F6600">
-              <a:alpha val="77220"/>
-            </a:srgbClr>
-          </a:solidFill>
-          <a:ln w="9525" cap="flat" cmpd="sng">
-            <a:solidFill>
-              <a:srgbClr val="8F6600"/>
-            </a:solidFill>
-            <a:prstDash val="solid"/>
-            <a:round/>
-            <a:headEnd type="none" w="sm" len="sm"/>
-            <a:tailEnd type="none" w="sm" len="sm"/>
-          </a:ln>
-        </p:spPr>
-        <p:txBody>
-          <a:bodyPr spcFirstLastPara="1" wrap="square" lIns="91425" tIns="91425" rIns="91425" bIns="91425" anchor="ctr" anchorCtr="0">
-            <a:noAutofit/>
-          </a:bodyPr>
-          <a:lstStyle/>
-          <a:p>
-            <a:pPr marL="0" lvl="0" indent="0" algn="ctr" rtl="0">
-              <a:spcBef>
-                <a:spcPts val="0"/>
-              </a:spcBef>
-              <a:spcAft>
-                <a:spcPts val="0"/>
-              </a:spcAft>
-              <a:buNone/>
-            </a:pPr>
-            <a:r>
-              <a:rPr lang="en" sz="1200" b="1">
+              <a:rPr lang="en-US" sz="1200" b="1" dirty="0">
                 <a:solidFill>
                   <a:schemeClr val="dk1"/>
                 </a:solidFill>
@@ -15236,66 +19116,22 @@
                 <a:cs typeface="Lato"/>
                 <a:sym typeface="Lato"/>
               </a:rPr>
-              <a:t>Put image above, caption here</a:t>
+              <a:t>Fresher in the minds of voters</a:t>
             </a:r>
-            <a:endParaRPr sz="1200">
-              <a:solidFill>
-                <a:schemeClr val="dk1"/>
-              </a:solidFill>
-              <a:latin typeface="Lato"/>
-              <a:ea typeface="Lato"/>
-              <a:cs typeface="Lato"/>
-              <a:sym typeface="Lato"/>
-            </a:endParaRPr>
           </a:p>
-        </p:txBody>
-      </p:sp>
-      <p:sp>
-        <p:nvSpPr>
-          <p:cNvPr id="217" name="Google Shape;217;p22"/>
-          <p:cNvSpPr/>
-          <p:nvPr/>
-        </p:nvSpPr>
-        <p:spPr>
-          <a:xfrm>
-            <a:off x="5023988" y="3998875"/>
-            <a:ext cx="3729000" cy="660300"/>
-          </a:xfrm>
-          <a:prstGeom prst="rect">
-            <a:avLst/>
-          </a:prstGeom>
-          <a:solidFill>
-            <a:srgbClr val="8F6600">
-              <a:alpha val="77220"/>
-            </a:srgbClr>
-          </a:solidFill>
-          <a:ln w="9525" cap="flat" cmpd="sng">
-            <a:solidFill>
-              <a:srgbClr val="8F6600"/>
-            </a:solidFill>
-            <a:prstDash val="solid"/>
-            <a:round/>
-            <a:headEnd type="none" w="sm" len="sm"/>
-            <a:tailEnd type="none" w="sm" len="sm"/>
-          </a:ln>
-        </p:spPr>
-        <p:txBody>
-          <a:bodyPr spcFirstLastPara="1" wrap="square" lIns="91425" tIns="91425" rIns="91425" bIns="91425" anchor="ctr" anchorCtr="0">
-            <a:noAutofit/>
-          </a:bodyPr>
-          <a:lstStyle/>
           <a:p>
-            <a:pPr marL="0" lvl="0" indent="0" algn="ctr" rtl="0">
-              <a:spcBef>
-                <a:spcPts val="0"/>
-              </a:spcBef>
-              <a:spcAft>
-                <a:spcPts val="0"/>
-              </a:spcAft>
-              <a:buNone/>
+            <a:pPr marL="171450" lvl="0" indent="-171450" rtl="0">
+              <a:spcBef>
+                <a:spcPts val="0"/>
+              </a:spcBef>
+              <a:spcAft>
+                <a:spcPts val="0"/>
+              </a:spcAft>
+              <a:buFont typeface="Arial" panose="020B0604020202020204" pitchFamily="34" charset="0"/>
+              <a:buChar char="•"/>
             </a:pPr>
             <a:r>
-              <a:rPr lang="en" sz="1200" b="1">
+              <a:rPr lang="en-US" sz="1200" b="1" dirty="0">
                 <a:solidFill>
                   <a:schemeClr val="dk1"/>
                 </a:solidFill>
@@ -15304,20 +19140,51 @@
                 <a:cs typeface="Lato"/>
                 <a:sym typeface="Lato"/>
               </a:rPr>
-              <a:t>Put image above, caption here</a:t>
+              <a:t>Effect of streaming services?</a:t>
             </a:r>
-            <a:endParaRPr sz="1200" b="1">
-              <a:solidFill>
-                <a:schemeClr val="dk1"/>
-              </a:solidFill>
-              <a:latin typeface="Lato"/>
-              <a:ea typeface="Lato"/>
-              <a:cs typeface="Lato"/>
-              <a:sym typeface="Lato"/>
-            </a:endParaRPr>
           </a:p>
         </p:txBody>
       </p:sp>
+      <p:pic>
+        <p:nvPicPr>
+          <p:cNvPr id="2" name="Content Placeholder 4" descr="A graph with blue lines and orange lines">
+            <a:extLst>
+              <a:ext uri="{FF2B5EF4-FFF2-40B4-BE49-F238E27FC236}">
+                <a16:creationId xmlns:a16="http://schemas.microsoft.com/office/drawing/2014/main" id="{464CB026-1436-9B39-7556-FE5550F52DF7}"/>
+              </a:ext>
+            </a:extLst>
+          </p:cNvPr>
+          <p:cNvPicPr>
+            <a:picLocks noChangeAspect="1"/>
+          </p:cNvPicPr>
+          <p:nvPr/>
+        </p:nvPicPr>
+        <p:blipFill>
+          <a:blip r:embed="rId3">
+            <a:extLst>
+              <a:ext uri="{28A0092B-C50C-407E-A947-70E740481C1C}">
+                <a14:useLocalDpi xmlns:a14="http://schemas.microsoft.com/office/drawing/2010/main" val="0"/>
+              </a:ext>
+            </a:extLst>
+          </a:blip>
+          <a:stretch>
+            <a:fillRect/>
+          </a:stretch>
+        </p:blipFill>
+        <p:spPr>
+          <a:xfrm>
+            <a:off x="315949" y="1441546"/>
+            <a:ext cx="4180988" cy="3135741"/>
+          </a:xfrm>
+          <a:prstGeom prst="rect">
+            <a:avLst/>
+          </a:prstGeom>
+          <a:noFill/>
+          <a:ln>
+            <a:noFill/>
+          </a:ln>
+        </p:spPr>
+      </p:pic>
     </p:spTree>
   </p:cSld>
   <p:clrMapOvr>
